--- a/docs/第5回引数と返却値.pptx
+++ b/docs/第5回引数と返却値.pptx
@@ -258,7 +258,7 @@
           <a:p>
             <a:fld id="{BC217E9B-DFCD-4DFE-B7ED-A5F6001EB7CB}" type="datetimeFigureOut">
               <a:rPr kumimoji="1" lang="ja-JP" altLang="en-US" smtClean="0"/>
-              <a:t>2019/4/23</a:t>
+              <a:t>2019/4/25</a:t>
             </a:fld>
             <a:endParaRPr kumimoji="1" lang="ja-JP" altLang="en-US"/>
           </a:p>
@@ -460,7 +460,7 @@
           <a:p>
             <a:fld id="{BC217E9B-DFCD-4DFE-B7ED-A5F6001EB7CB}" type="datetimeFigureOut">
               <a:rPr kumimoji="1" lang="ja-JP" altLang="en-US" smtClean="0"/>
-              <a:t>2019/4/23</a:t>
+              <a:t>2019/4/25</a:t>
             </a:fld>
             <a:endParaRPr kumimoji="1" lang="ja-JP" altLang="en-US"/>
           </a:p>
@@ -672,7 +672,7 @@
           <a:p>
             <a:fld id="{BC217E9B-DFCD-4DFE-B7ED-A5F6001EB7CB}" type="datetimeFigureOut">
               <a:rPr kumimoji="1" lang="ja-JP" altLang="en-US" smtClean="0"/>
-              <a:t>2019/4/23</a:t>
+              <a:t>2019/4/25</a:t>
             </a:fld>
             <a:endParaRPr kumimoji="1" lang="ja-JP" altLang="en-US"/>
           </a:p>
@@ -874,7 +874,7 @@
           <a:p>
             <a:fld id="{BC217E9B-DFCD-4DFE-B7ED-A5F6001EB7CB}" type="datetimeFigureOut">
               <a:rPr kumimoji="1" lang="ja-JP" altLang="en-US" smtClean="0"/>
-              <a:t>2019/4/23</a:t>
+              <a:t>2019/4/25</a:t>
             </a:fld>
             <a:endParaRPr kumimoji="1" lang="ja-JP" altLang="en-US"/>
           </a:p>
@@ -1120,7 +1120,7 @@
           <a:p>
             <a:fld id="{BC217E9B-DFCD-4DFE-B7ED-A5F6001EB7CB}" type="datetimeFigureOut">
               <a:rPr kumimoji="1" lang="ja-JP" altLang="en-US" smtClean="0"/>
-              <a:t>2019/4/23</a:t>
+              <a:t>2019/4/25</a:t>
             </a:fld>
             <a:endParaRPr kumimoji="1" lang="ja-JP" altLang="en-US"/>
           </a:p>
@@ -1416,7 +1416,7 @@
           <a:p>
             <a:fld id="{BC217E9B-DFCD-4DFE-B7ED-A5F6001EB7CB}" type="datetimeFigureOut">
               <a:rPr kumimoji="1" lang="ja-JP" altLang="en-US" smtClean="0"/>
-              <a:t>2019/4/23</a:t>
+              <a:t>2019/4/25</a:t>
             </a:fld>
             <a:endParaRPr kumimoji="1" lang="ja-JP" altLang="en-US"/>
           </a:p>
@@ -1847,7 +1847,7 @@
           <a:p>
             <a:fld id="{BC217E9B-DFCD-4DFE-B7ED-A5F6001EB7CB}" type="datetimeFigureOut">
               <a:rPr kumimoji="1" lang="ja-JP" altLang="en-US" smtClean="0"/>
-              <a:t>2019/4/23</a:t>
+              <a:t>2019/4/25</a:t>
             </a:fld>
             <a:endParaRPr kumimoji="1" lang="ja-JP" altLang="en-US"/>
           </a:p>
@@ -1965,7 +1965,7 @@
           <a:p>
             <a:fld id="{BC217E9B-DFCD-4DFE-B7ED-A5F6001EB7CB}" type="datetimeFigureOut">
               <a:rPr kumimoji="1" lang="ja-JP" altLang="en-US" smtClean="0"/>
-              <a:t>2019/4/23</a:t>
+              <a:t>2019/4/25</a:t>
             </a:fld>
             <a:endParaRPr kumimoji="1" lang="ja-JP" altLang="en-US"/>
           </a:p>
@@ -2060,7 +2060,7 @@
           <a:p>
             <a:fld id="{BC217E9B-DFCD-4DFE-B7ED-A5F6001EB7CB}" type="datetimeFigureOut">
               <a:rPr kumimoji="1" lang="ja-JP" altLang="en-US" smtClean="0"/>
-              <a:t>2019/4/23</a:t>
+              <a:t>2019/4/25</a:t>
             </a:fld>
             <a:endParaRPr kumimoji="1" lang="ja-JP" altLang="en-US"/>
           </a:p>
@@ -2369,7 +2369,7 @@
           <a:p>
             <a:fld id="{BC217E9B-DFCD-4DFE-B7ED-A5F6001EB7CB}" type="datetimeFigureOut">
               <a:rPr kumimoji="1" lang="ja-JP" altLang="en-US" smtClean="0"/>
-              <a:t>2019/4/23</a:t>
+              <a:t>2019/4/25</a:t>
             </a:fld>
             <a:endParaRPr kumimoji="1" lang="ja-JP" altLang="en-US"/>
           </a:p>
@@ -2622,7 +2622,7 @@
           <a:p>
             <a:fld id="{BC217E9B-DFCD-4DFE-B7ED-A5F6001EB7CB}" type="datetimeFigureOut">
               <a:rPr kumimoji="1" lang="ja-JP" altLang="en-US" smtClean="0"/>
-              <a:t>2019/4/23</a:t>
+              <a:t>2019/4/25</a:t>
             </a:fld>
             <a:endParaRPr kumimoji="1" lang="ja-JP" altLang="en-US"/>
           </a:p>
@@ -2867,7 +2867,7 @@
           <a:p>
             <a:fld id="{BC217E9B-DFCD-4DFE-B7ED-A5F6001EB7CB}" type="datetimeFigureOut">
               <a:rPr kumimoji="1" lang="ja-JP" altLang="en-US" smtClean="0"/>
-              <a:t>2019/4/23</a:t>
+              <a:t>2019/4/25</a:t>
             </a:fld>
             <a:endParaRPr kumimoji="1" lang="ja-JP" altLang="en-US"/>
           </a:p>
@@ -3317,11 +3317,7 @@
             </a:r>
             <a:r>
               <a:rPr lang="ja-JP" altLang="en-US" sz="4000" dirty="0" smtClean="0"/>
-              <a:t>回</a:t>
-            </a:r>
-            <a:r>
-              <a:rPr lang="ja-JP" altLang="en-US" sz="4000" dirty="0" smtClean="0"/>
-              <a:t>授業</a:t>
+              <a:t>回授業</a:t>
             </a:r>
             <a:r>
               <a:rPr lang="en-US" altLang="ja-JP" sz="4000" dirty="0" smtClean="0"/>
@@ -3342,10 +3338,6 @@
               <a:rPr lang="en-US" altLang="ja-JP" sz="4000" dirty="0" smtClean="0"/>
               <a:t>”</a:t>
             </a:r>
-            <a:r>
-              <a:rPr lang="en-US" altLang="ja-JP" sz="4000" dirty="0" smtClean="0"/>
-              <a:t/>
-            </a:r>
             <a:br>
               <a:rPr lang="en-US" altLang="ja-JP" sz="4000" dirty="0" smtClean="0"/>
             </a:br>
@@ -3355,11 +3347,7 @@
             </a:r>
             <a:r>
               <a:rPr lang="en-US" altLang="ja-JP" sz="4000" dirty="0" smtClean="0"/>
-              <a:t>Page </a:t>
-            </a:r>
-            <a:r>
-              <a:rPr lang="en-US" altLang="ja-JP" sz="4000" dirty="0" smtClean="0"/>
-              <a:t>34-42)</a:t>
+              <a:t>Page 34-42)</a:t>
             </a:r>
             <a:endParaRPr kumimoji="1" lang="ja-JP" altLang="en-US" sz="4000" dirty="0"/>
           </a:p>
@@ -6190,11 +6178,7 @@
           <a:p>
             <a:r>
               <a:rPr kumimoji="1" lang="ja-JP" altLang="en-US" sz="3600" dirty="0" smtClean="0"/>
-              <a:t>・前回の</a:t>
-            </a:r>
-            <a:r>
-              <a:rPr kumimoji="1" lang="ja-JP" altLang="en-US" sz="3600" dirty="0" smtClean="0"/>
-              <a:t>復習</a:t>
+              <a:t>・前回の復習</a:t>
             </a:r>
             <a:endParaRPr kumimoji="1" lang="en-US" altLang="ja-JP" sz="3600" dirty="0" smtClean="0"/>
           </a:p>
@@ -6272,11 +6256,7 @@
             </a:r>
             <a:r>
               <a:rPr lang="ja-JP" altLang="en-US" dirty="0" smtClean="0"/>
-              <a:t>引数と返却値</a:t>
-            </a:r>
-            <a:r>
-              <a:rPr lang="ja-JP" altLang="en-US" dirty="0" smtClean="0"/>
-              <a:t>　</a:t>
+              <a:t>引数と返却値　</a:t>
             </a:r>
             <a:r>
               <a:rPr lang="en-US" altLang="ja-JP" dirty="0" smtClean="0"/>
@@ -6401,39 +6381,9 @@
           <a:chExt cx="0" cy="0"/>
         </a:xfrm>
       </p:grpSpPr>
-      <p:sp>
-        <p:nvSpPr>
-          <p:cNvPr id="4" name="テキスト ボックス 3"/>
-          <p:cNvSpPr txBox="1"/>
-          <p:nvPr/>
-        </p:nvSpPr>
-        <p:spPr>
-          <a:xfrm>
-            <a:off x="1415441" y="438411"/>
-            <a:ext cx="9879628" cy="646331"/>
-          </a:xfrm>
-          <a:prstGeom prst="rect">
-            <a:avLst/>
-          </a:prstGeom>
-          <a:noFill/>
-        </p:spPr>
-        <p:txBody>
-          <a:bodyPr wrap="none" rtlCol="0">
-            <a:spAutoFit/>
-          </a:bodyPr>
-          <a:lstStyle/>
-          <a:p>
-            <a:r>
-              <a:rPr lang="ja-JP" altLang="en-US" sz="3600" dirty="0" smtClean="0"/>
-              <a:t>プログラムの宣言部と処理部、フローチャート</a:t>
-            </a:r>
-            <a:endParaRPr kumimoji="1" lang="ja-JP" altLang="en-US" sz="3600" dirty="0"/>
-          </a:p>
-        </p:txBody>
-      </p:sp>
       <p:pic>
         <p:nvPicPr>
-          <p:cNvPr id="2" name="図 1"/>
+          <p:cNvPr id="3" name="図 2"/>
           <p:cNvPicPr>
             <a:picLocks noChangeAspect="1"/>
           </p:cNvPicPr>
@@ -6447,17 +6397,85 @@
         </p:blipFill>
         <p:spPr>
           <a:xfrm>
-            <a:off x="745102" y="1257887"/>
-            <a:ext cx="6136733" cy="5080283"/>
+            <a:off x="471617" y="1889693"/>
+            <a:ext cx="5336261" cy="4042622"/>
           </a:xfrm>
           <a:prstGeom prst="rect">
             <a:avLst/>
           </a:prstGeom>
         </p:spPr>
       </p:pic>
+      <p:sp>
+        <p:nvSpPr>
+          <p:cNvPr id="4" name="テキスト ボックス 3"/>
+          <p:cNvSpPr txBox="1"/>
+          <p:nvPr/>
+        </p:nvSpPr>
+        <p:spPr>
+          <a:xfrm>
+            <a:off x="1415441" y="438411"/>
+            <a:ext cx="9879628" cy="646331"/>
+          </a:xfrm>
+          <a:prstGeom prst="rect">
+            <a:avLst/>
+          </a:prstGeom>
+          <a:noFill/>
+        </p:spPr>
+        <p:txBody>
+          <a:bodyPr wrap="none" rtlCol="0">
+            <a:spAutoFit/>
+          </a:bodyPr>
+          <a:lstStyle/>
+          <a:p>
+            <a:r>
+              <a:rPr lang="ja-JP" altLang="en-US" sz="3600" dirty="0" smtClean="0"/>
+              <a:t>プログラムの宣言部と処理部、フローチャート</a:t>
+            </a:r>
+            <a:endParaRPr kumimoji="1" lang="ja-JP" altLang="en-US" sz="3600" dirty="0"/>
+          </a:p>
+        </p:txBody>
+      </p:sp>
+      <p:sp>
+        <p:nvSpPr>
+          <p:cNvPr id="7" name="テキスト ボックス 6"/>
+          <p:cNvSpPr txBox="1"/>
+          <p:nvPr/>
+        </p:nvSpPr>
+        <p:spPr>
+          <a:xfrm>
+            <a:off x="3676946" y="3336605"/>
+            <a:ext cx="800219" cy="461665"/>
+          </a:xfrm>
+          <a:prstGeom prst="rect">
+            <a:avLst/>
+          </a:prstGeom>
+          <a:noFill/>
+        </p:spPr>
+        <p:txBody>
+          <a:bodyPr wrap="none" rtlCol="0">
+            <a:spAutoFit/>
+          </a:bodyPr>
+          <a:lstStyle/>
+          <a:p>
+            <a:r>
+              <a:rPr kumimoji="1" lang="ja-JP" altLang="en-US" sz="2400" b="1" dirty="0" smtClean="0">
+                <a:solidFill>
+                  <a:srgbClr val="FF0000"/>
+                </a:solidFill>
+              </a:rPr>
+              <a:t>関数</a:t>
+            </a:r>
+            <a:endParaRPr kumimoji="1" lang="ja-JP" altLang="en-US" sz="2400" b="1" dirty="0">
+              <a:solidFill>
+                <a:srgbClr val="FF0000"/>
+              </a:solidFill>
+            </a:endParaRPr>
+          </a:p>
+        </p:txBody>
+      </p:sp>
       <p:pic>
         <p:nvPicPr>
-          <p:cNvPr id="6" name="図 5"/>
+          <p:cNvPr id="5" name="図 4"/>
           <p:cNvPicPr>
             <a:picLocks noChangeAspect="1"/>
           </p:cNvPicPr>
@@ -6471,152 +6489,14 @@
         </p:blipFill>
         <p:spPr>
           <a:xfrm>
-            <a:off x="8508368" y="1069320"/>
-            <a:ext cx="1612661" cy="5457416"/>
+            <a:off x="6103124" y="1447082"/>
+            <a:ext cx="5191945" cy="5166306"/>
           </a:xfrm>
           <a:prstGeom prst="rect">
             <a:avLst/>
           </a:prstGeom>
         </p:spPr>
       </p:pic>
-      <p:sp>
-        <p:nvSpPr>
-          <p:cNvPr id="7" name="テキスト ボックス 6"/>
-          <p:cNvSpPr txBox="1"/>
-          <p:nvPr/>
-        </p:nvSpPr>
-        <p:spPr>
-          <a:xfrm>
-            <a:off x="1773192" y="1695975"/>
-            <a:ext cx="1107996" cy="461665"/>
-          </a:xfrm>
-          <a:prstGeom prst="rect">
-            <a:avLst/>
-          </a:prstGeom>
-          <a:noFill/>
-        </p:spPr>
-        <p:txBody>
-          <a:bodyPr wrap="none" rtlCol="0">
-            <a:spAutoFit/>
-          </a:bodyPr>
-          <a:lstStyle/>
-          <a:p>
-            <a:r>
-              <a:rPr kumimoji="1" lang="ja-JP" altLang="en-US" sz="2400" b="1" dirty="0" smtClean="0">
-                <a:solidFill>
-                  <a:srgbClr val="FF0000"/>
-                </a:solidFill>
-              </a:rPr>
-              <a:t>初期化</a:t>
-            </a:r>
-            <a:endParaRPr kumimoji="1" lang="ja-JP" altLang="en-US" sz="2400" b="1" dirty="0">
-              <a:solidFill>
-                <a:srgbClr val="FF0000"/>
-              </a:solidFill>
-            </a:endParaRPr>
-          </a:p>
-        </p:txBody>
-      </p:sp>
-      <p:sp>
-        <p:nvSpPr>
-          <p:cNvPr id="8" name="テキスト ボックス 7"/>
-          <p:cNvSpPr txBox="1"/>
-          <p:nvPr/>
-        </p:nvSpPr>
-        <p:spPr>
-          <a:xfrm>
-            <a:off x="2998526" y="1995882"/>
-            <a:ext cx="5509842" cy="1200329"/>
-          </a:xfrm>
-          <a:prstGeom prst="rect">
-            <a:avLst/>
-          </a:prstGeom>
-          <a:noFill/>
-        </p:spPr>
-        <p:txBody>
-          <a:bodyPr wrap="none" rtlCol="0">
-            <a:spAutoFit/>
-          </a:bodyPr>
-          <a:lstStyle/>
-          <a:p>
-            <a:r>
-              <a:rPr lang="ja-JP" altLang="en-US" sz="2400" b="1" dirty="0" smtClean="0">
-                <a:solidFill>
-                  <a:srgbClr val="FF0000"/>
-                </a:solidFill>
-              </a:rPr>
-              <a:t>ループ処理　</a:t>
-            </a:r>
-            <a:endParaRPr lang="en-US" altLang="ja-JP" sz="2400" b="1" dirty="0" smtClean="0">
-              <a:solidFill>
-                <a:srgbClr val="FF0000"/>
-              </a:solidFill>
-            </a:endParaRPr>
-          </a:p>
-          <a:p>
-            <a:r>
-              <a:rPr lang="ja-JP" altLang="en-US" sz="2400" b="1" dirty="0" smtClean="0">
-                <a:solidFill>
-                  <a:srgbClr val="FF0000"/>
-                </a:solidFill>
-              </a:rPr>
-              <a:t>（</a:t>
-            </a:r>
-            <a:r>
-              <a:rPr lang="en-US" altLang="ja-JP" sz="2400" b="1" dirty="0" smtClean="0">
-                <a:solidFill>
-                  <a:srgbClr val="FF0000"/>
-                </a:solidFill>
-              </a:rPr>
-              <a:t>CNT</a:t>
-            </a:r>
-            <a:r>
-              <a:rPr lang="ja-JP" altLang="en-US" sz="2400" b="1" dirty="0" smtClean="0">
-                <a:solidFill>
-                  <a:srgbClr val="FF0000"/>
-                </a:solidFill>
-              </a:rPr>
-              <a:t>が</a:t>
-            </a:r>
-            <a:r>
-              <a:rPr lang="en-US" altLang="ja-JP" sz="2400" b="1" dirty="0" smtClean="0">
-                <a:solidFill>
-                  <a:srgbClr val="FF0000"/>
-                </a:solidFill>
-              </a:rPr>
-              <a:t>10</a:t>
-            </a:r>
-            <a:r>
-              <a:rPr lang="ja-JP" altLang="en-US" sz="2400" b="1" dirty="0" smtClean="0">
-                <a:solidFill>
-                  <a:srgbClr val="FF0000"/>
-                </a:solidFill>
-              </a:rPr>
-              <a:t>未満の場合に繰り返す）　</a:t>
-            </a:r>
-            <a:endParaRPr lang="en-US" altLang="ja-JP" sz="2400" b="1" dirty="0" smtClean="0">
-              <a:solidFill>
-                <a:srgbClr val="FF0000"/>
-              </a:solidFill>
-            </a:endParaRPr>
-          </a:p>
-          <a:p>
-            <a:r>
-              <a:rPr lang="ja-JP" altLang="en-US" sz="2400" b="1" dirty="0" smtClean="0">
-                <a:solidFill>
-                  <a:srgbClr val="FF0000"/>
-                </a:solidFill>
-              </a:rPr>
-              <a:t>前判定となる</a:t>
-            </a:r>
-            <a:endParaRPr lang="en-US" altLang="ja-JP" sz="2400" b="1" dirty="0" smtClean="0">
-              <a:solidFill>
-                <a:srgbClr val="FF0000"/>
-              </a:solidFill>
-            </a:endParaRPr>
-          </a:p>
-        </p:txBody>
-      </p:sp>
     </p:spTree>
     <p:extLst>
       <p:ext uri="{BB962C8B-B14F-4D97-AF65-F5344CB8AC3E}">

--- a/docs/第5回引数と返却値.pptx
+++ b/docs/第5回引数と返却値.pptx
@@ -9,18 +9,16 @@
     <p:sldId id="257" r:id="rId3"/>
     <p:sldId id="258" r:id="rId4"/>
     <p:sldId id="270" r:id="rId5"/>
-    <p:sldId id="279" r:id="rId6"/>
-    <p:sldId id="272" r:id="rId7"/>
-    <p:sldId id="280" r:id="rId8"/>
-    <p:sldId id="269" r:id="rId9"/>
-    <p:sldId id="281" r:id="rId10"/>
-    <p:sldId id="282" r:id="rId11"/>
-    <p:sldId id="283" r:id="rId12"/>
-    <p:sldId id="284" r:id="rId13"/>
-    <p:sldId id="285" r:id="rId14"/>
-    <p:sldId id="286" r:id="rId15"/>
-    <p:sldId id="287" r:id="rId16"/>
-    <p:sldId id="288" r:id="rId17"/>
+    <p:sldId id="289" r:id="rId6"/>
+    <p:sldId id="290" r:id="rId7"/>
+    <p:sldId id="281" r:id="rId8"/>
+    <p:sldId id="282" r:id="rId9"/>
+    <p:sldId id="283" r:id="rId10"/>
+    <p:sldId id="284" r:id="rId11"/>
+    <p:sldId id="285" r:id="rId12"/>
+    <p:sldId id="286" r:id="rId13"/>
+    <p:sldId id="287" r:id="rId14"/>
+    <p:sldId id="288" r:id="rId15"/>
   </p:sldIdLst>
   <p:sldSz cx="12192000" cy="6858000"/>
   <p:notesSz cx="6858000" cy="9144000"/>
@@ -3421,247 +3419,6 @@
       </p:grpSpPr>
       <p:sp>
         <p:nvSpPr>
-          <p:cNvPr id="3" name="テキスト ボックス 2"/>
-          <p:cNvSpPr txBox="1"/>
-          <p:nvPr/>
-        </p:nvSpPr>
-        <p:spPr>
-          <a:xfrm>
-            <a:off x="2630467" y="289653"/>
-            <a:ext cx="6288901" cy="523220"/>
-          </a:xfrm>
-          <a:prstGeom prst="rect">
-            <a:avLst/>
-          </a:prstGeom>
-          <a:noFill/>
-        </p:spPr>
-        <p:txBody>
-          <a:bodyPr wrap="none" rtlCol="0">
-            <a:spAutoFit/>
-          </a:bodyPr>
-          <a:lstStyle/>
-          <a:p>
-            <a:r>
-              <a:rPr kumimoji="1" lang="ja-JP" altLang="en-US" sz="2800" dirty="0" smtClean="0"/>
-              <a:t>１から１０までの整数の合計を求める</a:t>
-            </a:r>
-            <a:endParaRPr kumimoji="1" lang="en-US" altLang="ja-JP" sz="2800" dirty="0" smtClean="0"/>
-          </a:p>
-        </p:txBody>
-      </p:sp>
-      <p:pic>
-        <p:nvPicPr>
-          <p:cNvPr id="4" name="図 3"/>
-          <p:cNvPicPr>
-            <a:picLocks noChangeAspect="1"/>
-          </p:cNvPicPr>
-          <p:nvPr/>
-        </p:nvPicPr>
-        <p:blipFill>
-          <a:blip r:embed="rId2"/>
-          <a:stretch>
-            <a:fillRect/>
-          </a:stretch>
-        </p:blipFill>
-        <p:spPr>
-          <a:xfrm>
-            <a:off x="501042" y="1355615"/>
-            <a:ext cx="8251847" cy="5305954"/>
-          </a:xfrm>
-          <a:prstGeom prst="rect">
-            <a:avLst/>
-          </a:prstGeom>
-        </p:spPr>
-      </p:pic>
-      <p:sp>
-        <p:nvSpPr>
-          <p:cNvPr id="5" name="テキスト ボックス 4"/>
-          <p:cNvSpPr txBox="1"/>
-          <p:nvPr/>
-        </p:nvSpPr>
-        <p:spPr>
-          <a:xfrm>
-            <a:off x="2807047" y="2964319"/>
-            <a:ext cx="9623147" cy="584775"/>
-          </a:xfrm>
-          <a:prstGeom prst="rect">
-            <a:avLst/>
-          </a:prstGeom>
-          <a:noFill/>
-        </p:spPr>
-        <p:txBody>
-          <a:bodyPr wrap="none" rtlCol="0">
-            <a:spAutoFit/>
-          </a:bodyPr>
-          <a:lstStyle/>
-          <a:p>
-            <a:r>
-              <a:rPr kumimoji="1" lang="ja-JP" altLang="en-US" sz="3200" dirty="0" smtClean="0">
-                <a:solidFill>
-                  <a:srgbClr val="FF0000"/>
-                </a:solidFill>
-              </a:rPr>
-              <a:t>←同じ命令を繰り返して記述しなければならない。</a:t>
-            </a:r>
-            <a:endParaRPr kumimoji="1" lang="ja-JP" altLang="en-US" sz="3200" dirty="0">
-              <a:solidFill>
-                <a:srgbClr val="FF0000"/>
-              </a:solidFill>
-            </a:endParaRPr>
-          </a:p>
-        </p:txBody>
-      </p:sp>
-    </p:spTree>
-    <p:extLst>
-      <p:ext uri="{BB962C8B-B14F-4D97-AF65-F5344CB8AC3E}">
-        <p14:creationId xmlns:p14="http://schemas.microsoft.com/office/powerpoint/2010/main" val="231530369"/>
-      </p:ext>
-    </p:extLst>
-  </p:cSld>
-  <p:clrMapOvr>
-    <a:masterClrMapping/>
-  </p:clrMapOvr>
-</p:sld>
-</file>
-
-<file path=ppt/slides/slide11.xml><?xml version="1.0" encoding="utf-8"?>
-<p:sld xmlns:a="http://schemas.openxmlformats.org/drawingml/2006/main" xmlns:r="http://schemas.openxmlformats.org/officeDocument/2006/relationships" xmlns:p="http://schemas.openxmlformats.org/presentationml/2006/main">
-  <p:cSld>
-    <p:spTree>
-      <p:nvGrpSpPr>
-        <p:cNvPr id="1" name=""/>
-        <p:cNvGrpSpPr/>
-        <p:nvPr/>
-      </p:nvGrpSpPr>
-      <p:grpSpPr>
-        <a:xfrm>
-          <a:off x="0" y="0"/>
-          <a:ext cx="0" cy="0"/>
-          <a:chOff x="0" y="0"/>
-          <a:chExt cx="0" cy="0"/>
-        </a:xfrm>
-      </p:grpSpPr>
-      <p:pic>
-        <p:nvPicPr>
-          <p:cNvPr id="2" name="図 1"/>
-          <p:cNvPicPr>
-            <a:picLocks noChangeAspect="1"/>
-          </p:cNvPicPr>
-          <p:nvPr/>
-        </p:nvPicPr>
-        <p:blipFill>
-          <a:blip r:embed="rId2"/>
-          <a:stretch>
-            <a:fillRect/>
-          </a:stretch>
-        </p:blipFill>
-        <p:spPr>
-          <a:xfrm>
-            <a:off x="1776804" y="1414461"/>
-            <a:ext cx="8256544" cy="5113302"/>
-          </a:xfrm>
-          <a:prstGeom prst="rect">
-            <a:avLst/>
-          </a:prstGeom>
-        </p:spPr>
-      </p:pic>
-      <p:sp>
-        <p:nvSpPr>
-          <p:cNvPr id="3" name="テキスト ボックス 2"/>
-          <p:cNvSpPr txBox="1"/>
-          <p:nvPr/>
-        </p:nvSpPr>
-        <p:spPr>
-          <a:xfrm>
-            <a:off x="914401" y="201970"/>
-            <a:ext cx="10785325" cy="954107"/>
-          </a:xfrm>
-          <a:prstGeom prst="rect">
-            <a:avLst/>
-          </a:prstGeom>
-          <a:noFill/>
-        </p:spPr>
-        <p:txBody>
-          <a:bodyPr wrap="none" rtlCol="0">
-            <a:spAutoFit/>
-          </a:bodyPr>
-          <a:lstStyle/>
-          <a:p>
-            <a:r>
-              <a:rPr kumimoji="1" lang="ja-JP" altLang="en-US" sz="2800" dirty="0" smtClean="0"/>
-              <a:t>１から１０までの整数の合計を求める</a:t>
-            </a:r>
-            <a:endParaRPr kumimoji="1" lang="en-US" altLang="ja-JP" sz="2800" dirty="0" smtClean="0"/>
-          </a:p>
-          <a:p>
-            <a:r>
-              <a:rPr lang="ja-JP" altLang="en-US" sz="2800" dirty="0" smtClean="0"/>
-              <a:t>（効率よくかけるのと、</a:t>
-            </a:r>
-            <a:r>
-              <a:rPr lang="en-US" altLang="ja-JP" sz="2800" dirty="0" err="1" smtClean="0"/>
-              <a:t>Cnt</a:t>
-            </a:r>
-            <a:r>
-              <a:rPr lang="ja-JP" altLang="en-US" sz="2800" dirty="0" smtClean="0"/>
-              <a:t>を</a:t>
-            </a:r>
-            <a:r>
-              <a:rPr lang="en-US" altLang="ja-JP" sz="2800" dirty="0" smtClean="0"/>
-              <a:t>100</a:t>
-            </a:r>
-            <a:r>
-              <a:rPr lang="ja-JP" altLang="en-US" sz="2800" dirty="0" smtClean="0"/>
-              <a:t>とか</a:t>
-            </a:r>
-            <a:r>
-              <a:rPr lang="en-US" altLang="ja-JP" sz="2800" dirty="0" smtClean="0"/>
-              <a:t>1000</a:t>
-            </a:r>
-            <a:r>
-              <a:rPr lang="ja-JP" altLang="en-US" sz="2800" dirty="0" err="1" smtClean="0"/>
-              <a:t>に簡</a:t>
-            </a:r>
-            <a:r>
-              <a:rPr lang="ja-JP" altLang="en-US" sz="2800" dirty="0" smtClean="0"/>
-              <a:t>単に変更できる）</a:t>
-            </a:r>
-            <a:endParaRPr kumimoji="1" lang="en-US" altLang="ja-JP" sz="2800" dirty="0" smtClean="0"/>
-          </a:p>
-        </p:txBody>
-      </p:sp>
-    </p:spTree>
-    <p:extLst>
-      <p:ext uri="{BB962C8B-B14F-4D97-AF65-F5344CB8AC3E}">
-        <p14:creationId xmlns:p14="http://schemas.microsoft.com/office/powerpoint/2010/main" val="3676105551"/>
-      </p:ext>
-    </p:extLst>
-  </p:cSld>
-  <p:clrMapOvr>
-    <a:masterClrMapping/>
-  </p:clrMapOvr>
-</p:sld>
-</file>
-
-<file path=ppt/slides/slide12.xml><?xml version="1.0" encoding="utf-8"?>
-<p:sld xmlns:a="http://schemas.openxmlformats.org/drawingml/2006/main" xmlns:r="http://schemas.openxmlformats.org/officeDocument/2006/relationships" xmlns:p="http://schemas.openxmlformats.org/presentationml/2006/main">
-  <p:cSld>
-    <p:spTree>
-      <p:nvGrpSpPr>
-        <p:cNvPr id="1" name=""/>
-        <p:cNvGrpSpPr/>
-        <p:nvPr/>
-      </p:nvGrpSpPr>
-      <p:grpSpPr>
-        <a:xfrm>
-          <a:off x="0" y="0"/>
-          <a:ext cx="0" cy="0"/>
-          <a:chOff x="0" y="0"/>
-          <a:chExt cx="0" cy="0"/>
-        </a:xfrm>
-      </p:grpSpPr>
-      <p:sp>
-        <p:nvSpPr>
           <p:cNvPr id="4" name="テキスト ボックス 3"/>
           <p:cNvSpPr txBox="1"/>
           <p:nvPr/>
@@ -5759,7 +5516,7 @@
 </p:sld>
 </file>
 
-<file path=ppt/slides/slide13.xml><?xml version="1.0" encoding="utf-8"?>
+<file path=ppt/slides/slide11.xml><?xml version="1.0" encoding="utf-8"?>
 <p:sld xmlns:a="http://schemas.openxmlformats.org/drawingml/2006/main" xmlns:r="http://schemas.openxmlformats.org/officeDocument/2006/relationships" xmlns:p="http://schemas.openxmlformats.org/presentationml/2006/main">
   <p:cSld>
     <p:spTree>
@@ -5813,7 +5570,7 @@
 </p:sld>
 </file>
 
-<file path=ppt/slides/slide14.xml><?xml version="1.0" encoding="utf-8"?>
+<file path=ppt/slides/slide12.xml><?xml version="1.0" encoding="utf-8"?>
 <p:sld xmlns:a="http://schemas.openxmlformats.org/drawingml/2006/main" xmlns:r="http://schemas.openxmlformats.org/officeDocument/2006/relationships" xmlns:p="http://schemas.openxmlformats.org/presentationml/2006/main">
   <p:cSld>
     <p:spTree>
@@ -5905,7 +5662,7 @@
 </p:sld>
 </file>
 
-<file path=ppt/slides/slide15.xml><?xml version="1.0" encoding="utf-8"?>
+<file path=ppt/slides/slide13.xml><?xml version="1.0" encoding="utf-8"?>
 <p:sld xmlns:a="http://schemas.openxmlformats.org/drawingml/2006/main" xmlns:r="http://schemas.openxmlformats.org/officeDocument/2006/relationships" xmlns:p="http://schemas.openxmlformats.org/presentationml/2006/main">
   <p:cSld>
     <p:spTree>
@@ -6000,7 +5757,7 @@
 </p:sld>
 </file>
 
-<file path=ppt/slides/slide16.xml><?xml version="1.0" encoding="utf-8"?>
+<file path=ppt/slides/slide14.xml><?xml version="1.0" encoding="utf-8"?>
 <p:sld xmlns:a="http://schemas.openxmlformats.org/drawingml/2006/main" xmlns:r="http://schemas.openxmlformats.org/officeDocument/2006/relationships" xmlns:p="http://schemas.openxmlformats.org/presentationml/2006/main">
   <p:cSld>
     <p:spTree>
@@ -6414,7 +6171,7 @@
         <p:spPr>
           <a:xfrm>
             <a:off x="1415441" y="438411"/>
-            <a:ext cx="9879628" cy="646331"/>
+            <a:ext cx="8956298" cy="646331"/>
           </a:xfrm>
           <a:prstGeom prst="rect">
             <a:avLst/>
@@ -6429,7 +6186,7 @@
           <a:p>
             <a:r>
               <a:rPr lang="ja-JP" altLang="en-US" sz="3600" dirty="0" smtClean="0"/>
-              <a:t>プログラムの宣言部と処理部、フローチャート</a:t>
+              <a:t>関数の呼び出しについて（引数と返却値）</a:t>
             </a:r>
             <a:endParaRPr kumimoji="1" lang="ja-JP" altLang="en-US" sz="3600" dirty="0"/>
           </a:p>
@@ -6527,6 +6284,30 @@
           <a:chExt cx="0" cy="0"/>
         </a:xfrm>
       </p:grpSpPr>
+      <p:pic>
+        <p:nvPicPr>
+          <p:cNvPr id="2" name="図 1"/>
+          <p:cNvPicPr>
+            <a:picLocks noChangeAspect="1"/>
+          </p:cNvPicPr>
+          <p:nvPr/>
+        </p:nvPicPr>
+        <p:blipFill>
+          <a:blip r:embed="rId2"/>
+          <a:stretch>
+            <a:fillRect/>
+          </a:stretch>
+        </p:blipFill>
+        <p:spPr>
+          <a:xfrm>
+            <a:off x="324144" y="1178327"/>
+            <a:ext cx="5528015" cy="4899831"/>
+          </a:xfrm>
+          <a:prstGeom prst="rect">
+            <a:avLst/>
+          </a:prstGeom>
+        </p:spPr>
+      </p:pic>
       <p:sp>
         <p:nvSpPr>
           <p:cNvPr id="4" name="テキスト ボックス 3"/>
@@ -6535,8 +6316,8 @@
         </p:nvSpPr>
         <p:spPr>
           <a:xfrm>
-            <a:off x="851770" y="250521"/>
-            <a:ext cx="10934404" cy="646331"/>
+            <a:off x="1415441" y="438411"/>
+            <a:ext cx="7813357" cy="646331"/>
           </a:xfrm>
           <a:prstGeom prst="rect">
             <a:avLst/>
@@ -6550,1398 +6331,87 @@
           <a:lstStyle/>
           <a:p>
             <a:r>
-              <a:rPr lang="ja-JP" altLang="en-US" sz="3600" dirty="0" smtClean="0"/>
-              <a:t>プログラムの宣言部と処理部 変数の流れ（前判定）</a:t>
+              <a:rPr kumimoji="1" lang="ja-JP" altLang="en-US" sz="3600" dirty="0" smtClean="0"/>
+              <a:t>関数　（</a:t>
+            </a:r>
+            <a:r>
+              <a:rPr kumimoji="1" lang="en-US" altLang="ja-JP" sz="3600" dirty="0" smtClean="0"/>
+              <a:t>A,B,C</a:t>
+            </a:r>
+            <a:r>
+              <a:rPr kumimoji="1" lang="ja-JP" altLang="en-US" sz="3600" dirty="0" smtClean="0"/>
+              <a:t>から最大値と求める）</a:t>
             </a:r>
             <a:endParaRPr kumimoji="1" lang="ja-JP" altLang="en-US" sz="3600" dirty="0"/>
           </a:p>
         </p:txBody>
       </p:sp>
-      <p:graphicFrame>
-        <p:nvGraphicFramePr>
-          <p:cNvPr id="5" name="表 4"/>
-          <p:cNvGraphicFramePr>
-            <a:graphicFrameLocks noGrp="1"/>
-          </p:cNvGraphicFramePr>
-          <p:nvPr>
-            <p:extLst>
-              <p:ext uri="{D42A27DB-BD31-4B8C-83A1-F6EECF244321}">
-                <p14:modId xmlns:p14="http://schemas.microsoft.com/office/powerpoint/2010/main" val="2919430093"/>
-              </p:ext>
-            </p:extLst>
-          </p:nvPr>
-        </p:nvGraphicFramePr>
-        <p:xfrm>
-          <a:off x="688933" y="1084742"/>
-          <a:ext cx="10296393" cy="5328999"/>
-        </p:xfrm>
-        <a:graphic>
-          <a:graphicData uri="http://schemas.openxmlformats.org/drawingml/2006/table">
-            <a:tbl>
-              <a:tblPr firstRow="1" bandRow="1">
-                <a:tableStyleId>{5C22544A-7EE6-4342-B048-85BDC9FD1C3A}</a:tableStyleId>
-              </a:tblPr>
-              <a:tblGrid>
-                <a:gridCol w="1629522">
-                  <a:extLst>
-                    <a:ext uri="{9D8B030D-6E8A-4147-A177-3AD203B41FA5}">
-                      <a16:colId xmlns:a16="http://schemas.microsoft.com/office/drawing/2014/main" val="845264888"/>
-                    </a:ext>
-                  </a:extLst>
-                </a:gridCol>
-                <a:gridCol w="3142893">
-                  <a:extLst>
-                    <a:ext uri="{9D8B030D-6E8A-4147-A177-3AD203B41FA5}">
-                      <a16:colId xmlns:a16="http://schemas.microsoft.com/office/drawing/2014/main" val="931872731"/>
-                    </a:ext>
-                  </a:extLst>
-                </a:gridCol>
-                <a:gridCol w="2401086">
-                  <a:extLst>
-                    <a:ext uri="{9D8B030D-6E8A-4147-A177-3AD203B41FA5}">
-                      <a16:colId xmlns:a16="http://schemas.microsoft.com/office/drawing/2014/main" val="2325679229"/>
-                    </a:ext>
-                  </a:extLst>
-                </a:gridCol>
-                <a:gridCol w="3122892">
-                  <a:extLst>
-                    <a:ext uri="{9D8B030D-6E8A-4147-A177-3AD203B41FA5}">
-                      <a16:colId xmlns:a16="http://schemas.microsoft.com/office/drawing/2014/main" val="4289651028"/>
-                    </a:ext>
-                  </a:extLst>
-                </a:gridCol>
-              </a:tblGrid>
-              <a:tr h="568712">
-                <a:tc>
-                  <a:txBody>
-                    <a:bodyPr/>
-                    <a:lstStyle/>
-                    <a:p>
-                      <a:pPr algn="ctr"/>
-                      <a:endParaRPr kumimoji="1" lang="ja-JP" altLang="en-US" dirty="0"/>
-                    </a:p>
-                  </a:txBody>
-                  <a:tcPr/>
-                </a:tc>
-                <a:tc>
-                  <a:txBody>
-                    <a:bodyPr/>
-                    <a:lstStyle/>
-                    <a:p>
-                      <a:pPr algn="ctr"/>
-                      <a:r>
-                        <a:rPr kumimoji="1" lang="ja-JP" altLang="en-US" dirty="0" smtClean="0"/>
-                        <a:t>判定</a:t>
-                      </a:r>
-                      <a:endParaRPr kumimoji="1" lang="ja-JP" altLang="en-US" dirty="0"/>
-                    </a:p>
-                  </a:txBody>
-                  <a:tcPr/>
-                </a:tc>
-                <a:tc>
-                  <a:txBody>
-                    <a:bodyPr/>
-                    <a:lstStyle/>
-                    <a:p>
-                      <a:pPr algn="ctr"/>
-                      <a:r>
-                        <a:rPr kumimoji="1" lang="ja-JP" altLang="en-US" dirty="0" smtClean="0"/>
-                        <a:t>処理</a:t>
-                      </a:r>
-                      <a:endParaRPr kumimoji="1" lang="ja-JP" altLang="en-US" dirty="0"/>
-                    </a:p>
-                  </a:txBody>
-                  <a:tcPr/>
-                </a:tc>
-                <a:tc>
-                  <a:txBody>
-                    <a:bodyPr/>
-                    <a:lstStyle/>
-                    <a:p>
-                      <a:pPr algn="ctr"/>
-                      <a:r>
-                        <a:rPr kumimoji="1" lang="en-US" altLang="ja-JP" dirty="0" smtClean="0"/>
-                        <a:t>CNT</a:t>
-                      </a:r>
-                      <a:r>
-                        <a:rPr kumimoji="1" lang="ja-JP" altLang="en-US" dirty="0" smtClean="0"/>
-                        <a:t>の値</a:t>
-                      </a:r>
-                      <a:endParaRPr kumimoji="1" lang="ja-JP" altLang="en-US" dirty="0"/>
-                    </a:p>
-                  </a:txBody>
-                  <a:tcPr/>
-                </a:tc>
-                <a:extLst>
-                  <a:ext uri="{0D108BD9-81ED-4DB2-BD59-A6C34878D82A}">
-                    <a16:rowId xmlns:a16="http://schemas.microsoft.com/office/drawing/2014/main" val="2450232183"/>
-                  </a:ext>
-                </a:extLst>
-              </a:tr>
-              <a:tr h="398317">
-                <a:tc>
-                  <a:txBody>
-                    <a:bodyPr/>
-                    <a:lstStyle/>
-                    <a:p>
-                      <a:pPr algn="ctr"/>
-                      <a:r>
-                        <a:rPr kumimoji="1" lang="en-US" altLang="ja-JP" dirty="0" smtClean="0"/>
-                        <a:t>1</a:t>
-                      </a:r>
-                      <a:r>
-                        <a:rPr kumimoji="1" lang="ja-JP" altLang="en-US" dirty="0" smtClean="0"/>
-                        <a:t>回目判定</a:t>
-                      </a:r>
-                      <a:endParaRPr kumimoji="1" lang="ja-JP" altLang="en-US" dirty="0"/>
-                    </a:p>
-                  </a:txBody>
-                  <a:tcPr/>
-                </a:tc>
-                <a:tc>
-                  <a:txBody>
-                    <a:bodyPr/>
-                    <a:lstStyle/>
-                    <a:p>
-                      <a:pPr algn="ctr"/>
-                      <a:r>
-                        <a:rPr kumimoji="1" lang="en-US" altLang="ja-JP" dirty="0" smtClean="0"/>
-                        <a:t>CNT=0 &lt;10</a:t>
-                      </a:r>
-                      <a:endParaRPr kumimoji="1" lang="ja-JP" altLang="en-US" dirty="0"/>
-                    </a:p>
-                  </a:txBody>
-                  <a:tcPr/>
-                </a:tc>
-                <a:tc>
-                  <a:txBody>
-                    <a:bodyPr/>
-                    <a:lstStyle/>
-                    <a:p>
-                      <a:pPr algn="ctr"/>
-                      <a:r>
-                        <a:rPr kumimoji="1" lang="ja-JP" altLang="en-US" dirty="0" smtClean="0"/>
-                        <a:t>表示処理</a:t>
-                      </a:r>
-                      <a:endParaRPr kumimoji="1" lang="ja-JP" altLang="en-US" dirty="0"/>
-                    </a:p>
-                  </a:txBody>
-                  <a:tcPr/>
-                </a:tc>
-                <a:tc>
-                  <a:txBody>
-                    <a:bodyPr/>
-                    <a:lstStyle/>
-                    <a:p>
-                      <a:pPr algn="ctr"/>
-                      <a:r>
-                        <a:rPr kumimoji="1" lang="en-US" altLang="ja-JP" dirty="0" smtClean="0"/>
-                        <a:t>CNT=0</a:t>
-                      </a:r>
-                      <a:endParaRPr kumimoji="1" lang="ja-JP" altLang="en-US" dirty="0"/>
-                    </a:p>
-                  </a:txBody>
-                  <a:tcPr/>
-                </a:tc>
-                <a:extLst>
-                  <a:ext uri="{0D108BD9-81ED-4DB2-BD59-A6C34878D82A}">
-                    <a16:rowId xmlns:a16="http://schemas.microsoft.com/office/drawing/2014/main" val="3024256301"/>
-                  </a:ext>
-                </a:extLst>
-              </a:tr>
-              <a:tr h="398317">
-                <a:tc>
-                  <a:txBody>
-                    <a:bodyPr/>
-                    <a:lstStyle/>
-                    <a:p>
-                      <a:pPr marL="0" marR="0" lvl="0" indent="0" algn="ctr" defTabSz="914400" rtl="0" eaLnBrk="1" fontAlgn="auto" latinLnBrk="0" hangingPunct="1">
-                        <a:lnSpc>
-                          <a:spcPct val="100000"/>
-                        </a:lnSpc>
-                        <a:spcBef>
-                          <a:spcPts val="0"/>
-                        </a:spcBef>
-                        <a:spcAft>
-                          <a:spcPts val="0"/>
-                        </a:spcAft>
-                        <a:buClrTx/>
-                        <a:buSzTx/>
-                        <a:buFontTx/>
-                        <a:buNone/>
-                        <a:tabLst/>
-                        <a:defRPr/>
-                      </a:pPr>
-                      <a:r>
-                        <a:rPr kumimoji="1" lang="en-US" altLang="ja-JP" dirty="0" smtClean="0"/>
-                        <a:t>2</a:t>
-                      </a:r>
-                      <a:r>
-                        <a:rPr kumimoji="1" lang="ja-JP" altLang="en-US" dirty="0" smtClean="0"/>
-                        <a:t>回目判定</a:t>
-                      </a:r>
-                    </a:p>
-                  </a:txBody>
-                  <a:tcPr/>
-                </a:tc>
-                <a:tc>
-                  <a:txBody>
-                    <a:bodyPr/>
-                    <a:lstStyle/>
-                    <a:p>
-                      <a:pPr algn="ctr"/>
-                      <a:r>
-                        <a:rPr kumimoji="1" lang="en-US" altLang="ja-JP" dirty="0" smtClean="0"/>
-                        <a:t>1&lt;10</a:t>
-                      </a:r>
-                      <a:endParaRPr kumimoji="1" lang="ja-JP" altLang="en-US" dirty="0"/>
-                    </a:p>
-                  </a:txBody>
-                  <a:tcPr/>
-                </a:tc>
-                <a:tc>
-                  <a:txBody>
-                    <a:bodyPr/>
-                    <a:lstStyle/>
-                    <a:p>
-                      <a:pPr marL="0" marR="0" lvl="0" indent="0" algn="ctr" defTabSz="914400" rtl="0" eaLnBrk="1" fontAlgn="auto" latinLnBrk="0" hangingPunct="1">
-                        <a:lnSpc>
-                          <a:spcPct val="100000"/>
-                        </a:lnSpc>
-                        <a:spcBef>
-                          <a:spcPts val="0"/>
-                        </a:spcBef>
-                        <a:spcAft>
-                          <a:spcPts val="0"/>
-                        </a:spcAft>
-                        <a:buClrTx/>
-                        <a:buSzTx/>
-                        <a:buFontTx/>
-                        <a:buNone/>
-                        <a:tabLst/>
-                        <a:defRPr/>
-                      </a:pPr>
-                      <a:r>
-                        <a:rPr kumimoji="1" lang="ja-JP" altLang="en-US" dirty="0" smtClean="0"/>
-                        <a:t>表示処理</a:t>
-                      </a:r>
-                    </a:p>
-                  </a:txBody>
-                  <a:tcPr/>
-                </a:tc>
-                <a:tc>
-                  <a:txBody>
-                    <a:bodyPr/>
-                    <a:lstStyle/>
-                    <a:p>
-                      <a:pPr marL="0" marR="0" lvl="0" indent="0" algn="ctr" defTabSz="914400" rtl="0" eaLnBrk="1" fontAlgn="auto" latinLnBrk="0" hangingPunct="1">
-                        <a:lnSpc>
-                          <a:spcPct val="100000"/>
-                        </a:lnSpc>
-                        <a:spcBef>
-                          <a:spcPts val="0"/>
-                        </a:spcBef>
-                        <a:spcAft>
-                          <a:spcPts val="0"/>
-                        </a:spcAft>
-                        <a:buClrTx/>
-                        <a:buSzTx/>
-                        <a:buFontTx/>
-                        <a:buNone/>
-                        <a:tabLst/>
-                        <a:defRPr/>
-                      </a:pPr>
-                      <a:r>
-                        <a:rPr kumimoji="1" lang="en-US" altLang="ja-JP" dirty="0" smtClean="0"/>
-                        <a:t>CNT=1</a:t>
-                      </a:r>
-                      <a:endParaRPr kumimoji="1" lang="ja-JP" altLang="en-US" dirty="0" smtClean="0"/>
-                    </a:p>
-                  </a:txBody>
-                  <a:tcPr/>
-                </a:tc>
-                <a:extLst>
-                  <a:ext uri="{0D108BD9-81ED-4DB2-BD59-A6C34878D82A}">
-                    <a16:rowId xmlns:a16="http://schemas.microsoft.com/office/drawing/2014/main" val="3371562100"/>
-                  </a:ext>
-                </a:extLst>
-              </a:tr>
-              <a:tr h="398317">
-                <a:tc>
-                  <a:txBody>
-                    <a:bodyPr/>
-                    <a:lstStyle/>
-                    <a:p>
-                      <a:pPr marL="0" marR="0" lvl="0" indent="0" algn="ctr" defTabSz="914400" rtl="0" eaLnBrk="1" fontAlgn="auto" latinLnBrk="0" hangingPunct="1">
-                        <a:lnSpc>
-                          <a:spcPct val="100000"/>
-                        </a:lnSpc>
-                        <a:spcBef>
-                          <a:spcPts val="0"/>
-                        </a:spcBef>
-                        <a:spcAft>
-                          <a:spcPts val="0"/>
-                        </a:spcAft>
-                        <a:buClrTx/>
-                        <a:buSzTx/>
-                        <a:buFontTx/>
-                        <a:buNone/>
-                        <a:tabLst/>
-                        <a:defRPr/>
-                      </a:pPr>
-                      <a:r>
-                        <a:rPr kumimoji="1" lang="en-US" altLang="ja-JP" dirty="0" smtClean="0"/>
-                        <a:t>3</a:t>
-                      </a:r>
-                      <a:r>
-                        <a:rPr kumimoji="1" lang="ja-JP" altLang="en-US" dirty="0" smtClean="0"/>
-                        <a:t>回目判定</a:t>
-                      </a:r>
-                    </a:p>
-                  </a:txBody>
-                  <a:tcPr/>
-                </a:tc>
-                <a:tc>
-                  <a:txBody>
-                    <a:bodyPr/>
-                    <a:lstStyle/>
-                    <a:p>
-                      <a:pPr algn="ctr"/>
-                      <a:r>
-                        <a:rPr kumimoji="1" lang="en-US" altLang="ja-JP" dirty="0" smtClean="0"/>
-                        <a:t>2&lt;10</a:t>
-                      </a:r>
-                      <a:endParaRPr kumimoji="1" lang="ja-JP" altLang="en-US" dirty="0"/>
-                    </a:p>
-                  </a:txBody>
-                  <a:tcPr/>
-                </a:tc>
-                <a:tc>
-                  <a:txBody>
-                    <a:bodyPr/>
-                    <a:lstStyle/>
-                    <a:p>
-                      <a:pPr marL="0" marR="0" lvl="0" indent="0" algn="ctr" defTabSz="914400" rtl="0" eaLnBrk="1" fontAlgn="auto" latinLnBrk="0" hangingPunct="1">
-                        <a:lnSpc>
-                          <a:spcPct val="100000"/>
-                        </a:lnSpc>
-                        <a:spcBef>
-                          <a:spcPts val="0"/>
-                        </a:spcBef>
-                        <a:spcAft>
-                          <a:spcPts val="0"/>
-                        </a:spcAft>
-                        <a:buClrTx/>
-                        <a:buSzTx/>
-                        <a:buFontTx/>
-                        <a:buNone/>
-                        <a:tabLst/>
-                        <a:defRPr/>
-                      </a:pPr>
-                      <a:r>
-                        <a:rPr kumimoji="1" lang="ja-JP" altLang="en-US" dirty="0" smtClean="0"/>
-                        <a:t>表示処理</a:t>
-                      </a:r>
-                    </a:p>
-                  </a:txBody>
-                  <a:tcPr/>
-                </a:tc>
-                <a:tc>
-                  <a:txBody>
-                    <a:bodyPr/>
-                    <a:lstStyle/>
-                    <a:p>
-                      <a:pPr marL="0" marR="0" lvl="0" indent="0" algn="ctr" defTabSz="914400" rtl="0" eaLnBrk="1" fontAlgn="auto" latinLnBrk="0" hangingPunct="1">
-                        <a:lnSpc>
-                          <a:spcPct val="100000"/>
-                        </a:lnSpc>
-                        <a:spcBef>
-                          <a:spcPts val="0"/>
-                        </a:spcBef>
-                        <a:spcAft>
-                          <a:spcPts val="0"/>
-                        </a:spcAft>
-                        <a:buClrTx/>
-                        <a:buSzTx/>
-                        <a:buFontTx/>
-                        <a:buNone/>
-                        <a:tabLst/>
-                        <a:defRPr/>
-                      </a:pPr>
-                      <a:r>
-                        <a:rPr kumimoji="1" lang="en-US" altLang="ja-JP" dirty="0" smtClean="0"/>
-                        <a:t>CNT=2</a:t>
-                      </a:r>
-                      <a:endParaRPr kumimoji="1" lang="ja-JP" altLang="en-US" dirty="0" smtClean="0"/>
-                    </a:p>
-                  </a:txBody>
-                  <a:tcPr/>
-                </a:tc>
-                <a:extLst>
-                  <a:ext uri="{0D108BD9-81ED-4DB2-BD59-A6C34878D82A}">
-                    <a16:rowId xmlns:a16="http://schemas.microsoft.com/office/drawing/2014/main" val="1431665320"/>
-                  </a:ext>
-                </a:extLst>
-              </a:tr>
-              <a:tr h="398317">
-                <a:tc>
-                  <a:txBody>
-                    <a:bodyPr/>
-                    <a:lstStyle/>
-                    <a:p>
-                      <a:pPr marL="0" marR="0" lvl="0" indent="0" algn="ctr" defTabSz="914400" rtl="0" eaLnBrk="1" fontAlgn="auto" latinLnBrk="0" hangingPunct="1">
-                        <a:lnSpc>
-                          <a:spcPct val="100000"/>
-                        </a:lnSpc>
-                        <a:spcBef>
-                          <a:spcPts val="0"/>
-                        </a:spcBef>
-                        <a:spcAft>
-                          <a:spcPts val="0"/>
-                        </a:spcAft>
-                        <a:buClrTx/>
-                        <a:buSzTx/>
-                        <a:buFontTx/>
-                        <a:buNone/>
-                        <a:tabLst/>
-                        <a:defRPr/>
-                      </a:pPr>
-                      <a:r>
-                        <a:rPr kumimoji="1" lang="en-US" altLang="ja-JP" dirty="0" smtClean="0"/>
-                        <a:t>4</a:t>
-                      </a:r>
-                      <a:r>
-                        <a:rPr kumimoji="1" lang="ja-JP" altLang="en-US" dirty="0" smtClean="0"/>
-                        <a:t>回目判定</a:t>
-                      </a:r>
-                    </a:p>
-                  </a:txBody>
-                  <a:tcPr/>
-                </a:tc>
-                <a:tc>
-                  <a:txBody>
-                    <a:bodyPr/>
-                    <a:lstStyle/>
-                    <a:p>
-                      <a:pPr algn="ctr"/>
-                      <a:r>
-                        <a:rPr kumimoji="1" lang="en-US" altLang="ja-JP" dirty="0" smtClean="0"/>
-                        <a:t>3&lt;10</a:t>
-                      </a:r>
-                      <a:endParaRPr kumimoji="1" lang="ja-JP" altLang="en-US" dirty="0"/>
-                    </a:p>
-                  </a:txBody>
-                  <a:tcPr/>
-                </a:tc>
-                <a:tc>
-                  <a:txBody>
-                    <a:bodyPr/>
-                    <a:lstStyle/>
-                    <a:p>
-                      <a:pPr marL="0" marR="0" lvl="0" indent="0" algn="ctr" defTabSz="914400" rtl="0" eaLnBrk="1" fontAlgn="auto" latinLnBrk="0" hangingPunct="1">
-                        <a:lnSpc>
-                          <a:spcPct val="100000"/>
-                        </a:lnSpc>
-                        <a:spcBef>
-                          <a:spcPts val="0"/>
-                        </a:spcBef>
-                        <a:spcAft>
-                          <a:spcPts val="0"/>
-                        </a:spcAft>
-                        <a:buClrTx/>
-                        <a:buSzTx/>
-                        <a:buFontTx/>
-                        <a:buNone/>
-                        <a:tabLst/>
-                        <a:defRPr/>
-                      </a:pPr>
-                      <a:r>
-                        <a:rPr kumimoji="1" lang="ja-JP" altLang="en-US" dirty="0" smtClean="0"/>
-                        <a:t>表示処理</a:t>
-                      </a:r>
-                    </a:p>
-                  </a:txBody>
-                  <a:tcPr/>
-                </a:tc>
-                <a:tc>
-                  <a:txBody>
-                    <a:bodyPr/>
-                    <a:lstStyle/>
-                    <a:p>
-                      <a:pPr marL="0" marR="0" lvl="0" indent="0" algn="ctr" defTabSz="914400" rtl="0" eaLnBrk="1" fontAlgn="auto" latinLnBrk="0" hangingPunct="1">
-                        <a:lnSpc>
-                          <a:spcPct val="100000"/>
-                        </a:lnSpc>
-                        <a:spcBef>
-                          <a:spcPts val="0"/>
-                        </a:spcBef>
-                        <a:spcAft>
-                          <a:spcPts val="0"/>
-                        </a:spcAft>
-                        <a:buClrTx/>
-                        <a:buSzTx/>
-                        <a:buFontTx/>
-                        <a:buNone/>
-                        <a:tabLst/>
-                        <a:defRPr/>
-                      </a:pPr>
-                      <a:r>
-                        <a:rPr kumimoji="1" lang="en-US" altLang="ja-JP" dirty="0" smtClean="0"/>
-                        <a:t>CNT=3</a:t>
-                      </a:r>
-                      <a:endParaRPr kumimoji="1" lang="ja-JP" altLang="en-US" dirty="0" smtClean="0"/>
-                    </a:p>
-                  </a:txBody>
-                  <a:tcPr/>
-                </a:tc>
-                <a:extLst>
-                  <a:ext uri="{0D108BD9-81ED-4DB2-BD59-A6C34878D82A}">
-                    <a16:rowId xmlns:a16="http://schemas.microsoft.com/office/drawing/2014/main" val="1546515145"/>
-                  </a:ext>
-                </a:extLst>
-              </a:tr>
-              <a:tr h="409414">
-                <a:tc>
-                  <a:txBody>
-                    <a:bodyPr/>
-                    <a:lstStyle/>
-                    <a:p>
-                      <a:pPr marL="0" marR="0" lvl="0" indent="0" algn="ctr" defTabSz="914400" rtl="0" eaLnBrk="1" fontAlgn="auto" latinLnBrk="0" hangingPunct="1">
-                        <a:lnSpc>
-                          <a:spcPct val="100000"/>
-                        </a:lnSpc>
-                        <a:spcBef>
-                          <a:spcPts val="0"/>
-                        </a:spcBef>
-                        <a:spcAft>
-                          <a:spcPts val="0"/>
-                        </a:spcAft>
-                        <a:buClrTx/>
-                        <a:buSzTx/>
-                        <a:buFontTx/>
-                        <a:buNone/>
-                        <a:tabLst/>
-                        <a:defRPr/>
-                      </a:pPr>
-                      <a:r>
-                        <a:rPr kumimoji="1" lang="en-US" altLang="ja-JP" dirty="0" smtClean="0"/>
-                        <a:t>5</a:t>
-                      </a:r>
-                      <a:r>
-                        <a:rPr kumimoji="1" lang="ja-JP" altLang="en-US" dirty="0" smtClean="0"/>
-                        <a:t>回目判定</a:t>
-                      </a:r>
-                    </a:p>
-                  </a:txBody>
-                  <a:tcPr/>
-                </a:tc>
-                <a:tc>
-                  <a:txBody>
-                    <a:bodyPr/>
-                    <a:lstStyle/>
-                    <a:p>
-                      <a:pPr algn="ctr"/>
-                      <a:r>
-                        <a:rPr kumimoji="1" lang="en-US" altLang="ja-JP" dirty="0" smtClean="0"/>
-                        <a:t>4&lt;10</a:t>
-                      </a:r>
-                      <a:endParaRPr kumimoji="1" lang="ja-JP" altLang="en-US" dirty="0"/>
-                    </a:p>
-                  </a:txBody>
-                  <a:tcPr/>
-                </a:tc>
-                <a:tc>
-                  <a:txBody>
-                    <a:bodyPr/>
-                    <a:lstStyle/>
-                    <a:p>
-                      <a:pPr marL="0" marR="0" lvl="0" indent="0" algn="ctr" defTabSz="914400" rtl="0" eaLnBrk="1" fontAlgn="auto" latinLnBrk="0" hangingPunct="1">
-                        <a:lnSpc>
-                          <a:spcPct val="100000"/>
-                        </a:lnSpc>
-                        <a:spcBef>
-                          <a:spcPts val="0"/>
-                        </a:spcBef>
-                        <a:spcAft>
-                          <a:spcPts val="0"/>
-                        </a:spcAft>
-                        <a:buClrTx/>
-                        <a:buSzTx/>
-                        <a:buFontTx/>
-                        <a:buNone/>
-                        <a:tabLst/>
-                        <a:defRPr/>
-                      </a:pPr>
-                      <a:r>
-                        <a:rPr kumimoji="1" lang="ja-JP" altLang="en-US" dirty="0" smtClean="0"/>
-                        <a:t>表示処理</a:t>
-                      </a:r>
-                    </a:p>
-                  </a:txBody>
-                  <a:tcPr/>
-                </a:tc>
-                <a:tc>
-                  <a:txBody>
-                    <a:bodyPr/>
-                    <a:lstStyle/>
-                    <a:p>
-                      <a:pPr marL="0" marR="0" lvl="0" indent="0" algn="ctr" defTabSz="914400" rtl="0" eaLnBrk="1" fontAlgn="auto" latinLnBrk="0" hangingPunct="1">
-                        <a:lnSpc>
-                          <a:spcPct val="100000"/>
-                        </a:lnSpc>
-                        <a:spcBef>
-                          <a:spcPts val="0"/>
-                        </a:spcBef>
-                        <a:spcAft>
-                          <a:spcPts val="0"/>
-                        </a:spcAft>
-                        <a:buClrTx/>
-                        <a:buSzTx/>
-                        <a:buFontTx/>
-                        <a:buNone/>
-                        <a:tabLst/>
-                        <a:defRPr/>
-                      </a:pPr>
-                      <a:r>
-                        <a:rPr kumimoji="1" lang="en-US" altLang="ja-JP" dirty="0" smtClean="0"/>
-                        <a:t>CNT=4</a:t>
-                      </a:r>
-                      <a:endParaRPr kumimoji="1" lang="ja-JP" altLang="en-US" dirty="0" smtClean="0"/>
-                    </a:p>
-                  </a:txBody>
-                  <a:tcPr/>
-                </a:tc>
-                <a:extLst>
-                  <a:ext uri="{0D108BD9-81ED-4DB2-BD59-A6C34878D82A}">
-                    <a16:rowId xmlns:a16="http://schemas.microsoft.com/office/drawing/2014/main" val="3133979225"/>
-                  </a:ext>
-                </a:extLst>
-              </a:tr>
-              <a:tr h="403855">
-                <a:tc>
-                  <a:txBody>
-                    <a:bodyPr/>
-                    <a:lstStyle/>
-                    <a:p>
-                      <a:pPr marL="0" marR="0" lvl="0" indent="0" algn="ctr" defTabSz="914400" rtl="0" eaLnBrk="1" fontAlgn="auto" latinLnBrk="0" hangingPunct="1">
-                        <a:lnSpc>
-                          <a:spcPct val="100000"/>
-                        </a:lnSpc>
-                        <a:spcBef>
-                          <a:spcPts val="0"/>
-                        </a:spcBef>
-                        <a:spcAft>
-                          <a:spcPts val="0"/>
-                        </a:spcAft>
-                        <a:buClrTx/>
-                        <a:buSzTx/>
-                        <a:buFontTx/>
-                        <a:buNone/>
-                        <a:tabLst/>
-                        <a:defRPr/>
-                      </a:pPr>
-                      <a:r>
-                        <a:rPr kumimoji="1" lang="en-US" altLang="ja-JP" dirty="0" smtClean="0"/>
-                        <a:t>6</a:t>
-                      </a:r>
-                      <a:r>
-                        <a:rPr kumimoji="1" lang="ja-JP" altLang="en-US" dirty="0" smtClean="0"/>
-                        <a:t>回目判定</a:t>
-                      </a:r>
-                    </a:p>
-                  </a:txBody>
-                  <a:tcPr/>
-                </a:tc>
-                <a:tc>
-                  <a:txBody>
-                    <a:bodyPr/>
-                    <a:lstStyle/>
-                    <a:p>
-                      <a:pPr algn="ctr"/>
-                      <a:r>
-                        <a:rPr kumimoji="1" lang="en-US" altLang="ja-JP" dirty="0" smtClean="0"/>
-                        <a:t>5&lt;10</a:t>
-                      </a:r>
-                      <a:endParaRPr kumimoji="1" lang="ja-JP" altLang="en-US" dirty="0"/>
-                    </a:p>
-                  </a:txBody>
-                  <a:tcPr/>
-                </a:tc>
-                <a:tc>
-                  <a:txBody>
-                    <a:bodyPr/>
-                    <a:lstStyle/>
-                    <a:p>
-                      <a:pPr marL="0" marR="0" lvl="0" indent="0" algn="ctr" defTabSz="914400" rtl="0" eaLnBrk="1" fontAlgn="auto" latinLnBrk="0" hangingPunct="1">
-                        <a:lnSpc>
-                          <a:spcPct val="100000"/>
-                        </a:lnSpc>
-                        <a:spcBef>
-                          <a:spcPts val="0"/>
-                        </a:spcBef>
-                        <a:spcAft>
-                          <a:spcPts val="0"/>
-                        </a:spcAft>
-                        <a:buClrTx/>
-                        <a:buSzTx/>
-                        <a:buFontTx/>
-                        <a:buNone/>
-                        <a:tabLst/>
-                        <a:defRPr/>
-                      </a:pPr>
-                      <a:r>
-                        <a:rPr kumimoji="1" lang="ja-JP" altLang="en-US" dirty="0" smtClean="0"/>
-                        <a:t>表示処理</a:t>
-                      </a:r>
-                    </a:p>
-                  </a:txBody>
-                  <a:tcPr/>
-                </a:tc>
-                <a:tc>
-                  <a:txBody>
-                    <a:bodyPr/>
-                    <a:lstStyle/>
-                    <a:p>
-                      <a:pPr marL="0" marR="0" lvl="0" indent="0" algn="ctr" defTabSz="914400" rtl="0" eaLnBrk="1" fontAlgn="auto" latinLnBrk="0" hangingPunct="1">
-                        <a:lnSpc>
-                          <a:spcPct val="100000"/>
-                        </a:lnSpc>
-                        <a:spcBef>
-                          <a:spcPts val="0"/>
-                        </a:spcBef>
-                        <a:spcAft>
-                          <a:spcPts val="0"/>
-                        </a:spcAft>
-                        <a:buClrTx/>
-                        <a:buSzTx/>
-                        <a:buFontTx/>
-                        <a:buNone/>
-                        <a:tabLst/>
-                        <a:defRPr/>
-                      </a:pPr>
-                      <a:r>
-                        <a:rPr kumimoji="1" lang="en-US" altLang="ja-JP" dirty="0" smtClean="0"/>
-                        <a:t>CNT=5</a:t>
-                      </a:r>
-                      <a:endParaRPr kumimoji="1" lang="ja-JP" altLang="en-US" dirty="0" smtClean="0"/>
-                    </a:p>
-                  </a:txBody>
-                  <a:tcPr/>
-                </a:tc>
-                <a:extLst>
-                  <a:ext uri="{0D108BD9-81ED-4DB2-BD59-A6C34878D82A}">
-                    <a16:rowId xmlns:a16="http://schemas.microsoft.com/office/drawing/2014/main" val="908696110"/>
-                  </a:ext>
-                </a:extLst>
-              </a:tr>
-              <a:tr h="454338">
-                <a:tc>
-                  <a:txBody>
-                    <a:bodyPr/>
-                    <a:lstStyle/>
-                    <a:p>
-                      <a:pPr marL="0" marR="0" lvl="0" indent="0" algn="ctr" defTabSz="914400" rtl="0" eaLnBrk="1" fontAlgn="auto" latinLnBrk="0" hangingPunct="1">
-                        <a:lnSpc>
-                          <a:spcPct val="100000"/>
-                        </a:lnSpc>
-                        <a:spcBef>
-                          <a:spcPts val="0"/>
-                        </a:spcBef>
-                        <a:spcAft>
-                          <a:spcPts val="0"/>
-                        </a:spcAft>
-                        <a:buClrTx/>
-                        <a:buSzTx/>
-                        <a:buFontTx/>
-                        <a:buNone/>
-                        <a:tabLst/>
-                        <a:defRPr/>
-                      </a:pPr>
-                      <a:r>
-                        <a:rPr kumimoji="1" lang="en-US" altLang="ja-JP" dirty="0" smtClean="0"/>
-                        <a:t>7</a:t>
-                      </a:r>
-                      <a:r>
-                        <a:rPr kumimoji="1" lang="ja-JP" altLang="en-US" dirty="0" smtClean="0"/>
-                        <a:t>回目判定</a:t>
-                      </a:r>
-                    </a:p>
-                  </a:txBody>
-                  <a:tcPr/>
-                </a:tc>
-                <a:tc>
-                  <a:txBody>
-                    <a:bodyPr/>
-                    <a:lstStyle/>
-                    <a:p>
-                      <a:pPr algn="ctr"/>
-                      <a:r>
-                        <a:rPr kumimoji="1" lang="en-US" altLang="ja-JP" dirty="0" smtClean="0"/>
-                        <a:t>6&lt;10</a:t>
-                      </a:r>
-                      <a:endParaRPr kumimoji="1" lang="ja-JP" altLang="en-US" dirty="0"/>
-                    </a:p>
-                  </a:txBody>
-                  <a:tcPr/>
-                </a:tc>
-                <a:tc>
-                  <a:txBody>
-                    <a:bodyPr/>
-                    <a:lstStyle/>
-                    <a:p>
-                      <a:pPr marL="0" marR="0" lvl="0" indent="0" algn="ctr" defTabSz="914400" rtl="0" eaLnBrk="1" fontAlgn="auto" latinLnBrk="0" hangingPunct="1">
-                        <a:lnSpc>
-                          <a:spcPct val="100000"/>
-                        </a:lnSpc>
-                        <a:spcBef>
-                          <a:spcPts val="0"/>
-                        </a:spcBef>
-                        <a:spcAft>
-                          <a:spcPts val="0"/>
-                        </a:spcAft>
-                        <a:buClrTx/>
-                        <a:buSzTx/>
-                        <a:buFontTx/>
-                        <a:buNone/>
-                        <a:tabLst/>
-                        <a:defRPr/>
-                      </a:pPr>
-                      <a:r>
-                        <a:rPr kumimoji="1" lang="ja-JP" altLang="en-US" dirty="0" smtClean="0"/>
-                        <a:t>表示処理</a:t>
-                      </a:r>
-                    </a:p>
-                  </a:txBody>
-                  <a:tcPr/>
-                </a:tc>
-                <a:tc>
-                  <a:txBody>
-                    <a:bodyPr/>
-                    <a:lstStyle/>
-                    <a:p>
-                      <a:pPr marL="0" marR="0" lvl="0" indent="0" algn="ctr" defTabSz="914400" rtl="0" eaLnBrk="1" fontAlgn="auto" latinLnBrk="0" hangingPunct="1">
-                        <a:lnSpc>
-                          <a:spcPct val="100000"/>
-                        </a:lnSpc>
-                        <a:spcBef>
-                          <a:spcPts val="0"/>
-                        </a:spcBef>
-                        <a:spcAft>
-                          <a:spcPts val="0"/>
-                        </a:spcAft>
-                        <a:buClrTx/>
-                        <a:buSzTx/>
-                        <a:buFontTx/>
-                        <a:buNone/>
-                        <a:tabLst/>
-                        <a:defRPr/>
-                      </a:pPr>
-                      <a:r>
-                        <a:rPr kumimoji="1" lang="en-US" altLang="ja-JP" dirty="0" smtClean="0"/>
-                        <a:t>CNT=6</a:t>
-                      </a:r>
-                      <a:endParaRPr kumimoji="1" lang="ja-JP" altLang="en-US" dirty="0" smtClean="0"/>
-                    </a:p>
-                  </a:txBody>
-                  <a:tcPr/>
-                </a:tc>
-                <a:extLst>
-                  <a:ext uri="{0D108BD9-81ED-4DB2-BD59-A6C34878D82A}">
-                    <a16:rowId xmlns:a16="http://schemas.microsoft.com/office/drawing/2014/main" val="2284304215"/>
-                  </a:ext>
-                </a:extLst>
-              </a:tr>
-              <a:tr h="403855">
-                <a:tc>
-                  <a:txBody>
-                    <a:bodyPr/>
-                    <a:lstStyle/>
-                    <a:p>
-                      <a:pPr marL="0" marR="0" lvl="0" indent="0" algn="ctr" defTabSz="914400" rtl="0" eaLnBrk="1" fontAlgn="auto" latinLnBrk="0" hangingPunct="1">
-                        <a:lnSpc>
-                          <a:spcPct val="100000"/>
-                        </a:lnSpc>
-                        <a:spcBef>
-                          <a:spcPts val="0"/>
-                        </a:spcBef>
-                        <a:spcAft>
-                          <a:spcPts val="0"/>
-                        </a:spcAft>
-                        <a:buClrTx/>
-                        <a:buSzTx/>
-                        <a:buFontTx/>
-                        <a:buNone/>
-                        <a:tabLst/>
-                        <a:defRPr/>
-                      </a:pPr>
-                      <a:r>
-                        <a:rPr kumimoji="1" lang="en-US" altLang="ja-JP" dirty="0" smtClean="0"/>
-                        <a:t>8</a:t>
-                      </a:r>
-                      <a:r>
-                        <a:rPr kumimoji="1" lang="ja-JP" altLang="en-US" dirty="0" smtClean="0"/>
-                        <a:t>回目判定</a:t>
-                      </a:r>
-                    </a:p>
-                  </a:txBody>
-                  <a:tcPr/>
-                </a:tc>
-                <a:tc>
-                  <a:txBody>
-                    <a:bodyPr/>
-                    <a:lstStyle/>
-                    <a:p>
-                      <a:pPr algn="ctr"/>
-                      <a:r>
-                        <a:rPr kumimoji="1" lang="en-US" altLang="ja-JP" dirty="0" smtClean="0"/>
-                        <a:t>7&lt;10</a:t>
-                      </a:r>
-                      <a:endParaRPr kumimoji="1" lang="ja-JP" altLang="en-US" dirty="0"/>
-                    </a:p>
-                  </a:txBody>
-                  <a:tcPr/>
-                </a:tc>
-                <a:tc>
-                  <a:txBody>
-                    <a:bodyPr/>
-                    <a:lstStyle/>
-                    <a:p>
-                      <a:pPr marL="0" marR="0" lvl="0" indent="0" algn="ctr" defTabSz="914400" rtl="0" eaLnBrk="1" fontAlgn="auto" latinLnBrk="0" hangingPunct="1">
-                        <a:lnSpc>
-                          <a:spcPct val="100000"/>
-                        </a:lnSpc>
-                        <a:spcBef>
-                          <a:spcPts val="0"/>
-                        </a:spcBef>
-                        <a:spcAft>
-                          <a:spcPts val="0"/>
-                        </a:spcAft>
-                        <a:buClrTx/>
-                        <a:buSzTx/>
-                        <a:buFontTx/>
-                        <a:buNone/>
-                        <a:tabLst/>
-                        <a:defRPr/>
-                      </a:pPr>
-                      <a:r>
-                        <a:rPr kumimoji="1" lang="ja-JP" altLang="en-US" dirty="0" smtClean="0"/>
-                        <a:t>表示処理</a:t>
-                      </a:r>
-                    </a:p>
-                  </a:txBody>
-                  <a:tcPr/>
-                </a:tc>
-                <a:tc>
-                  <a:txBody>
-                    <a:bodyPr/>
-                    <a:lstStyle/>
-                    <a:p>
-                      <a:pPr marL="0" marR="0" lvl="0" indent="0" algn="ctr" defTabSz="914400" rtl="0" eaLnBrk="1" fontAlgn="auto" latinLnBrk="0" hangingPunct="1">
-                        <a:lnSpc>
-                          <a:spcPct val="100000"/>
-                        </a:lnSpc>
-                        <a:spcBef>
-                          <a:spcPts val="0"/>
-                        </a:spcBef>
-                        <a:spcAft>
-                          <a:spcPts val="0"/>
-                        </a:spcAft>
-                        <a:buClrTx/>
-                        <a:buSzTx/>
-                        <a:buFontTx/>
-                        <a:buNone/>
-                        <a:tabLst/>
-                        <a:defRPr/>
-                      </a:pPr>
-                      <a:r>
-                        <a:rPr kumimoji="1" lang="en-US" altLang="ja-JP" dirty="0" smtClean="0"/>
-                        <a:t>CNT=7</a:t>
-                      </a:r>
-                      <a:endParaRPr kumimoji="1" lang="ja-JP" altLang="en-US" dirty="0" smtClean="0"/>
-                    </a:p>
-                  </a:txBody>
-                  <a:tcPr/>
-                </a:tc>
-                <a:extLst>
-                  <a:ext uri="{0D108BD9-81ED-4DB2-BD59-A6C34878D82A}">
-                    <a16:rowId xmlns:a16="http://schemas.microsoft.com/office/drawing/2014/main" val="2673693259"/>
-                  </a:ext>
-                </a:extLst>
-              </a:tr>
-              <a:tr h="426680">
-                <a:tc>
-                  <a:txBody>
-                    <a:bodyPr/>
-                    <a:lstStyle/>
-                    <a:p>
-                      <a:pPr marL="0" marR="0" lvl="0" indent="0" algn="ctr" defTabSz="914400" rtl="0" eaLnBrk="1" fontAlgn="auto" latinLnBrk="0" hangingPunct="1">
-                        <a:lnSpc>
-                          <a:spcPct val="100000"/>
-                        </a:lnSpc>
-                        <a:spcBef>
-                          <a:spcPts val="0"/>
-                        </a:spcBef>
-                        <a:spcAft>
-                          <a:spcPts val="0"/>
-                        </a:spcAft>
-                        <a:buClrTx/>
-                        <a:buSzTx/>
-                        <a:buFontTx/>
-                        <a:buNone/>
-                        <a:tabLst/>
-                        <a:defRPr/>
-                      </a:pPr>
-                      <a:r>
-                        <a:rPr kumimoji="1" lang="en-US" altLang="ja-JP" dirty="0" smtClean="0"/>
-                        <a:t>9</a:t>
-                      </a:r>
-                      <a:r>
-                        <a:rPr kumimoji="1" lang="ja-JP" altLang="en-US" dirty="0" smtClean="0"/>
-                        <a:t>回目判定</a:t>
-                      </a:r>
-                    </a:p>
-                  </a:txBody>
-                  <a:tcPr/>
-                </a:tc>
-                <a:tc>
-                  <a:txBody>
-                    <a:bodyPr/>
-                    <a:lstStyle/>
-                    <a:p>
-                      <a:pPr algn="ctr"/>
-                      <a:r>
-                        <a:rPr kumimoji="1" lang="en-US" altLang="ja-JP" dirty="0" smtClean="0"/>
-                        <a:t>8&lt;10</a:t>
-                      </a:r>
-                      <a:endParaRPr kumimoji="1" lang="ja-JP" altLang="en-US" dirty="0"/>
-                    </a:p>
-                  </a:txBody>
-                  <a:tcPr/>
-                </a:tc>
-                <a:tc>
-                  <a:txBody>
-                    <a:bodyPr/>
-                    <a:lstStyle/>
-                    <a:p>
-                      <a:pPr marL="0" marR="0" lvl="0" indent="0" algn="ctr" defTabSz="914400" rtl="0" eaLnBrk="1" fontAlgn="auto" latinLnBrk="0" hangingPunct="1">
-                        <a:lnSpc>
-                          <a:spcPct val="100000"/>
-                        </a:lnSpc>
-                        <a:spcBef>
-                          <a:spcPts val="0"/>
-                        </a:spcBef>
-                        <a:spcAft>
-                          <a:spcPts val="0"/>
-                        </a:spcAft>
-                        <a:buClrTx/>
-                        <a:buSzTx/>
-                        <a:buFontTx/>
-                        <a:buNone/>
-                        <a:tabLst/>
-                        <a:defRPr/>
-                      </a:pPr>
-                      <a:r>
-                        <a:rPr kumimoji="1" lang="ja-JP" altLang="en-US" dirty="0" smtClean="0"/>
-                        <a:t>表示処理</a:t>
-                      </a:r>
-                    </a:p>
-                  </a:txBody>
-                  <a:tcPr/>
-                </a:tc>
-                <a:tc>
-                  <a:txBody>
-                    <a:bodyPr/>
-                    <a:lstStyle/>
-                    <a:p>
-                      <a:pPr marL="0" marR="0" lvl="0" indent="0" algn="ctr" defTabSz="914400" rtl="0" eaLnBrk="1" fontAlgn="auto" latinLnBrk="0" hangingPunct="1">
-                        <a:lnSpc>
-                          <a:spcPct val="100000"/>
-                        </a:lnSpc>
-                        <a:spcBef>
-                          <a:spcPts val="0"/>
-                        </a:spcBef>
-                        <a:spcAft>
-                          <a:spcPts val="0"/>
-                        </a:spcAft>
-                        <a:buClrTx/>
-                        <a:buSzTx/>
-                        <a:buFontTx/>
-                        <a:buNone/>
-                        <a:tabLst/>
-                        <a:defRPr/>
-                      </a:pPr>
-                      <a:r>
-                        <a:rPr kumimoji="1" lang="en-US" altLang="ja-JP" dirty="0" smtClean="0"/>
-                        <a:t>CNT=8</a:t>
-                      </a:r>
-                      <a:endParaRPr kumimoji="1" lang="ja-JP" altLang="en-US" dirty="0" smtClean="0"/>
-                    </a:p>
-                  </a:txBody>
-                  <a:tcPr/>
-                </a:tc>
-                <a:extLst>
-                  <a:ext uri="{0D108BD9-81ED-4DB2-BD59-A6C34878D82A}">
-                    <a16:rowId xmlns:a16="http://schemas.microsoft.com/office/drawing/2014/main" val="1543370961"/>
-                  </a:ext>
-                </a:extLst>
-              </a:tr>
-              <a:tr h="398317">
-                <a:tc>
-                  <a:txBody>
-                    <a:bodyPr/>
-                    <a:lstStyle/>
-                    <a:p>
-                      <a:pPr marL="0" marR="0" lvl="0" indent="0" algn="ctr" defTabSz="914400" rtl="0" eaLnBrk="1" fontAlgn="auto" latinLnBrk="0" hangingPunct="1">
-                        <a:lnSpc>
-                          <a:spcPct val="100000"/>
-                        </a:lnSpc>
-                        <a:spcBef>
-                          <a:spcPts val="0"/>
-                        </a:spcBef>
-                        <a:spcAft>
-                          <a:spcPts val="0"/>
-                        </a:spcAft>
-                        <a:buClrTx/>
-                        <a:buSzTx/>
-                        <a:buFontTx/>
-                        <a:buNone/>
-                        <a:tabLst/>
-                        <a:defRPr/>
-                      </a:pPr>
-                      <a:r>
-                        <a:rPr kumimoji="1" lang="en-US" altLang="ja-JP" dirty="0" smtClean="0"/>
-                        <a:t>10</a:t>
-                      </a:r>
-                      <a:r>
-                        <a:rPr kumimoji="1" lang="ja-JP" altLang="en-US" dirty="0" smtClean="0"/>
-                        <a:t>回目判定</a:t>
-                      </a:r>
-                    </a:p>
-                  </a:txBody>
-                  <a:tcPr/>
-                </a:tc>
-                <a:tc>
-                  <a:txBody>
-                    <a:bodyPr/>
-                    <a:lstStyle/>
-                    <a:p>
-                      <a:pPr algn="ctr"/>
-                      <a:r>
-                        <a:rPr kumimoji="1" lang="en-US" altLang="ja-JP" dirty="0" smtClean="0"/>
-                        <a:t>9&lt;10</a:t>
-                      </a:r>
-                      <a:endParaRPr kumimoji="1" lang="ja-JP" altLang="en-US" dirty="0"/>
-                    </a:p>
-                  </a:txBody>
-                  <a:tcPr/>
-                </a:tc>
-                <a:tc>
-                  <a:txBody>
-                    <a:bodyPr/>
-                    <a:lstStyle/>
-                    <a:p>
-                      <a:pPr marL="0" marR="0" lvl="0" indent="0" algn="ctr" defTabSz="914400" rtl="0" eaLnBrk="1" fontAlgn="auto" latinLnBrk="0" hangingPunct="1">
-                        <a:lnSpc>
-                          <a:spcPct val="100000"/>
-                        </a:lnSpc>
-                        <a:spcBef>
-                          <a:spcPts val="0"/>
-                        </a:spcBef>
-                        <a:spcAft>
-                          <a:spcPts val="0"/>
-                        </a:spcAft>
-                        <a:buClrTx/>
-                        <a:buSzTx/>
-                        <a:buFontTx/>
-                        <a:buNone/>
-                        <a:tabLst/>
-                        <a:defRPr/>
-                      </a:pPr>
-                      <a:r>
-                        <a:rPr kumimoji="1" lang="ja-JP" altLang="en-US" dirty="0" smtClean="0"/>
-                        <a:t>表示処理</a:t>
-                      </a:r>
-                    </a:p>
-                  </a:txBody>
-                  <a:tcPr/>
-                </a:tc>
-                <a:tc>
-                  <a:txBody>
-                    <a:bodyPr/>
-                    <a:lstStyle/>
-                    <a:p>
-                      <a:pPr marL="0" marR="0" lvl="0" indent="0" algn="ctr" defTabSz="914400" rtl="0" eaLnBrk="1" fontAlgn="auto" latinLnBrk="0" hangingPunct="1">
-                        <a:lnSpc>
-                          <a:spcPct val="100000"/>
-                        </a:lnSpc>
-                        <a:spcBef>
-                          <a:spcPts val="0"/>
-                        </a:spcBef>
-                        <a:spcAft>
-                          <a:spcPts val="0"/>
-                        </a:spcAft>
-                        <a:buClrTx/>
-                        <a:buSzTx/>
-                        <a:buFontTx/>
-                        <a:buNone/>
-                        <a:tabLst/>
-                        <a:defRPr/>
-                      </a:pPr>
-                      <a:r>
-                        <a:rPr kumimoji="1" lang="en-US" altLang="ja-JP" dirty="0" smtClean="0"/>
-                        <a:t>CNT=9</a:t>
-                      </a:r>
-                      <a:endParaRPr kumimoji="1" lang="ja-JP" altLang="en-US" dirty="0" smtClean="0"/>
-                    </a:p>
-                  </a:txBody>
-                  <a:tcPr/>
-                </a:tc>
-                <a:extLst>
-                  <a:ext uri="{0D108BD9-81ED-4DB2-BD59-A6C34878D82A}">
-                    <a16:rowId xmlns:a16="http://schemas.microsoft.com/office/drawing/2014/main" val="3346254141"/>
-                  </a:ext>
-                </a:extLst>
-              </a:tr>
-              <a:tr h="568712">
-                <a:tc>
-                  <a:txBody>
-                    <a:bodyPr/>
-                    <a:lstStyle/>
-                    <a:p>
-                      <a:pPr marL="0" marR="0" lvl="0" indent="0" algn="ctr" defTabSz="914400" rtl="0" eaLnBrk="1" fontAlgn="auto" latinLnBrk="0" hangingPunct="1">
-                        <a:lnSpc>
-                          <a:spcPct val="100000"/>
-                        </a:lnSpc>
-                        <a:spcBef>
-                          <a:spcPts val="0"/>
-                        </a:spcBef>
-                        <a:spcAft>
-                          <a:spcPts val="0"/>
-                        </a:spcAft>
-                        <a:buClrTx/>
-                        <a:buSzTx/>
-                        <a:buFontTx/>
-                        <a:buNone/>
-                        <a:tabLst/>
-                        <a:defRPr/>
-                      </a:pPr>
-                      <a:r>
-                        <a:rPr kumimoji="1" lang="en-US" altLang="ja-JP" dirty="0" smtClean="0"/>
-                        <a:t>11</a:t>
-                      </a:r>
-                      <a:r>
-                        <a:rPr kumimoji="1" lang="ja-JP" altLang="en-US" dirty="0" smtClean="0"/>
-                        <a:t>回目判定</a:t>
-                      </a:r>
-                    </a:p>
-                  </a:txBody>
-                  <a:tcPr/>
-                </a:tc>
-                <a:tc>
-                  <a:txBody>
-                    <a:bodyPr/>
-                    <a:lstStyle/>
-                    <a:p>
-                      <a:pPr algn="ctr"/>
-                      <a:r>
-                        <a:rPr kumimoji="1" lang="en-US" altLang="ja-JP" dirty="0" smtClean="0"/>
-                        <a:t>10&lt;10</a:t>
-                      </a:r>
-                    </a:p>
-                    <a:p>
-                      <a:pPr algn="ctr"/>
-                      <a:r>
-                        <a:rPr kumimoji="1" lang="ja-JP" altLang="en-US" sz="2000" dirty="0" smtClean="0">
-                          <a:solidFill>
-                            <a:srgbClr val="FF0000"/>
-                          </a:solidFill>
-                        </a:rPr>
-                        <a:t>★ここでループを抜ける</a:t>
-                      </a:r>
-                      <a:endParaRPr kumimoji="1" lang="ja-JP" altLang="en-US" sz="2000" dirty="0">
-                        <a:solidFill>
-                          <a:srgbClr val="FF0000"/>
-                        </a:solidFill>
-                      </a:endParaRPr>
-                    </a:p>
-                  </a:txBody>
-                  <a:tcPr/>
-                </a:tc>
-                <a:tc>
-                  <a:txBody>
-                    <a:bodyPr/>
-                    <a:lstStyle/>
-                    <a:p>
-                      <a:pPr marL="0" marR="0" lvl="0" indent="0" algn="ctr" defTabSz="914400" rtl="0" eaLnBrk="1" fontAlgn="auto" latinLnBrk="0" hangingPunct="1">
-                        <a:lnSpc>
-                          <a:spcPct val="100000"/>
-                        </a:lnSpc>
-                        <a:spcBef>
-                          <a:spcPts val="0"/>
-                        </a:spcBef>
-                        <a:spcAft>
-                          <a:spcPts val="0"/>
-                        </a:spcAft>
-                        <a:buClrTx/>
-                        <a:buSzTx/>
-                        <a:buFontTx/>
-                        <a:buNone/>
-                        <a:tabLst/>
-                        <a:defRPr/>
-                      </a:pPr>
-                      <a:r>
-                        <a:rPr kumimoji="1" lang="ja-JP" altLang="en-US" dirty="0" smtClean="0"/>
-                        <a:t>表示処理</a:t>
-                      </a:r>
-                    </a:p>
-                  </a:txBody>
-                  <a:tcPr/>
-                </a:tc>
-                <a:tc>
-                  <a:txBody>
-                    <a:bodyPr/>
-                    <a:lstStyle/>
-                    <a:p>
-                      <a:pPr marL="0" marR="0" lvl="0" indent="0" algn="ctr" defTabSz="914400" rtl="0" eaLnBrk="1" fontAlgn="auto" latinLnBrk="0" hangingPunct="1">
-                        <a:lnSpc>
-                          <a:spcPct val="100000"/>
-                        </a:lnSpc>
-                        <a:spcBef>
-                          <a:spcPts val="0"/>
-                        </a:spcBef>
-                        <a:spcAft>
-                          <a:spcPts val="0"/>
-                        </a:spcAft>
-                        <a:buClrTx/>
-                        <a:buSzTx/>
-                        <a:buFontTx/>
-                        <a:buNone/>
-                        <a:tabLst/>
-                        <a:defRPr/>
-                      </a:pPr>
-                      <a:r>
-                        <a:rPr kumimoji="1" lang="en-US" altLang="ja-JP" dirty="0" smtClean="0"/>
-                        <a:t>CNT=10</a:t>
-                      </a:r>
-                      <a:endParaRPr kumimoji="1" lang="ja-JP" altLang="en-US" dirty="0" smtClean="0"/>
-                    </a:p>
-                  </a:txBody>
-                  <a:tcPr/>
-                </a:tc>
-                <a:extLst>
-                  <a:ext uri="{0D108BD9-81ED-4DB2-BD59-A6C34878D82A}">
-                    <a16:rowId xmlns:a16="http://schemas.microsoft.com/office/drawing/2014/main" val="1818299307"/>
-                  </a:ext>
-                </a:extLst>
-              </a:tr>
-            </a:tbl>
-          </a:graphicData>
-        </a:graphic>
-      </p:graphicFrame>
+      <p:sp>
+        <p:nvSpPr>
+          <p:cNvPr id="7" name="テキスト ボックス 6"/>
+          <p:cNvSpPr txBox="1"/>
+          <p:nvPr/>
+        </p:nvSpPr>
+        <p:spPr>
+          <a:xfrm>
+            <a:off x="2963723" y="2754714"/>
+            <a:ext cx="800219" cy="461665"/>
+          </a:xfrm>
+          <a:prstGeom prst="rect">
+            <a:avLst/>
+          </a:prstGeom>
+          <a:noFill/>
+        </p:spPr>
+        <p:txBody>
+          <a:bodyPr wrap="none" rtlCol="0">
+            <a:spAutoFit/>
+          </a:bodyPr>
+          <a:lstStyle/>
+          <a:p>
+            <a:r>
+              <a:rPr kumimoji="1" lang="ja-JP" altLang="en-US" sz="2400" b="1" dirty="0" smtClean="0">
+                <a:solidFill>
+                  <a:srgbClr val="FF0000"/>
+                </a:solidFill>
+              </a:rPr>
+              <a:t>関数</a:t>
+            </a:r>
+            <a:endParaRPr kumimoji="1" lang="ja-JP" altLang="en-US" sz="2400" b="1" dirty="0">
+              <a:solidFill>
+                <a:srgbClr val="FF0000"/>
+              </a:solidFill>
+            </a:endParaRPr>
+          </a:p>
+        </p:txBody>
+      </p:sp>
+      <p:pic>
+        <p:nvPicPr>
+          <p:cNvPr id="6" name="図 5"/>
+          <p:cNvPicPr>
+            <a:picLocks noChangeAspect="1"/>
+          </p:cNvPicPr>
+          <p:nvPr/>
+        </p:nvPicPr>
+        <p:blipFill>
+          <a:blip r:embed="rId3"/>
+          <a:stretch>
+            <a:fillRect/>
+          </a:stretch>
+        </p:blipFill>
+        <p:spPr>
+          <a:xfrm>
+            <a:off x="6875924" y="1084742"/>
+            <a:ext cx="3876675" cy="5543550"/>
+          </a:xfrm>
+          <a:prstGeom prst="rect">
+            <a:avLst/>
+          </a:prstGeom>
+        </p:spPr>
+      </p:pic>
     </p:spTree>
     <p:extLst>
       <p:ext uri="{BB962C8B-B14F-4D97-AF65-F5344CB8AC3E}">
-        <p14:creationId xmlns:p14="http://schemas.microsoft.com/office/powerpoint/2010/main" val="478104909"/>
+        <p14:creationId xmlns:p14="http://schemas.microsoft.com/office/powerpoint/2010/main" val="2246165740"/>
       </p:ext>
     </p:extLst>
   </p:cSld>
@@ -7968,39 +6438,9 @@
           <a:chExt cx="0" cy="0"/>
         </a:xfrm>
       </p:grpSpPr>
-      <p:sp>
-        <p:nvSpPr>
-          <p:cNvPr id="3" name="テキスト ボックス 2"/>
-          <p:cNvSpPr txBox="1"/>
-          <p:nvPr/>
-        </p:nvSpPr>
-        <p:spPr>
-          <a:xfrm>
-            <a:off x="1810239" y="436589"/>
-            <a:ext cx="3416320" cy="646331"/>
-          </a:xfrm>
-          <a:prstGeom prst="rect">
-            <a:avLst/>
-          </a:prstGeom>
-          <a:noFill/>
-        </p:spPr>
-        <p:txBody>
-          <a:bodyPr wrap="none" rtlCol="0">
-            <a:spAutoFit/>
-          </a:bodyPr>
-          <a:lstStyle/>
-          <a:p>
-            <a:r>
-              <a:rPr kumimoji="1" lang="ja-JP" altLang="en-US" sz="3600" dirty="0" smtClean="0"/>
-              <a:t>前判定と後判定</a:t>
-            </a:r>
-            <a:endParaRPr kumimoji="1" lang="ja-JP" altLang="en-US" sz="3600" dirty="0"/>
-          </a:p>
-        </p:txBody>
-      </p:sp>
       <p:pic>
         <p:nvPicPr>
-          <p:cNvPr id="4" name="図 3"/>
+          <p:cNvPr id="3" name="図 2"/>
           <p:cNvPicPr>
             <a:picLocks noChangeAspect="1"/>
           </p:cNvPicPr>
@@ -8014,14 +6454,158 @@
         </p:blipFill>
         <p:spPr>
           <a:xfrm>
-            <a:off x="436716" y="1842826"/>
-            <a:ext cx="4932804" cy="3017274"/>
+            <a:off x="459624" y="1353935"/>
+            <a:ext cx="6539692" cy="5142865"/>
           </a:xfrm>
           <a:prstGeom prst="rect">
             <a:avLst/>
           </a:prstGeom>
         </p:spPr>
       </p:pic>
+      <p:sp>
+        <p:nvSpPr>
+          <p:cNvPr id="4" name="テキスト ボックス 3"/>
+          <p:cNvSpPr txBox="1"/>
+          <p:nvPr/>
+        </p:nvSpPr>
+        <p:spPr>
+          <a:xfrm>
+            <a:off x="1348940" y="287879"/>
+            <a:ext cx="6186309" cy="646331"/>
+          </a:xfrm>
+          <a:prstGeom prst="rect">
+            <a:avLst/>
+          </a:prstGeom>
+          <a:noFill/>
+        </p:spPr>
+        <p:txBody>
+          <a:bodyPr wrap="none" rtlCol="0">
+            <a:spAutoFit/>
+          </a:bodyPr>
+          <a:lstStyle/>
+          <a:p>
+            <a:r>
+              <a:rPr kumimoji="1" lang="ja-JP" altLang="en-US" sz="3600" dirty="0" smtClean="0"/>
+              <a:t>関数　（入力値から求める）</a:t>
+            </a:r>
+            <a:endParaRPr kumimoji="1" lang="ja-JP" altLang="en-US" sz="3600" dirty="0"/>
+          </a:p>
+        </p:txBody>
+      </p:sp>
+      <p:sp>
+        <p:nvSpPr>
+          <p:cNvPr id="7" name="テキスト ボックス 6"/>
+          <p:cNvSpPr txBox="1"/>
+          <p:nvPr/>
+        </p:nvSpPr>
+        <p:spPr>
+          <a:xfrm>
+            <a:off x="3641875" y="2577845"/>
+            <a:ext cx="800219" cy="461665"/>
+          </a:xfrm>
+          <a:prstGeom prst="rect">
+            <a:avLst/>
+          </a:prstGeom>
+          <a:noFill/>
+        </p:spPr>
+        <p:txBody>
+          <a:bodyPr wrap="none" rtlCol="0">
+            <a:spAutoFit/>
+          </a:bodyPr>
+          <a:lstStyle/>
+          <a:p>
+            <a:r>
+              <a:rPr kumimoji="1" lang="ja-JP" altLang="en-US" sz="2400" b="1" dirty="0" smtClean="0">
+                <a:solidFill>
+                  <a:srgbClr val="FF0000"/>
+                </a:solidFill>
+              </a:rPr>
+              <a:t>関数</a:t>
+            </a:r>
+            <a:endParaRPr kumimoji="1" lang="ja-JP" altLang="en-US" sz="2400" b="1" dirty="0">
+              <a:solidFill>
+                <a:srgbClr val="FF0000"/>
+              </a:solidFill>
+            </a:endParaRPr>
+          </a:p>
+        </p:txBody>
+      </p:sp>
+      <p:sp>
+        <p:nvSpPr>
+          <p:cNvPr id="8" name="テキスト ボックス 7"/>
+          <p:cNvSpPr txBox="1"/>
+          <p:nvPr/>
+        </p:nvSpPr>
+        <p:spPr>
+          <a:xfrm>
+            <a:off x="2841656" y="3132878"/>
+            <a:ext cx="800219" cy="461665"/>
+          </a:xfrm>
+          <a:prstGeom prst="rect">
+            <a:avLst/>
+          </a:prstGeom>
+          <a:noFill/>
+        </p:spPr>
+        <p:txBody>
+          <a:bodyPr wrap="none" rtlCol="0">
+            <a:spAutoFit/>
+          </a:bodyPr>
+          <a:lstStyle/>
+          <a:p>
+            <a:r>
+              <a:rPr kumimoji="1" lang="ja-JP" altLang="en-US" sz="2400" b="1" dirty="0" smtClean="0">
+                <a:solidFill>
+                  <a:srgbClr val="FF0000"/>
+                </a:solidFill>
+              </a:rPr>
+              <a:t>条件</a:t>
+            </a:r>
+            <a:endParaRPr kumimoji="1" lang="ja-JP" altLang="en-US" sz="2400" b="1" dirty="0">
+              <a:solidFill>
+                <a:srgbClr val="FF0000"/>
+              </a:solidFill>
+            </a:endParaRPr>
+          </a:p>
+        </p:txBody>
+      </p:sp>
+      <p:sp>
+        <p:nvSpPr>
+          <p:cNvPr id="9" name="テキスト ボックス 8"/>
+          <p:cNvSpPr txBox="1"/>
+          <p:nvPr/>
+        </p:nvSpPr>
+        <p:spPr>
+          <a:xfrm>
+            <a:off x="2933989" y="4537322"/>
+            <a:ext cx="1415772" cy="461665"/>
+          </a:xfrm>
+          <a:prstGeom prst="rect">
+            <a:avLst/>
+          </a:prstGeom>
+          <a:noFill/>
+        </p:spPr>
+        <p:txBody>
+          <a:bodyPr wrap="none" rtlCol="0">
+            <a:spAutoFit/>
+          </a:bodyPr>
+          <a:lstStyle/>
+          <a:p>
+            <a:r>
+              <a:rPr kumimoji="1" lang="ja-JP" altLang="en-US" sz="2400" b="1" dirty="0" smtClean="0">
+                <a:solidFill>
+                  <a:srgbClr val="FF0000"/>
+                </a:solidFill>
+              </a:rPr>
+              <a:t>繰り返し</a:t>
+            </a:r>
+            <a:endParaRPr kumimoji="1" lang="ja-JP" altLang="en-US" sz="2400" b="1" dirty="0">
+              <a:solidFill>
+                <a:srgbClr val="FF0000"/>
+              </a:solidFill>
+            </a:endParaRPr>
+          </a:p>
+        </p:txBody>
+      </p:sp>
       <p:pic>
         <p:nvPicPr>
           <p:cNvPr id="5" name="図 4"/>
@@ -8038,153 +6622,8 @@
         </p:blipFill>
         <p:spPr>
           <a:xfrm>
-            <a:off x="5652834" y="1842827"/>
-            <a:ext cx="4593456" cy="2961264"/>
-          </a:xfrm>
-          <a:prstGeom prst="rect">
-            <a:avLst/>
-          </a:prstGeom>
-        </p:spPr>
-      </p:pic>
-      <p:sp>
-        <p:nvSpPr>
-          <p:cNvPr id="6" name="テキスト ボックス 5"/>
-          <p:cNvSpPr txBox="1"/>
-          <p:nvPr/>
-        </p:nvSpPr>
-        <p:spPr>
-          <a:xfrm>
-            <a:off x="2248649" y="2567836"/>
-            <a:ext cx="877163" cy="369332"/>
-          </a:xfrm>
-          <a:prstGeom prst="rect">
-            <a:avLst/>
-          </a:prstGeom>
-          <a:noFill/>
-        </p:spPr>
-        <p:txBody>
-          <a:bodyPr wrap="none" rtlCol="0">
-            <a:spAutoFit/>
-          </a:bodyPr>
-          <a:lstStyle/>
-          <a:p>
-            <a:r>
-              <a:rPr kumimoji="1" lang="ja-JP" altLang="en-US" dirty="0" smtClean="0">
-                <a:solidFill>
-                  <a:srgbClr val="FF0000"/>
-                </a:solidFill>
-              </a:rPr>
-              <a:t>前判定</a:t>
-            </a:r>
-            <a:endParaRPr kumimoji="1" lang="ja-JP" altLang="en-US" dirty="0">
-              <a:solidFill>
-                <a:srgbClr val="FF0000"/>
-              </a:solidFill>
-            </a:endParaRPr>
-          </a:p>
-        </p:txBody>
-      </p:sp>
-      <p:sp>
-        <p:nvSpPr>
-          <p:cNvPr id="7" name="テキスト ボックス 6"/>
-          <p:cNvSpPr txBox="1"/>
-          <p:nvPr/>
-        </p:nvSpPr>
-        <p:spPr>
-          <a:xfrm>
-            <a:off x="6731549" y="3166797"/>
-            <a:ext cx="877163" cy="369332"/>
-          </a:xfrm>
-          <a:prstGeom prst="rect">
-            <a:avLst/>
-          </a:prstGeom>
-          <a:noFill/>
-        </p:spPr>
-        <p:txBody>
-          <a:bodyPr wrap="none" rtlCol="0">
-            <a:spAutoFit/>
-          </a:bodyPr>
-          <a:lstStyle/>
-          <a:p>
-            <a:r>
-              <a:rPr lang="ja-JP" altLang="en-US" dirty="0">
-                <a:solidFill>
-                  <a:srgbClr val="FF0000"/>
-                </a:solidFill>
-              </a:rPr>
-              <a:t>後</a:t>
-            </a:r>
-            <a:r>
-              <a:rPr kumimoji="1" lang="ja-JP" altLang="en-US" dirty="0" smtClean="0">
-                <a:solidFill>
-                  <a:srgbClr val="FF0000"/>
-                </a:solidFill>
-              </a:rPr>
-              <a:t>判定</a:t>
-            </a:r>
-            <a:endParaRPr kumimoji="1" lang="ja-JP" altLang="en-US" dirty="0">
-              <a:solidFill>
-                <a:srgbClr val="FF0000"/>
-              </a:solidFill>
-            </a:endParaRPr>
-          </a:p>
-        </p:txBody>
-      </p:sp>
-      <p:sp>
-        <p:nvSpPr>
-          <p:cNvPr id="8" name="テキスト ボックス 7"/>
-          <p:cNvSpPr txBox="1"/>
-          <p:nvPr/>
-        </p:nvSpPr>
-        <p:spPr>
-          <a:xfrm>
-            <a:off x="2280191" y="5529101"/>
-            <a:ext cx="8116866" cy="830997"/>
-          </a:xfrm>
-          <a:prstGeom prst="rect">
-            <a:avLst/>
-          </a:prstGeom>
-          <a:noFill/>
-        </p:spPr>
-        <p:txBody>
-          <a:bodyPr wrap="square" rtlCol="0">
-            <a:spAutoFit/>
-          </a:bodyPr>
-          <a:lstStyle/>
-          <a:p>
-            <a:r>
-              <a:rPr kumimoji="1" lang="ja-JP" altLang="en-US" sz="2400" dirty="0" smtClean="0"/>
-              <a:t>前判定だと　一度も実行されないケースがあるが、　</a:t>
-            </a:r>
-            <a:endParaRPr kumimoji="1" lang="en-US" altLang="ja-JP" sz="2400" dirty="0" smtClean="0"/>
-          </a:p>
-          <a:p>
-            <a:r>
-              <a:rPr kumimoji="1" lang="ja-JP" altLang="en-US" sz="2400" dirty="0" smtClean="0"/>
-              <a:t>後判定だと、必ず一度は実行される。</a:t>
-            </a:r>
-            <a:endParaRPr kumimoji="1" lang="ja-JP" altLang="en-US" sz="2400" dirty="0"/>
-          </a:p>
-        </p:txBody>
-      </p:sp>
-      <p:pic>
-        <p:nvPicPr>
-          <p:cNvPr id="9" name="図 8"/>
-          <p:cNvPicPr>
-            <a:picLocks noChangeAspect="1"/>
-          </p:cNvPicPr>
-          <p:nvPr/>
-        </p:nvPicPr>
-        <p:blipFill>
-          <a:blip r:embed="rId4"/>
-          <a:stretch>
-            <a:fillRect/>
-          </a:stretch>
-        </p:blipFill>
-        <p:spPr>
-          <a:xfrm>
-            <a:off x="10529604" y="898775"/>
-            <a:ext cx="1466850" cy="4905375"/>
+            <a:off x="8192452" y="106157"/>
+            <a:ext cx="2970641" cy="6660400"/>
           </a:xfrm>
           <a:prstGeom prst="rect">
             <a:avLst/>
@@ -8194,7 +6633,7 @@
     </p:spTree>
     <p:extLst>
       <p:ext uri="{BB962C8B-B14F-4D97-AF65-F5344CB8AC3E}">
-        <p14:creationId xmlns:p14="http://schemas.microsoft.com/office/powerpoint/2010/main" val="734913604"/>
+        <p14:creationId xmlns:p14="http://schemas.microsoft.com/office/powerpoint/2010/main" val="3849645327"/>
       </p:ext>
     </p:extLst>
   </p:cSld>
@@ -8221,41 +6660,9 @@
           <a:chExt cx="0" cy="0"/>
         </a:xfrm>
       </p:grpSpPr>
-      <p:sp>
-        <p:nvSpPr>
-          <p:cNvPr id="2" name="タイトル 1"/>
-          <p:cNvSpPr>
-            <a:spLocks noGrp="1"/>
-          </p:cNvSpPr>
-          <p:nvPr>
-            <p:ph type="title"/>
-          </p:nvPr>
-        </p:nvSpPr>
-        <p:spPr>
-          <a:xfrm>
-            <a:off x="838200" y="365126"/>
-            <a:ext cx="9633559" cy="987686"/>
-          </a:xfrm>
-        </p:spPr>
-        <p:txBody>
-          <a:bodyPr/>
-          <a:lstStyle/>
-          <a:p>
-            <a:r>
-              <a:rPr lang="en-US" altLang="ja-JP" dirty="0" smtClean="0"/>
-              <a:t>For</a:t>
-            </a:r>
-            <a:r>
-              <a:rPr lang="ja-JP" altLang="en-US" dirty="0" smtClean="0"/>
-              <a:t>型ループ</a:t>
-            </a:r>
-            <a:endParaRPr kumimoji="1" lang="ja-JP" altLang="en-US" dirty="0"/>
-          </a:p>
-        </p:txBody>
-      </p:sp>
       <p:pic>
         <p:nvPicPr>
-          <p:cNvPr id="4" name="図 3"/>
+          <p:cNvPr id="2" name="図 1"/>
           <p:cNvPicPr>
             <a:picLocks noChangeAspect="1"/>
           </p:cNvPicPr>
@@ -8269,8 +6676,8 @@
         </p:blipFill>
         <p:spPr>
           <a:xfrm>
-            <a:off x="1994182" y="1352812"/>
-            <a:ext cx="7976535" cy="5390626"/>
+            <a:off x="2105676" y="1393128"/>
+            <a:ext cx="8002827" cy="4971453"/>
           </a:xfrm>
           <a:prstGeom prst="rect">
             <a:avLst/>
@@ -8279,14 +6686,14 @@
       </p:pic>
       <p:sp>
         <p:nvSpPr>
-          <p:cNvPr id="5" name="テキスト ボックス 4"/>
+          <p:cNvPr id="3" name="テキスト ボックス 2"/>
           <p:cNvSpPr txBox="1"/>
           <p:nvPr/>
         </p:nvSpPr>
         <p:spPr>
           <a:xfrm>
-            <a:off x="3100419" y="1841326"/>
-            <a:ext cx="877163" cy="369332"/>
+            <a:off x="1528176" y="563672"/>
+            <a:ext cx="4278735" cy="523220"/>
           </a:xfrm>
           <a:prstGeom prst="rect">
             <a:avLst/>
@@ -8300,217 +6707,25 @@
           <a:lstStyle/>
           <a:p>
             <a:r>
-              <a:rPr lang="ja-JP" altLang="en-US" dirty="0">
-                <a:solidFill>
-                  <a:srgbClr val="FF0000"/>
-                </a:solidFill>
-              </a:rPr>
-              <a:t>初期値</a:t>
-            </a:r>
-            <a:endParaRPr kumimoji="1" lang="ja-JP" altLang="en-US" dirty="0">
-              <a:solidFill>
-                <a:srgbClr val="FF0000"/>
-              </a:solidFill>
-            </a:endParaRPr>
-          </a:p>
-        </p:txBody>
-      </p:sp>
-      <p:sp>
-        <p:nvSpPr>
-          <p:cNvPr id="6" name="テキスト ボックス 5"/>
-          <p:cNvSpPr txBox="1"/>
-          <p:nvPr/>
-        </p:nvSpPr>
-        <p:spPr>
-          <a:xfrm>
-            <a:off x="4043818" y="1841326"/>
-            <a:ext cx="1107996" cy="369332"/>
-          </a:xfrm>
-          <a:prstGeom prst="rect">
-            <a:avLst/>
-          </a:prstGeom>
-          <a:noFill/>
-        </p:spPr>
-        <p:txBody>
-          <a:bodyPr wrap="none" rtlCol="0">
-            <a:spAutoFit/>
-          </a:bodyPr>
-          <a:lstStyle/>
-          <a:p>
-            <a:r>
-              <a:rPr lang="ja-JP" altLang="en-US" dirty="0" smtClean="0">
-                <a:solidFill>
-                  <a:srgbClr val="FF0000"/>
-                </a:solidFill>
-              </a:rPr>
-              <a:t>継続</a:t>
-            </a:r>
-            <a:r>
-              <a:rPr lang="ja-JP" altLang="en-US" dirty="0">
-                <a:solidFill>
-                  <a:srgbClr val="FF0000"/>
-                </a:solidFill>
-              </a:rPr>
-              <a:t>条件</a:t>
-            </a:r>
-            <a:endParaRPr kumimoji="1" lang="ja-JP" altLang="en-US" dirty="0">
-              <a:solidFill>
-                <a:srgbClr val="FF0000"/>
-              </a:solidFill>
-            </a:endParaRPr>
-          </a:p>
-        </p:txBody>
-      </p:sp>
-      <p:sp>
-        <p:nvSpPr>
-          <p:cNvPr id="7" name="テキスト ボックス 6"/>
-          <p:cNvSpPr txBox="1"/>
-          <p:nvPr/>
-        </p:nvSpPr>
-        <p:spPr>
-          <a:xfrm>
-            <a:off x="5699338" y="1868466"/>
-            <a:ext cx="646331" cy="369332"/>
-          </a:xfrm>
-          <a:prstGeom prst="rect">
-            <a:avLst/>
-          </a:prstGeom>
-          <a:noFill/>
-        </p:spPr>
-        <p:txBody>
-          <a:bodyPr wrap="none" rtlCol="0">
-            <a:spAutoFit/>
-          </a:bodyPr>
-          <a:lstStyle/>
-          <a:p>
-            <a:r>
-              <a:rPr lang="ja-JP" altLang="en-US" dirty="0">
-                <a:solidFill>
-                  <a:srgbClr val="FF0000"/>
-                </a:solidFill>
-              </a:rPr>
-              <a:t>増分</a:t>
-            </a:r>
-            <a:endParaRPr kumimoji="1" lang="ja-JP" altLang="en-US" dirty="0">
-              <a:solidFill>
-                <a:srgbClr val="FF0000"/>
-              </a:solidFill>
-            </a:endParaRPr>
-          </a:p>
-        </p:txBody>
-      </p:sp>
-      <p:sp>
-        <p:nvSpPr>
-          <p:cNvPr id="8" name="テキスト ボックス 7"/>
-          <p:cNvSpPr txBox="1"/>
-          <p:nvPr/>
-        </p:nvSpPr>
-        <p:spPr>
-          <a:xfrm>
-            <a:off x="5053007" y="2356980"/>
-            <a:ext cx="1569660" cy="369332"/>
-          </a:xfrm>
-          <a:prstGeom prst="rect">
-            <a:avLst/>
-          </a:prstGeom>
-          <a:noFill/>
-        </p:spPr>
-        <p:txBody>
-          <a:bodyPr wrap="none" rtlCol="0">
-            <a:spAutoFit/>
-          </a:bodyPr>
-          <a:lstStyle/>
-          <a:p>
-            <a:r>
-              <a:rPr kumimoji="1" lang="ja-JP" altLang="en-US" dirty="0" smtClean="0">
-                <a:solidFill>
-                  <a:srgbClr val="FF0000"/>
-                </a:solidFill>
-              </a:rPr>
-              <a:t>処理について</a:t>
-            </a:r>
-            <a:endParaRPr kumimoji="1" lang="ja-JP" altLang="en-US" dirty="0">
-              <a:solidFill>
-                <a:srgbClr val="FF0000"/>
-              </a:solidFill>
-            </a:endParaRPr>
-          </a:p>
-        </p:txBody>
-      </p:sp>
-      <p:sp>
-        <p:nvSpPr>
-          <p:cNvPr id="9" name="テキスト ボックス 8"/>
-          <p:cNvSpPr txBox="1"/>
-          <p:nvPr/>
-        </p:nvSpPr>
-        <p:spPr>
-          <a:xfrm>
-            <a:off x="2417523" y="5035463"/>
-            <a:ext cx="9696885" cy="523220"/>
-          </a:xfrm>
-          <a:prstGeom prst="rect">
-            <a:avLst/>
-          </a:prstGeom>
-          <a:noFill/>
-        </p:spPr>
-        <p:txBody>
-          <a:bodyPr wrap="none" rtlCol="0">
-            <a:spAutoFit/>
-          </a:bodyPr>
-          <a:lstStyle/>
-          <a:p>
-            <a:r>
-              <a:rPr lang="ja-JP" altLang="en-US" sz="2800" b="1" dirty="0" smtClean="0">
-                <a:solidFill>
-                  <a:srgbClr val="FF0000"/>
-                </a:solidFill>
-              </a:rPr>
-              <a:t>★継続条件　</a:t>
-            </a:r>
-            <a:r>
-              <a:rPr lang="en-US" altLang="ja-JP" sz="2800" b="1" dirty="0" err="1" smtClean="0">
-                <a:solidFill>
-                  <a:srgbClr val="FF0000"/>
-                </a:solidFill>
-              </a:rPr>
-              <a:t>LoopCount</a:t>
-            </a:r>
-            <a:r>
-              <a:rPr lang="ja-JP" altLang="en-US" sz="2800" b="1" dirty="0" smtClean="0">
-                <a:solidFill>
-                  <a:srgbClr val="FF0000"/>
-                </a:solidFill>
-              </a:rPr>
-              <a:t>が</a:t>
-            </a:r>
-            <a:r>
-              <a:rPr lang="en-US" altLang="ja-JP" sz="2800" b="1" dirty="0" smtClean="0">
-                <a:solidFill>
-                  <a:srgbClr val="FF0000"/>
-                </a:solidFill>
-              </a:rPr>
-              <a:t>10</a:t>
-            </a:r>
-            <a:r>
-              <a:rPr lang="ja-JP" altLang="en-US" sz="2800" b="1" dirty="0" smtClean="0">
-                <a:solidFill>
-                  <a:srgbClr val="FF0000"/>
-                </a:solidFill>
-              </a:rPr>
-              <a:t>になったらループを抜けます</a:t>
-            </a:r>
-            <a:endParaRPr kumimoji="1" lang="ja-JP" altLang="en-US" sz="2800" b="1" dirty="0">
-              <a:solidFill>
-                <a:srgbClr val="FF0000"/>
-              </a:solidFill>
-            </a:endParaRPr>
+              <a:rPr kumimoji="1" lang="ja-JP" altLang="en-US" sz="2800" dirty="0" smtClean="0"/>
+              <a:t>教科書 </a:t>
+            </a:r>
+            <a:r>
+              <a:rPr kumimoji="1" lang="en-US" altLang="ja-JP" sz="2800" dirty="0" smtClean="0"/>
+              <a:t>29</a:t>
+            </a:r>
+            <a:r>
+              <a:rPr kumimoji="1" lang="ja-JP" altLang="en-US" sz="2800" dirty="0" smtClean="0"/>
+              <a:t>ページの解答例</a:t>
+            </a:r>
+            <a:endParaRPr kumimoji="1" lang="ja-JP" altLang="en-US" sz="2800" dirty="0"/>
           </a:p>
         </p:txBody>
       </p:sp>
     </p:spTree>
     <p:extLst>
       <p:ext uri="{BB962C8B-B14F-4D97-AF65-F5344CB8AC3E}">
-        <p14:creationId xmlns:p14="http://schemas.microsoft.com/office/powerpoint/2010/main" val="3718473304"/>
+        <p14:creationId xmlns:p14="http://schemas.microsoft.com/office/powerpoint/2010/main" val="3738741296"/>
       </p:ext>
     </p:extLst>
   </p:cSld>
@@ -8539,49 +6754,100 @@
       </p:grpSpPr>
       <p:sp>
         <p:nvSpPr>
-          <p:cNvPr id="2" name="タイトル 1"/>
-          <p:cNvSpPr>
-            <a:spLocks noGrp="1"/>
-          </p:cNvSpPr>
-          <p:nvPr>
-            <p:ph type="title"/>
-          </p:nvPr>
+          <p:cNvPr id="3" name="テキスト ボックス 2"/>
+          <p:cNvSpPr txBox="1"/>
+          <p:nvPr/>
         </p:nvSpPr>
         <p:spPr>
           <a:xfrm>
-            <a:off x="3644032" y="3045696"/>
-            <a:ext cx="5424812" cy="737165"/>
+            <a:off x="2630467" y="289653"/>
+            <a:ext cx="6288901" cy="523220"/>
           </a:xfrm>
+          <a:prstGeom prst="rect">
+            <a:avLst/>
+          </a:prstGeom>
+          <a:noFill/>
         </p:spPr>
         <p:txBody>
-          <a:bodyPr>
-            <a:normAutofit fontScale="90000"/>
+          <a:bodyPr wrap="none" rtlCol="0">
+            <a:spAutoFit/>
           </a:bodyPr>
           <a:lstStyle/>
           <a:p>
             <a:r>
-              <a:rPr lang="ja-JP" altLang="en-US" dirty="0" smtClean="0"/>
-              <a:t>ここで</a:t>
-            </a:r>
-            <a:r>
-              <a:rPr lang="en-US" altLang="ja-JP" dirty="0" smtClean="0"/>
-              <a:t>Training 1-3</a:t>
-            </a:r>
-            <a:br>
-              <a:rPr lang="en-US" altLang="ja-JP" dirty="0" smtClean="0"/>
-            </a:br>
-            <a:r>
-              <a:rPr lang="ja-JP" altLang="en-US" dirty="0" smtClean="0"/>
-              <a:t>（コピー利用）</a:t>
-            </a:r>
-            <a:endParaRPr kumimoji="1" lang="ja-JP" altLang="en-US" dirty="0"/>
+              <a:rPr kumimoji="1" lang="ja-JP" altLang="en-US" sz="2800" dirty="0" smtClean="0"/>
+              <a:t>１から１０までの整数の合計を求める</a:t>
+            </a:r>
+            <a:endParaRPr kumimoji="1" lang="en-US" altLang="ja-JP" sz="2800" dirty="0" smtClean="0"/>
+          </a:p>
+        </p:txBody>
+      </p:sp>
+      <p:pic>
+        <p:nvPicPr>
+          <p:cNvPr id="4" name="図 3"/>
+          <p:cNvPicPr>
+            <a:picLocks noChangeAspect="1"/>
+          </p:cNvPicPr>
+          <p:nvPr/>
+        </p:nvPicPr>
+        <p:blipFill>
+          <a:blip r:embed="rId2"/>
+          <a:stretch>
+            <a:fillRect/>
+          </a:stretch>
+        </p:blipFill>
+        <p:spPr>
+          <a:xfrm>
+            <a:off x="501042" y="1355615"/>
+            <a:ext cx="8251847" cy="5305954"/>
+          </a:xfrm>
+          <a:prstGeom prst="rect">
+            <a:avLst/>
+          </a:prstGeom>
+        </p:spPr>
+      </p:pic>
+      <p:sp>
+        <p:nvSpPr>
+          <p:cNvPr id="5" name="テキスト ボックス 4"/>
+          <p:cNvSpPr txBox="1"/>
+          <p:nvPr/>
+        </p:nvSpPr>
+        <p:spPr>
+          <a:xfrm>
+            <a:off x="2807047" y="2964319"/>
+            <a:ext cx="9623147" cy="584775"/>
+          </a:xfrm>
+          <a:prstGeom prst="rect">
+            <a:avLst/>
+          </a:prstGeom>
+          <a:noFill/>
+        </p:spPr>
+        <p:txBody>
+          <a:bodyPr wrap="none" rtlCol="0">
+            <a:spAutoFit/>
+          </a:bodyPr>
+          <a:lstStyle/>
+          <a:p>
+            <a:r>
+              <a:rPr kumimoji="1" lang="ja-JP" altLang="en-US" sz="3200" dirty="0" smtClean="0">
+                <a:solidFill>
+                  <a:srgbClr val="FF0000"/>
+                </a:solidFill>
+              </a:rPr>
+              <a:t>←同じ命令を繰り返して記述しなければならない。</a:t>
+            </a:r>
+            <a:endParaRPr kumimoji="1" lang="ja-JP" altLang="en-US" sz="3200" dirty="0">
+              <a:solidFill>
+                <a:srgbClr val="FF0000"/>
+              </a:solidFill>
+            </a:endParaRPr>
           </a:p>
         </p:txBody>
       </p:sp>
     </p:spTree>
     <p:extLst>
       <p:ext uri="{BB962C8B-B14F-4D97-AF65-F5344CB8AC3E}">
-        <p14:creationId xmlns:p14="http://schemas.microsoft.com/office/powerpoint/2010/main" val="1492366342"/>
+        <p14:creationId xmlns:p14="http://schemas.microsoft.com/office/powerpoint/2010/main" val="231530369"/>
       </p:ext>
     </p:extLst>
   </p:cSld>
@@ -8624,8 +6890,8 @@
         </p:blipFill>
         <p:spPr>
           <a:xfrm>
-            <a:off x="2105676" y="1393128"/>
-            <a:ext cx="8002827" cy="4971453"/>
+            <a:off x="1776804" y="1414461"/>
+            <a:ext cx="8256544" cy="5113302"/>
           </a:xfrm>
           <a:prstGeom prst="rect">
             <a:avLst/>
@@ -8640,8 +6906,8 @@
         </p:nvSpPr>
         <p:spPr>
           <a:xfrm>
-            <a:off x="1528176" y="563672"/>
-            <a:ext cx="4278735" cy="523220"/>
+            <a:off x="914401" y="201970"/>
+            <a:ext cx="10785325" cy="954107"/>
           </a:xfrm>
           <a:prstGeom prst="rect">
             <a:avLst/>
@@ -8656,24 +6922,51 @@
           <a:p>
             <a:r>
               <a:rPr kumimoji="1" lang="ja-JP" altLang="en-US" sz="2800" dirty="0" smtClean="0"/>
-              <a:t>教科書 </a:t>
-            </a:r>
-            <a:r>
-              <a:rPr kumimoji="1" lang="en-US" altLang="ja-JP" sz="2800" dirty="0" smtClean="0"/>
-              <a:t>29</a:t>
-            </a:r>
-            <a:r>
-              <a:rPr kumimoji="1" lang="ja-JP" altLang="en-US" sz="2800" dirty="0" smtClean="0"/>
-              <a:t>ページの解答例</a:t>
-            </a:r>
-            <a:endParaRPr kumimoji="1" lang="ja-JP" altLang="en-US" sz="2800" dirty="0"/>
+              <a:t>１から１０までの整数の合計を求める</a:t>
+            </a:r>
+            <a:endParaRPr kumimoji="1" lang="en-US" altLang="ja-JP" sz="2800" dirty="0" smtClean="0"/>
+          </a:p>
+          <a:p>
+            <a:r>
+              <a:rPr lang="ja-JP" altLang="en-US" sz="2800" dirty="0" smtClean="0"/>
+              <a:t>（効率よくかけるのと、</a:t>
+            </a:r>
+            <a:r>
+              <a:rPr lang="en-US" altLang="ja-JP" sz="2800" dirty="0" err="1" smtClean="0"/>
+              <a:t>Cnt</a:t>
+            </a:r>
+            <a:r>
+              <a:rPr lang="ja-JP" altLang="en-US" sz="2800" dirty="0" smtClean="0"/>
+              <a:t>を</a:t>
+            </a:r>
+            <a:r>
+              <a:rPr lang="en-US" altLang="ja-JP" sz="2800" dirty="0" smtClean="0"/>
+              <a:t>100</a:t>
+            </a:r>
+            <a:r>
+              <a:rPr lang="ja-JP" altLang="en-US" sz="2800" dirty="0" smtClean="0"/>
+              <a:t>とか</a:t>
+            </a:r>
+            <a:r>
+              <a:rPr lang="en-US" altLang="ja-JP" sz="2800" dirty="0" smtClean="0"/>
+              <a:t>1000</a:t>
+            </a:r>
+            <a:r>
+              <a:rPr lang="ja-JP" altLang="en-US" sz="2800" dirty="0" err="1" smtClean="0"/>
+              <a:t>に簡</a:t>
+            </a:r>
+            <a:r>
+              <a:rPr lang="ja-JP" altLang="en-US" sz="2800" dirty="0" smtClean="0"/>
+              <a:t>単に変更できる）</a:t>
+            </a:r>
+            <a:endParaRPr kumimoji="1" lang="en-US" altLang="ja-JP" sz="2800" dirty="0" smtClean="0"/>
           </a:p>
         </p:txBody>
       </p:sp>
     </p:spTree>
     <p:extLst>
       <p:ext uri="{BB962C8B-B14F-4D97-AF65-F5344CB8AC3E}">
-        <p14:creationId xmlns:p14="http://schemas.microsoft.com/office/powerpoint/2010/main" val="3738741296"/>
+        <p14:creationId xmlns:p14="http://schemas.microsoft.com/office/powerpoint/2010/main" val="3676105551"/>
       </p:ext>
     </p:extLst>
   </p:cSld>

--- a/docs/第5回引数と返却値.pptx
+++ b/docs/第5回引数と返却値.pptx
@@ -11,14 +11,10 @@
     <p:sldId id="270" r:id="rId5"/>
     <p:sldId id="289" r:id="rId6"/>
     <p:sldId id="290" r:id="rId7"/>
-    <p:sldId id="281" r:id="rId8"/>
-    <p:sldId id="282" r:id="rId9"/>
-    <p:sldId id="283" r:id="rId10"/>
-    <p:sldId id="284" r:id="rId11"/>
-    <p:sldId id="285" r:id="rId12"/>
-    <p:sldId id="286" r:id="rId13"/>
-    <p:sldId id="287" r:id="rId14"/>
-    <p:sldId id="288" r:id="rId15"/>
+    <p:sldId id="291" r:id="rId8"/>
+    <p:sldId id="292" r:id="rId9"/>
+    <p:sldId id="293" r:id="rId10"/>
+    <p:sldId id="294" r:id="rId11"/>
   </p:sldIdLst>
   <p:sldSz cx="12192000" cy="6858000"/>
   <p:notesSz cx="6858000" cy="9144000"/>
@@ -256,7 +252,7 @@
           <a:p>
             <a:fld id="{BC217E9B-DFCD-4DFE-B7ED-A5F6001EB7CB}" type="datetimeFigureOut">
               <a:rPr kumimoji="1" lang="ja-JP" altLang="en-US" smtClean="0"/>
-              <a:t>2019/4/25</a:t>
+              <a:t>2019/4/26</a:t>
             </a:fld>
             <a:endParaRPr kumimoji="1" lang="ja-JP" altLang="en-US"/>
           </a:p>
@@ -458,7 +454,7 @@
           <a:p>
             <a:fld id="{BC217E9B-DFCD-4DFE-B7ED-A5F6001EB7CB}" type="datetimeFigureOut">
               <a:rPr kumimoji="1" lang="ja-JP" altLang="en-US" smtClean="0"/>
-              <a:t>2019/4/25</a:t>
+              <a:t>2019/4/26</a:t>
             </a:fld>
             <a:endParaRPr kumimoji="1" lang="ja-JP" altLang="en-US"/>
           </a:p>
@@ -670,7 +666,7 @@
           <a:p>
             <a:fld id="{BC217E9B-DFCD-4DFE-B7ED-A5F6001EB7CB}" type="datetimeFigureOut">
               <a:rPr kumimoji="1" lang="ja-JP" altLang="en-US" smtClean="0"/>
-              <a:t>2019/4/25</a:t>
+              <a:t>2019/4/26</a:t>
             </a:fld>
             <a:endParaRPr kumimoji="1" lang="ja-JP" altLang="en-US"/>
           </a:p>
@@ -872,7 +868,7 @@
           <a:p>
             <a:fld id="{BC217E9B-DFCD-4DFE-B7ED-A5F6001EB7CB}" type="datetimeFigureOut">
               <a:rPr kumimoji="1" lang="ja-JP" altLang="en-US" smtClean="0"/>
-              <a:t>2019/4/25</a:t>
+              <a:t>2019/4/26</a:t>
             </a:fld>
             <a:endParaRPr kumimoji="1" lang="ja-JP" altLang="en-US"/>
           </a:p>
@@ -1118,7 +1114,7 @@
           <a:p>
             <a:fld id="{BC217E9B-DFCD-4DFE-B7ED-A5F6001EB7CB}" type="datetimeFigureOut">
               <a:rPr kumimoji="1" lang="ja-JP" altLang="en-US" smtClean="0"/>
-              <a:t>2019/4/25</a:t>
+              <a:t>2019/4/26</a:t>
             </a:fld>
             <a:endParaRPr kumimoji="1" lang="ja-JP" altLang="en-US"/>
           </a:p>
@@ -1414,7 +1410,7 @@
           <a:p>
             <a:fld id="{BC217E9B-DFCD-4DFE-B7ED-A5F6001EB7CB}" type="datetimeFigureOut">
               <a:rPr kumimoji="1" lang="ja-JP" altLang="en-US" smtClean="0"/>
-              <a:t>2019/4/25</a:t>
+              <a:t>2019/4/26</a:t>
             </a:fld>
             <a:endParaRPr kumimoji="1" lang="ja-JP" altLang="en-US"/>
           </a:p>
@@ -1845,7 +1841,7 @@
           <a:p>
             <a:fld id="{BC217E9B-DFCD-4DFE-B7ED-A5F6001EB7CB}" type="datetimeFigureOut">
               <a:rPr kumimoji="1" lang="ja-JP" altLang="en-US" smtClean="0"/>
-              <a:t>2019/4/25</a:t>
+              <a:t>2019/4/26</a:t>
             </a:fld>
             <a:endParaRPr kumimoji="1" lang="ja-JP" altLang="en-US"/>
           </a:p>
@@ -1963,7 +1959,7 @@
           <a:p>
             <a:fld id="{BC217E9B-DFCD-4DFE-B7ED-A5F6001EB7CB}" type="datetimeFigureOut">
               <a:rPr kumimoji="1" lang="ja-JP" altLang="en-US" smtClean="0"/>
-              <a:t>2019/4/25</a:t>
+              <a:t>2019/4/26</a:t>
             </a:fld>
             <a:endParaRPr kumimoji="1" lang="ja-JP" altLang="en-US"/>
           </a:p>
@@ -2058,7 +2054,7 @@
           <a:p>
             <a:fld id="{BC217E9B-DFCD-4DFE-B7ED-A5F6001EB7CB}" type="datetimeFigureOut">
               <a:rPr kumimoji="1" lang="ja-JP" altLang="en-US" smtClean="0"/>
-              <a:t>2019/4/25</a:t>
+              <a:t>2019/4/26</a:t>
             </a:fld>
             <a:endParaRPr kumimoji="1" lang="ja-JP" altLang="en-US"/>
           </a:p>
@@ -2367,7 +2363,7 @@
           <a:p>
             <a:fld id="{BC217E9B-DFCD-4DFE-B7ED-A5F6001EB7CB}" type="datetimeFigureOut">
               <a:rPr kumimoji="1" lang="ja-JP" altLang="en-US" smtClean="0"/>
-              <a:t>2019/4/25</a:t>
+              <a:t>2019/4/26</a:t>
             </a:fld>
             <a:endParaRPr kumimoji="1" lang="ja-JP" altLang="en-US"/>
           </a:p>
@@ -2620,7 +2616,7 @@
           <a:p>
             <a:fld id="{BC217E9B-DFCD-4DFE-B7ED-A5F6001EB7CB}" type="datetimeFigureOut">
               <a:rPr kumimoji="1" lang="ja-JP" altLang="en-US" smtClean="0"/>
-              <a:t>2019/4/25</a:t>
+              <a:t>2019/4/26</a:t>
             </a:fld>
             <a:endParaRPr kumimoji="1" lang="ja-JP" altLang="en-US"/>
           </a:p>
@@ -2865,7 +2861,7 @@
           <a:p>
             <a:fld id="{BC217E9B-DFCD-4DFE-B7ED-A5F6001EB7CB}" type="datetimeFigureOut">
               <a:rPr kumimoji="1" lang="ja-JP" altLang="en-US" smtClean="0"/>
-              <a:t>2019/4/25</a:t>
+              <a:t>2019/4/26</a:t>
             </a:fld>
             <a:endParaRPr kumimoji="1" lang="ja-JP" altLang="en-US"/>
           </a:p>
@@ -3419,2280 +3415,18 @@
       </p:grpSpPr>
       <p:sp>
         <p:nvSpPr>
-          <p:cNvPr id="4" name="テキスト ボックス 3"/>
-          <p:cNvSpPr txBox="1"/>
-          <p:nvPr/>
+          <p:cNvPr id="2" name="タイトル 1"/>
+          <p:cNvSpPr>
+            <a:spLocks noGrp="1"/>
+          </p:cNvSpPr>
+          <p:nvPr>
+            <p:ph type="title"/>
+          </p:nvPr>
         </p:nvSpPr>
         <p:spPr>
           <a:xfrm>
-            <a:off x="1561667" y="100208"/>
-            <a:ext cx="8626079" cy="646331"/>
-          </a:xfrm>
-          <a:prstGeom prst="rect">
-            <a:avLst/>
-          </a:prstGeom>
-          <a:noFill/>
-        </p:spPr>
-        <p:txBody>
-          <a:bodyPr wrap="none" rtlCol="0">
-            <a:spAutoFit/>
-          </a:bodyPr>
-          <a:lstStyle/>
-          <a:p>
-            <a:r>
-              <a:rPr lang="ja-JP" altLang="en-US" sz="3600" dirty="0" smtClean="0"/>
-              <a:t>プログラムの宣言部と処理部 変数の流れ</a:t>
-            </a:r>
-            <a:endParaRPr kumimoji="1" lang="ja-JP" altLang="en-US" sz="3600" dirty="0"/>
-          </a:p>
-        </p:txBody>
-      </p:sp>
-      <p:graphicFrame>
-        <p:nvGraphicFramePr>
-          <p:cNvPr id="5" name="表 4"/>
-          <p:cNvGraphicFramePr>
-            <a:graphicFrameLocks noGrp="1"/>
-          </p:cNvGraphicFramePr>
-          <p:nvPr>
-            <p:extLst>
-              <p:ext uri="{D42A27DB-BD31-4B8C-83A1-F6EECF244321}">
-                <p14:modId xmlns:p14="http://schemas.microsoft.com/office/powerpoint/2010/main" val="4150502363"/>
-              </p:ext>
-            </p:extLst>
-          </p:nvPr>
-        </p:nvGraphicFramePr>
-        <p:xfrm>
-          <a:off x="1177447" y="645081"/>
-          <a:ext cx="9569884" cy="6001599"/>
-        </p:xfrm>
-        <a:graphic>
-          <a:graphicData uri="http://schemas.openxmlformats.org/drawingml/2006/table">
-            <a:tbl>
-              <a:tblPr firstRow="1" bandRow="1">
-                <a:tableStyleId>{5C22544A-7EE6-4342-B048-85BDC9FD1C3A}</a:tableStyleId>
-              </a:tblPr>
-              <a:tblGrid>
-                <a:gridCol w="1375166">
-                  <a:extLst>
-                    <a:ext uri="{9D8B030D-6E8A-4147-A177-3AD203B41FA5}">
-                      <a16:colId xmlns:a16="http://schemas.microsoft.com/office/drawing/2014/main" val="845264888"/>
-                    </a:ext>
-                  </a:extLst>
-                </a:gridCol>
-                <a:gridCol w="2108323">
-                  <a:extLst>
-                    <a:ext uri="{9D8B030D-6E8A-4147-A177-3AD203B41FA5}">
-                      <a16:colId xmlns:a16="http://schemas.microsoft.com/office/drawing/2014/main" val="931872731"/>
-                    </a:ext>
-                  </a:extLst>
-                </a:gridCol>
-                <a:gridCol w="2570283">
-                  <a:extLst>
-                    <a:ext uri="{9D8B030D-6E8A-4147-A177-3AD203B41FA5}">
-                      <a16:colId xmlns:a16="http://schemas.microsoft.com/office/drawing/2014/main" val="2325679229"/>
-                    </a:ext>
-                  </a:extLst>
-                </a:gridCol>
-                <a:gridCol w="1758056">
-                  <a:extLst>
-                    <a:ext uri="{9D8B030D-6E8A-4147-A177-3AD203B41FA5}">
-                      <a16:colId xmlns:a16="http://schemas.microsoft.com/office/drawing/2014/main" val="4289651028"/>
-                    </a:ext>
-                  </a:extLst>
-                </a:gridCol>
-                <a:gridCol w="1758056">
-                  <a:extLst>
-                    <a:ext uri="{9D8B030D-6E8A-4147-A177-3AD203B41FA5}">
-                      <a16:colId xmlns:a16="http://schemas.microsoft.com/office/drawing/2014/main" val="719115202"/>
-                    </a:ext>
-                  </a:extLst>
-                </a:gridCol>
-              </a:tblGrid>
-              <a:tr h="349168">
-                <a:tc>
-                  <a:txBody>
-                    <a:bodyPr/>
-                    <a:lstStyle/>
-                    <a:p>
-                      <a:pPr algn="ctr"/>
-                      <a:endParaRPr kumimoji="1" lang="ja-JP" altLang="en-US" dirty="0"/>
-                    </a:p>
-                  </a:txBody>
-                  <a:tcPr/>
-                </a:tc>
-                <a:tc>
-                  <a:txBody>
-                    <a:bodyPr/>
-                    <a:lstStyle/>
-                    <a:p>
-                      <a:pPr algn="ctr"/>
-                      <a:r>
-                        <a:rPr kumimoji="1" lang="ja-JP" altLang="en-US" dirty="0" smtClean="0"/>
-                        <a:t>判定</a:t>
-                      </a:r>
-                      <a:endParaRPr kumimoji="1" lang="ja-JP" altLang="en-US" dirty="0"/>
-                    </a:p>
-                  </a:txBody>
-                  <a:tcPr/>
-                </a:tc>
-                <a:tc>
-                  <a:txBody>
-                    <a:bodyPr/>
-                    <a:lstStyle/>
-                    <a:p>
-                      <a:pPr algn="ctr"/>
-                      <a:r>
-                        <a:rPr kumimoji="1" lang="ja-JP" altLang="en-US" dirty="0" smtClean="0"/>
-                        <a:t>処理</a:t>
-                      </a:r>
-                      <a:endParaRPr kumimoji="1" lang="ja-JP" altLang="en-US" dirty="0"/>
-                    </a:p>
-                  </a:txBody>
-                  <a:tcPr/>
-                </a:tc>
-                <a:tc>
-                  <a:txBody>
-                    <a:bodyPr/>
-                    <a:lstStyle/>
-                    <a:p>
-                      <a:pPr algn="ctr"/>
-                      <a:r>
-                        <a:rPr kumimoji="1" lang="en-US" altLang="ja-JP" dirty="0" smtClean="0"/>
-                        <a:t>CNT</a:t>
-                      </a:r>
-                      <a:r>
-                        <a:rPr kumimoji="1" lang="ja-JP" altLang="en-US" dirty="0" smtClean="0"/>
-                        <a:t>の値</a:t>
-                      </a:r>
-                      <a:endParaRPr kumimoji="1" lang="ja-JP" altLang="en-US" dirty="0"/>
-                    </a:p>
-                  </a:txBody>
-                  <a:tcPr/>
-                </a:tc>
-                <a:tc>
-                  <a:txBody>
-                    <a:bodyPr/>
-                    <a:lstStyle/>
-                    <a:p>
-                      <a:pPr algn="ctr"/>
-                      <a:r>
-                        <a:rPr kumimoji="1" lang="en-US" altLang="ja-JP" dirty="0" smtClean="0"/>
-                        <a:t>TOTAL</a:t>
-                      </a:r>
-                      <a:r>
-                        <a:rPr kumimoji="1" lang="ja-JP" altLang="en-US" dirty="0" smtClean="0"/>
-                        <a:t>の値</a:t>
-                      </a:r>
-                      <a:endParaRPr kumimoji="1" lang="ja-JP" altLang="en-US" dirty="0"/>
-                    </a:p>
-                  </a:txBody>
-                  <a:tcPr/>
-                </a:tc>
-                <a:extLst>
-                  <a:ext uri="{0D108BD9-81ED-4DB2-BD59-A6C34878D82A}">
-                    <a16:rowId xmlns:a16="http://schemas.microsoft.com/office/drawing/2014/main" val="2450232183"/>
-                  </a:ext>
-                </a:extLst>
-              </a:tr>
-              <a:tr h="380248">
-                <a:tc>
-                  <a:txBody>
-                    <a:bodyPr/>
-                    <a:lstStyle/>
-                    <a:p>
-                      <a:pPr algn="ctr"/>
-                      <a:r>
-                        <a:rPr kumimoji="1" lang="en-US" altLang="ja-JP" dirty="0" smtClean="0"/>
-                        <a:t>1</a:t>
-                      </a:r>
-                      <a:r>
-                        <a:rPr kumimoji="1" lang="ja-JP" altLang="en-US" dirty="0" smtClean="0"/>
-                        <a:t>回目判定</a:t>
-                      </a:r>
-                      <a:endParaRPr kumimoji="1" lang="ja-JP" altLang="en-US" dirty="0"/>
-                    </a:p>
-                  </a:txBody>
-                  <a:tcPr/>
-                </a:tc>
-                <a:tc>
-                  <a:txBody>
-                    <a:bodyPr/>
-                    <a:lstStyle/>
-                    <a:p>
-                      <a:pPr algn="ctr"/>
-                      <a:r>
-                        <a:rPr kumimoji="1" lang="en-US" altLang="ja-JP" dirty="0" smtClean="0"/>
-                        <a:t>CNT=0 </a:t>
-                      </a:r>
-                      <a:r>
-                        <a:rPr kumimoji="1" lang="ja-JP" altLang="en-US" dirty="0" smtClean="0"/>
-                        <a:t>≦</a:t>
-                      </a:r>
-                      <a:r>
-                        <a:rPr kumimoji="1" lang="en-US" altLang="ja-JP" dirty="0" smtClean="0"/>
-                        <a:t>10</a:t>
-                      </a:r>
-                      <a:endParaRPr kumimoji="1" lang="ja-JP" altLang="en-US" dirty="0"/>
-                    </a:p>
-                  </a:txBody>
-                  <a:tcPr/>
-                </a:tc>
-                <a:tc>
-                  <a:txBody>
-                    <a:bodyPr/>
-                    <a:lstStyle/>
-                    <a:p>
-                      <a:pPr algn="ctr"/>
-                      <a:r>
-                        <a:rPr kumimoji="1" lang="en-US" altLang="ja-JP" dirty="0" smtClean="0"/>
-                        <a:t>Total=</a:t>
-                      </a:r>
-                      <a:r>
-                        <a:rPr kumimoji="1" lang="en-US" altLang="ja-JP" dirty="0" err="1" smtClean="0"/>
-                        <a:t>Total+Cnt</a:t>
-                      </a:r>
-                      <a:endParaRPr kumimoji="1" lang="ja-JP" altLang="en-US" dirty="0"/>
-                    </a:p>
-                  </a:txBody>
-                  <a:tcPr/>
-                </a:tc>
-                <a:tc>
-                  <a:txBody>
-                    <a:bodyPr/>
-                    <a:lstStyle/>
-                    <a:p>
-                      <a:pPr algn="ctr"/>
-                      <a:r>
-                        <a:rPr kumimoji="1" lang="en-US" altLang="ja-JP" dirty="0" smtClean="0"/>
-                        <a:t>CNT=0</a:t>
-                      </a:r>
-                      <a:endParaRPr kumimoji="1" lang="ja-JP" altLang="en-US" dirty="0"/>
-                    </a:p>
-                  </a:txBody>
-                  <a:tcPr/>
-                </a:tc>
-                <a:tc>
-                  <a:txBody>
-                    <a:bodyPr/>
-                    <a:lstStyle/>
-                    <a:p>
-                      <a:pPr algn="ctr"/>
-                      <a:r>
-                        <a:rPr kumimoji="1" lang="en-US" altLang="ja-JP" dirty="0" smtClean="0"/>
-                        <a:t>0</a:t>
-                      </a:r>
-                      <a:endParaRPr kumimoji="1" lang="ja-JP" altLang="en-US" dirty="0"/>
-                    </a:p>
-                  </a:txBody>
-                  <a:tcPr/>
-                </a:tc>
-                <a:extLst>
-                  <a:ext uri="{0D108BD9-81ED-4DB2-BD59-A6C34878D82A}">
-                    <a16:rowId xmlns:a16="http://schemas.microsoft.com/office/drawing/2014/main" val="3024256301"/>
-                  </a:ext>
-                </a:extLst>
-              </a:tr>
-              <a:tr h="380248">
-                <a:tc>
-                  <a:txBody>
-                    <a:bodyPr/>
-                    <a:lstStyle/>
-                    <a:p>
-                      <a:pPr marL="0" marR="0" lvl="0" indent="0" algn="ctr" defTabSz="914400" rtl="0" eaLnBrk="1" fontAlgn="auto" latinLnBrk="0" hangingPunct="1">
-                        <a:lnSpc>
-                          <a:spcPct val="100000"/>
-                        </a:lnSpc>
-                        <a:spcBef>
-                          <a:spcPts val="0"/>
-                        </a:spcBef>
-                        <a:spcAft>
-                          <a:spcPts val="0"/>
-                        </a:spcAft>
-                        <a:buClrTx/>
-                        <a:buSzTx/>
-                        <a:buFontTx/>
-                        <a:buNone/>
-                        <a:tabLst/>
-                        <a:defRPr/>
-                      </a:pPr>
-                      <a:r>
-                        <a:rPr kumimoji="1" lang="en-US" altLang="ja-JP" dirty="0" smtClean="0"/>
-                        <a:t>2</a:t>
-                      </a:r>
-                      <a:r>
-                        <a:rPr kumimoji="1" lang="ja-JP" altLang="en-US" dirty="0" smtClean="0"/>
-                        <a:t>回目判定</a:t>
-                      </a:r>
-                    </a:p>
-                  </a:txBody>
-                  <a:tcPr/>
-                </a:tc>
-                <a:tc>
-                  <a:txBody>
-                    <a:bodyPr/>
-                    <a:lstStyle/>
-                    <a:p>
-                      <a:pPr algn="ctr"/>
-                      <a:r>
-                        <a:rPr kumimoji="1" lang="en-US" altLang="ja-JP" dirty="0" smtClean="0"/>
-                        <a:t>1</a:t>
-                      </a:r>
-                      <a:r>
-                        <a:rPr kumimoji="1" lang="ja-JP" altLang="en-US" dirty="0" smtClean="0"/>
-                        <a:t>≦</a:t>
-                      </a:r>
-                      <a:r>
-                        <a:rPr kumimoji="1" lang="en-US" altLang="ja-JP" dirty="0" smtClean="0"/>
-                        <a:t>10</a:t>
-                      </a:r>
-                      <a:endParaRPr kumimoji="1" lang="ja-JP" altLang="en-US" dirty="0"/>
-                    </a:p>
-                  </a:txBody>
-                  <a:tcPr/>
-                </a:tc>
-                <a:tc>
-                  <a:txBody>
-                    <a:bodyPr/>
-                    <a:lstStyle/>
-                    <a:p>
-                      <a:pPr marL="0" marR="0" lvl="0" indent="0" algn="ctr" defTabSz="914400" rtl="0" eaLnBrk="1" fontAlgn="auto" latinLnBrk="0" hangingPunct="1">
-                        <a:lnSpc>
-                          <a:spcPct val="100000"/>
-                        </a:lnSpc>
-                        <a:spcBef>
-                          <a:spcPts val="0"/>
-                        </a:spcBef>
-                        <a:spcAft>
-                          <a:spcPts val="0"/>
-                        </a:spcAft>
-                        <a:buClrTx/>
-                        <a:buSzTx/>
-                        <a:buFontTx/>
-                        <a:buNone/>
-                        <a:tabLst/>
-                        <a:defRPr/>
-                      </a:pPr>
-                      <a:r>
-                        <a:rPr kumimoji="1" lang="en-US" altLang="ja-JP" dirty="0" smtClean="0"/>
-                        <a:t>Total=</a:t>
-                      </a:r>
-                      <a:r>
-                        <a:rPr kumimoji="1" lang="en-US" altLang="ja-JP" dirty="0" err="1" smtClean="0"/>
-                        <a:t>Total+Cnt</a:t>
-                      </a:r>
-                      <a:endParaRPr kumimoji="1" lang="ja-JP" altLang="en-US" dirty="0" smtClean="0"/>
-                    </a:p>
-                  </a:txBody>
-                  <a:tcPr/>
-                </a:tc>
-                <a:tc>
-                  <a:txBody>
-                    <a:bodyPr/>
-                    <a:lstStyle/>
-                    <a:p>
-                      <a:pPr marL="0" marR="0" lvl="0" indent="0" algn="ctr" defTabSz="914400" rtl="0" eaLnBrk="1" fontAlgn="auto" latinLnBrk="0" hangingPunct="1">
-                        <a:lnSpc>
-                          <a:spcPct val="100000"/>
-                        </a:lnSpc>
-                        <a:spcBef>
-                          <a:spcPts val="0"/>
-                        </a:spcBef>
-                        <a:spcAft>
-                          <a:spcPts val="0"/>
-                        </a:spcAft>
-                        <a:buClrTx/>
-                        <a:buSzTx/>
-                        <a:buFontTx/>
-                        <a:buNone/>
-                        <a:tabLst/>
-                        <a:defRPr/>
-                      </a:pPr>
-                      <a:r>
-                        <a:rPr kumimoji="1" lang="en-US" altLang="ja-JP" dirty="0" smtClean="0"/>
-                        <a:t>CNT=1</a:t>
-                      </a:r>
-                      <a:endParaRPr kumimoji="1" lang="ja-JP" altLang="en-US" dirty="0" smtClean="0"/>
-                    </a:p>
-                  </a:txBody>
-                  <a:tcPr/>
-                </a:tc>
-                <a:tc>
-                  <a:txBody>
-                    <a:bodyPr/>
-                    <a:lstStyle/>
-                    <a:p>
-                      <a:pPr marL="0" marR="0" lvl="0" indent="0" algn="ctr" defTabSz="914400" rtl="0" eaLnBrk="1" fontAlgn="auto" latinLnBrk="0" hangingPunct="1">
-                        <a:lnSpc>
-                          <a:spcPct val="100000"/>
-                        </a:lnSpc>
-                        <a:spcBef>
-                          <a:spcPts val="0"/>
-                        </a:spcBef>
-                        <a:spcAft>
-                          <a:spcPts val="0"/>
-                        </a:spcAft>
-                        <a:buClrTx/>
-                        <a:buSzTx/>
-                        <a:buFontTx/>
-                        <a:buNone/>
-                        <a:tabLst/>
-                        <a:defRPr/>
-                      </a:pPr>
-                      <a:r>
-                        <a:rPr kumimoji="1" lang="en-US" altLang="ja-JP" dirty="0" smtClean="0"/>
-                        <a:t>1</a:t>
-                      </a:r>
-                      <a:endParaRPr kumimoji="1" lang="ja-JP" altLang="en-US" dirty="0" smtClean="0"/>
-                    </a:p>
-                  </a:txBody>
-                  <a:tcPr/>
-                </a:tc>
-                <a:extLst>
-                  <a:ext uri="{0D108BD9-81ED-4DB2-BD59-A6C34878D82A}">
-                    <a16:rowId xmlns:a16="http://schemas.microsoft.com/office/drawing/2014/main" val="3371562100"/>
-                  </a:ext>
-                </a:extLst>
-              </a:tr>
-              <a:tr h="380248">
-                <a:tc>
-                  <a:txBody>
-                    <a:bodyPr/>
-                    <a:lstStyle/>
-                    <a:p>
-                      <a:pPr marL="0" marR="0" lvl="0" indent="0" algn="ctr" defTabSz="914400" rtl="0" eaLnBrk="1" fontAlgn="auto" latinLnBrk="0" hangingPunct="1">
-                        <a:lnSpc>
-                          <a:spcPct val="100000"/>
-                        </a:lnSpc>
-                        <a:spcBef>
-                          <a:spcPts val="0"/>
-                        </a:spcBef>
-                        <a:spcAft>
-                          <a:spcPts val="0"/>
-                        </a:spcAft>
-                        <a:buClrTx/>
-                        <a:buSzTx/>
-                        <a:buFontTx/>
-                        <a:buNone/>
-                        <a:tabLst/>
-                        <a:defRPr/>
-                      </a:pPr>
-                      <a:r>
-                        <a:rPr kumimoji="1" lang="en-US" altLang="ja-JP" dirty="0" smtClean="0"/>
-                        <a:t>3</a:t>
-                      </a:r>
-                      <a:r>
-                        <a:rPr kumimoji="1" lang="ja-JP" altLang="en-US" dirty="0" smtClean="0"/>
-                        <a:t>回目判定</a:t>
-                      </a:r>
-                    </a:p>
-                  </a:txBody>
-                  <a:tcPr/>
-                </a:tc>
-                <a:tc>
-                  <a:txBody>
-                    <a:bodyPr/>
-                    <a:lstStyle/>
-                    <a:p>
-                      <a:pPr algn="ctr"/>
-                      <a:r>
-                        <a:rPr kumimoji="1" lang="en-US" altLang="ja-JP" dirty="0" smtClean="0"/>
-                        <a:t>2</a:t>
-                      </a:r>
-                      <a:r>
-                        <a:rPr kumimoji="1" lang="ja-JP" altLang="en-US" dirty="0" smtClean="0"/>
-                        <a:t>≦</a:t>
-                      </a:r>
-                      <a:r>
-                        <a:rPr kumimoji="1" lang="en-US" altLang="ja-JP" dirty="0" smtClean="0"/>
-                        <a:t>10</a:t>
-                      </a:r>
-                      <a:endParaRPr kumimoji="1" lang="ja-JP" altLang="en-US" dirty="0"/>
-                    </a:p>
-                  </a:txBody>
-                  <a:tcPr/>
-                </a:tc>
-                <a:tc>
-                  <a:txBody>
-                    <a:bodyPr/>
-                    <a:lstStyle/>
-                    <a:p>
-                      <a:pPr marL="0" marR="0" lvl="0" indent="0" algn="ctr" defTabSz="914400" rtl="0" eaLnBrk="1" fontAlgn="auto" latinLnBrk="0" hangingPunct="1">
-                        <a:lnSpc>
-                          <a:spcPct val="100000"/>
-                        </a:lnSpc>
-                        <a:spcBef>
-                          <a:spcPts val="0"/>
-                        </a:spcBef>
-                        <a:spcAft>
-                          <a:spcPts val="0"/>
-                        </a:spcAft>
-                        <a:buClrTx/>
-                        <a:buSzTx/>
-                        <a:buFontTx/>
-                        <a:buNone/>
-                        <a:tabLst/>
-                        <a:defRPr/>
-                      </a:pPr>
-                      <a:r>
-                        <a:rPr kumimoji="1" lang="en-US" altLang="ja-JP" dirty="0" smtClean="0"/>
-                        <a:t>Total=</a:t>
-                      </a:r>
-                      <a:r>
-                        <a:rPr kumimoji="1" lang="en-US" altLang="ja-JP" dirty="0" err="1" smtClean="0"/>
-                        <a:t>Total+Cnt</a:t>
-                      </a:r>
-                      <a:endParaRPr kumimoji="1" lang="ja-JP" altLang="en-US" dirty="0" smtClean="0"/>
-                    </a:p>
-                  </a:txBody>
-                  <a:tcPr/>
-                </a:tc>
-                <a:tc>
-                  <a:txBody>
-                    <a:bodyPr/>
-                    <a:lstStyle/>
-                    <a:p>
-                      <a:pPr marL="0" marR="0" lvl="0" indent="0" algn="ctr" defTabSz="914400" rtl="0" eaLnBrk="1" fontAlgn="auto" latinLnBrk="0" hangingPunct="1">
-                        <a:lnSpc>
-                          <a:spcPct val="100000"/>
-                        </a:lnSpc>
-                        <a:spcBef>
-                          <a:spcPts val="0"/>
-                        </a:spcBef>
-                        <a:spcAft>
-                          <a:spcPts val="0"/>
-                        </a:spcAft>
-                        <a:buClrTx/>
-                        <a:buSzTx/>
-                        <a:buFontTx/>
-                        <a:buNone/>
-                        <a:tabLst/>
-                        <a:defRPr/>
-                      </a:pPr>
-                      <a:r>
-                        <a:rPr kumimoji="1" lang="en-US" altLang="ja-JP" dirty="0" smtClean="0"/>
-                        <a:t>CNT=2</a:t>
-                      </a:r>
-                      <a:endParaRPr kumimoji="1" lang="ja-JP" altLang="en-US" dirty="0" smtClean="0"/>
-                    </a:p>
-                  </a:txBody>
-                  <a:tcPr/>
-                </a:tc>
-                <a:tc>
-                  <a:txBody>
-                    <a:bodyPr/>
-                    <a:lstStyle/>
-                    <a:p>
-                      <a:pPr marL="0" marR="0" lvl="0" indent="0" algn="ctr" defTabSz="914400" rtl="0" eaLnBrk="1" fontAlgn="auto" latinLnBrk="0" hangingPunct="1">
-                        <a:lnSpc>
-                          <a:spcPct val="100000"/>
-                        </a:lnSpc>
-                        <a:spcBef>
-                          <a:spcPts val="0"/>
-                        </a:spcBef>
-                        <a:spcAft>
-                          <a:spcPts val="0"/>
-                        </a:spcAft>
-                        <a:buClrTx/>
-                        <a:buSzTx/>
-                        <a:buFontTx/>
-                        <a:buNone/>
-                        <a:tabLst/>
-                        <a:defRPr/>
-                      </a:pPr>
-                      <a:r>
-                        <a:rPr kumimoji="1" lang="en-US" altLang="ja-JP" dirty="0" smtClean="0"/>
-                        <a:t>3</a:t>
-                      </a:r>
-                      <a:endParaRPr kumimoji="1" lang="ja-JP" altLang="en-US" dirty="0" smtClean="0"/>
-                    </a:p>
-                  </a:txBody>
-                  <a:tcPr/>
-                </a:tc>
-                <a:extLst>
-                  <a:ext uri="{0D108BD9-81ED-4DB2-BD59-A6C34878D82A}">
-                    <a16:rowId xmlns:a16="http://schemas.microsoft.com/office/drawing/2014/main" val="1431665320"/>
-                  </a:ext>
-                </a:extLst>
-              </a:tr>
-              <a:tr h="380248">
-                <a:tc>
-                  <a:txBody>
-                    <a:bodyPr/>
-                    <a:lstStyle/>
-                    <a:p>
-                      <a:pPr marL="0" marR="0" lvl="0" indent="0" algn="ctr" defTabSz="914400" rtl="0" eaLnBrk="1" fontAlgn="auto" latinLnBrk="0" hangingPunct="1">
-                        <a:lnSpc>
-                          <a:spcPct val="100000"/>
-                        </a:lnSpc>
-                        <a:spcBef>
-                          <a:spcPts val="0"/>
-                        </a:spcBef>
-                        <a:spcAft>
-                          <a:spcPts val="0"/>
-                        </a:spcAft>
-                        <a:buClrTx/>
-                        <a:buSzTx/>
-                        <a:buFontTx/>
-                        <a:buNone/>
-                        <a:tabLst/>
-                        <a:defRPr/>
-                      </a:pPr>
-                      <a:r>
-                        <a:rPr kumimoji="1" lang="en-US" altLang="ja-JP" dirty="0" smtClean="0"/>
-                        <a:t>4</a:t>
-                      </a:r>
-                      <a:r>
-                        <a:rPr kumimoji="1" lang="ja-JP" altLang="en-US" dirty="0" smtClean="0"/>
-                        <a:t>回目判定</a:t>
-                      </a:r>
-                    </a:p>
-                  </a:txBody>
-                  <a:tcPr/>
-                </a:tc>
-                <a:tc>
-                  <a:txBody>
-                    <a:bodyPr/>
-                    <a:lstStyle/>
-                    <a:p>
-                      <a:pPr algn="ctr"/>
-                      <a:r>
-                        <a:rPr kumimoji="1" lang="en-US" altLang="ja-JP" dirty="0" smtClean="0"/>
-                        <a:t>3</a:t>
-                      </a:r>
-                      <a:r>
-                        <a:rPr kumimoji="1" lang="ja-JP" altLang="en-US" dirty="0" smtClean="0"/>
-                        <a:t>≦</a:t>
-                      </a:r>
-                      <a:r>
-                        <a:rPr kumimoji="1" lang="en-US" altLang="ja-JP" dirty="0" smtClean="0"/>
-                        <a:t>10</a:t>
-                      </a:r>
-                      <a:endParaRPr kumimoji="1" lang="ja-JP" altLang="en-US" dirty="0"/>
-                    </a:p>
-                  </a:txBody>
-                  <a:tcPr/>
-                </a:tc>
-                <a:tc>
-                  <a:txBody>
-                    <a:bodyPr/>
-                    <a:lstStyle/>
-                    <a:p>
-                      <a:pPr marL="0" marR="0" lvl="0" indent="0" algn="ctr" defTabSz="914400" rtl="0" eaLnBrk="1" fontAlgn="auto" latinLnBrk="0" hangingPunct="1">
-                        <a:lnSpc>
-                          <a:spcPct val="100000"/>
-                        </a:lnSpc>
-                        <a:spcBef>
-                          <a:spcPts val="0"/>
-                        </a:spcBef>
-                        <a:spcAft>
-                          <a:spcPts val="0"/>
-                        </a:spcAft>
-                        <a:buClrTx/>
-                        <a:buSzTx/>
-                        <a:buFontTx/>
-                        <a:buNone/>
-                        <a:tabLst/>
-                        <a:defRPr/>
-                      </a:pPr>
-                      <a:r>
-                        <a:rPr kumimoji="1" lang="en-US" altLang="ja-JP" dirty="0" smtClean="0"/>
-                        <a:t>Total=</a:t>
-                      </a:r>
-                      <a:r>
-                        <a:rPr kumimoji="1" lang="en-US" altLang="ja-JP" dirty="0" err="1" smtClean="0"/>
-                        <a:t>Total+Cnt</a:t>
-                      </a:r>
-                      <a:endParaRPr kumimoji="1" lang="ja-JP" altLang="en-US" dirty="0" smtClean="0"/>
-                    </a:p>
-                  </a:txBody>
-                  <a:tcPr/>
-                </a:tc>
-                <a:tc>
-                  <a:txBody>
-                    <a:bodyPr/>
-                    <a:lstStyle/>
-                    <a:p>
-                      <a:pPr marL="0" marR="0" lvl="0" indent="0" algn="ctr" defTabSz="914400" rtl="0" eaLnBrk="1" fontAlgn="auto" latinLnBrk="0" hangingPunct="1">
-                        <a:lnSpc>
-                          <a:spcPct val="100000"/>
-                        </a:lnSpc>
-                        <a:spcBef>
-                          <a:spcPts val="0"/>
-                        </a:spcBef>
-                        <a:spcAft>
-                          <a:spcPts val="0"/>
-                        </a:spcAft>
-                        <a:buClrTx/>
-                        <a:buSzTx/>
-                        <a:buFontTx/>
-                        <a:buNone/>
-                        <a:tabLst/>
-                        <a:defRPr/>
-                      </a:pPr>
-                      <a:r>
-                        <a:rPr kumimoji="1" lang="en-US" altLang="ja-JP" dirty="0" smtClean="0"/>
-                        <a:t>CNT=3</a:t>
-                      </a:r>
-                      <a:endParaRPr kumimoji="1" lang="ja-JP" altLang="en-US" dirty="0" smtClean="0"/>
-                    </a:p>
-                  </a:txBody>
-                  <a:tcPr/>
-                </a:tc>
-                <a:tc>
-                  <a:txBody>
-                    <a:bodyPr/>
-                    <a:lstStyle/>
-                    <a:p>
-                      <a:pPr marL="0" marR="0" lvl="0" indent="0" algn="ctr" defTabSz="914400" rtl="0" eaLnBrk="1" fontAlgn="auto" latinLnBrk="0" hangingPunct="1">
-                        <a:lnSpc>
-                          <a:spcPct val="100000"/>
-                        </a:lnSpc>
-                        <a:spcBef>
-                          <a:spcPts val="0"/>
-                        </a:spcBef>
-                        <a:spcAft>
-                          <a:spcPts val="0"/>
-                        </a:spcAft>
-                        <a:buClrTx/>
-                        <a:buSzTx/>
-                        <a:buFontTx/>
-                        <a:buNone/>
-                        <a:tabLst/>
-                        <a:defRPr/>
-                      </a:pPr>
-                      <a:r>
-                        <a:rPr kumimoji="1" lang="en-US" altLang="ja-JP" dirty="0" smtClean="0"/>
-                        <a:t>6</a:t>
-                      </a:r>
-                      <a:endParaRPr kumimoji="1" lang="ja-JP" altLang="en-US" dirty="0" smtClean="0"/>
-                    </a:p>
-                  </a:txBody>
-                  <a:tcPr/>
-                </a:tc>
-                <a:extLst>
-                  <a:ext uri="{0D108BD9-81ED-4DB2-BD59-A6C34878D82A}">
-                    <a16:rowId xmlns:a16="http://schemas.microsoft.com/office/drawing/2014/main" val="1546515145"/>
-                  </a:ext>
-                </a:extLst>
-              </a:tr>
-              <a:tr h="390842">
-                <a:tc>
-                  <a:txBody>
-                    <a:bodyPr/>
-                    <a:lstStyle/>
-                    <a:p>
-                      <a:pPr marL="0" marR="0" lvl="0" indent="0" algn="ctr" defTabSz="914400" rtl="0" eaLnBrk="1" fontAlgn="auto" latinLnBrk="0" hangingPunct="1">
-                        <a:lnSpc>
-                          <a:spcPct val="100000"/>
-                        </a:lnSpc>
-                        <a:spcBef>
-                          <a:spcPts val="0"/>
-                        </a:spcBef>
-                        <a:spcAft>
-                          <a:spcPts val="0"/>
-                        </a:spcAft>
-                        <a:buClrTx/>
-                        <a:buSzTx/>
-                        <a:buFontTx/>
-                        <a:buNone/>
-                        <a:tabLst/>
-                        <a:defRPr/>
-                      </a:pPr>
-                      <a:r>
-                        <a:rPr kumimoji="1" lang="en-US" altLang="ja-JP" dirty="0" smtClean="0"/>
-                        <a:t>5</a:t>
-                      </a:r>
-                      <a:r>
-                        <a:rPr kumimoji="1" lang="ja-JP" altLang="en-US" dirty="0" smtClean="0"/>
-                        <a:t>回目判定</a:t>
-                      </a:r>
-                    </a:p>
-                  </a:txBody>
-                  <a:tcPr/>
-                </a:tc>
-                <a:tc>
-                  <a:txBody>
-                    <a:bodyPr/>
-                    <a:lstStyle/>
-                    <a:p>
-                      <a:pPr algn="ctr"/>
-                      <a:r>
-                        <a:rPr kumimoji="1" lang="en-US" altLang="ja-JP" dirty="0" smtClean="0"/>
-                        <a:t>4</a:t>
-                      </a:r>
-                      <a:r>
-                        <a:rPr kumimoji="1" lang="ja-JP" altLang="en-US" dirty="0" smtClean="0"/>
-                        <a:t>≦</a:t>
-                      </a:r>
-                      <a:r>
-                        <a:rPr kumimoji="1" lang="en-US" altLang="ja-JP" dirty="0" smtClean="0"/>
-                        <a:t>10</a:t>
-                      </a:r>
-                      <a:endParaRPr kumimoji="1" lang="ja-JP" altLang="en-US" dirty="0"/>
-                    </a:p>
-                  </a:txBody>
-                  <a:tcPr/>
-                </a:tc>
-                <a:tc>
-                  <a:txBody>
-                    <a:bodyPr/>
-                    <a:lstStyle/>
-                    <a:p>
-                      <a:pPr marL="0" marR="0" lvl="0" indent="0" algn="ctr" defTabSz="914400" rtl="0" eaLnBrk="1" fontAlgn="auto" latinLnBrk="0" hangingPunct="1">
-                        <a:lnSpc>
-                          <a:spcPct val="100000"/>
-                        </a:lnSpc>
-                        <a:spcBef>
-                          <a:spcPts val="0"/>
-                        </a:spcBef>
-                        <a:spcAft>
-                          <a:spcPts val="0"/>
-                        </a:spcAft>
-                        <a:buClrTx/>
-                        <a:buSzTx/>
-                        <a:buFontTx/>
-                        <a:buNone/>
-                        <a:tabLst/>
-                        <a:defRPr/>
-                      </a:pPr>
-                      <a:r>
-                        <a:rPr kumimoji="1" lang="en-US" altLang="ja-JP" dirty="0" smtClean="0"/>
-                        <a:t>Total=</a:t>
-                      </a:r>
-                      <a:r>
-                        <a:rPr kumimoji="1" lang="en-US" altLang="ja-JP" dirty="0" err="1" smtClean="0"/>
-                        <a:t>Total+Cnt</a:t>
-                      </a:r>
-                      <a:endParaRPr kumimoji="1" lang="ja-JP" altLang="en-US" dirty="0" smtClean="0"/>
-                    </a:p>
-                  </a:txBody>
-                  <a:tcPr/>
-                </a:tc>
-                <a:tc>
-                  <a:txBody>
-                    <a:bodyPr/>
-                    <a:lstStyle/>
-                    <a:p>
-                      <a:pPr marL="0" marR="0" lvl="0" indent="0" algn="ctr" defTabSz="914400" rtl="0" eaLnBrk="1" fontAlgn="auto" latinLnBrk="0" hangingPunct="1">
-                        <a:lnSpc>
-                          <a:spcPct val="100000"/>
-                        </a:lnSpc>
-                        <a:spcBef>
-                          <a:spcPts val="0"/>
-                        </a:spcBef>
-                        <a:spcAft>
-                          <a:spcPts val="0"/>
-                        </a:spcAft>
-                        <a:buClrTx/>
-                        <a:buSzTx/>
-                        <a:buFontTx/>
-                        <a:buNone/>
-                        <a:tabLst/>
-                        <a:defRPr/>
-                      </a:pPr>
-                      <a:r>
-                        <a:rPr kumimoji="1" lang="en-US" altLang="ja-JP" dirty="0" smtClean="0"/>
-                        <a:t>CNT=4</a:t>
-                      </a:r>
-                      <a:endParaRPr kumimoji="1" lang="ja-JP" altLang="en-US" dirty="0" smtClean="0"/>
-                    </a:p>
-                  </a:txBody>
-                  <a:tcPr/>
-                </a:tc>
-                <a:tc>
-                  <a:txBody>
-                    <a:bodyPr/>
-                    <a:lstStyle/>
-                    <a:p>
-                      <a:pPr marL="0" marR="0" lvl="0" indent="0" algn="ctr" defTabSz="914400" rtl="0" eaLnBrk="1" fontAlgn="auto" latinLnBrk="0" hangingPunct="1">
-                        <a:lnSpc>
-                          <a:spcPct val="100000"/>
-                        </a:lnSpc>
-                        <a:spcBef>
-                          <a:spcPts val="0"/>
-                        </a:spcBef>
-                        <a:spcAft>
-                          <a:spcPts val="0"/>
-                        </a:spcAft>
-                        <a:buClrTx/>
-                        <a:buSzTx/>
-                        <a:buFontTx/>
-                        <a:buNone/>
-                        <a:tabLst/>
-                        <a:defRPr/>
-                      </a:pPr>
-                      <a:r>
-                        <a:rPr kumimoji="1" lang="en-US" altLang="ja-JP" dirty="0" smtClean="0"/>
-                        <a:t>10</a:t>
-                      </a:r>
-                      <a:endParaRPr kumimoji="1" lang="ja-JP" altLang="en-US" dirty="0" smtClean="0"/>
-                    </a:p>
-                  </a:txBody>
-                  <a:tcPr/>
-                </a:tc>
-                <a:extLst>
-                  <a:ext uri="{0D108BD9-81ED-4DB2-BD59-A6C34878D82A}">
-                    <a16:rowId xmlns:a16="http://schemas.microsoft.com/office/drawing/2014/main" val="3133979225"/>
-                  </a:ext>
-                </a:extLst>
-              </a:tr>
-              <a:tr h="385535">
-                <a:tc>
-                  <a:txBody>
-                    <a:bodyPr/>
-                    <a:lstStyle/>
-                    <a:p>
-                      <a:pPr marL="0" marR="0" lvl="0" indent="0" algn="ctr" defTabSz="914400" rtl="0" eaLnBrk="1" fontAlgn="auto" latinLnBrk="0" hangingPunct="1">
-                        <a:lnSpc>
-                          <a:spcPct val="100000"/>
-                        </a:lnSpc>
-                        <a:spcBef>
-                          <a:spcPts val="0"/>
-                        </a:spcBef>
-                        <a:spcAft>
-                          <a:spcPts val="0"/>
-                        </a:spcAft>
-                        <a:buClrTx/>
-                        <a:buSzTx/>
-                        <a:buFontTx/>
-                        <a:buNone/>
-                        <a:tabLst/>
-                        <a:defRPr/>
-                      </a:pPr>
-                      <a:r>
-                        <a:rPr kumimoji="1" lang="en-US" altLang="ja-JP" dirty="0" smtClean="0"/>
-                        <a:t>6</a:t>
-                      </a:r>
-                      <a:r>
-                        <a:rPr kumimoji="1" lang="ja-JP" altLang="en-US" dirty="0" smtClean="0"/>
-                        <a:t>回目判定</a:t>
-                      </a:r>
-                    </a:p>
-                  </a:txBody>
-                  <a:tcPr/>
-                </a:tc>
-                <a:tc>
-                  <a:txBody>
-                    <a:bodyPr/>
-                    <a:lstStyle/>
-                    <a:p>
-                      <a:pPr algn="ctr"/>
-                      <a:r>
-                        <a:rPr kumimoji="1" lang="en-US" altLang="ja-JP" dirty="0" smtClean="0"/>
-                        <a:t>5</a:t>
-                      </a:r>
-                      <a:r>
-                        <a:rPr kumimoji="1" lang="ja-JP" altLang="en-US" dirty="0" smtClean="0"/>
-                        <a:t>≦</a:t>
-                      </a:r>
-                      <a:r>
-                        <a:rPr kumimoji="1" lang="en-US" altLang="ja-JP" dirty="0" smtClean="0"/>
-                        <a:t>10</a:t>
-                      </a:r>
-                      <a:endParaRPr kumimoji="1" lang="ja-JP" altLang="en-US" dirty="0"/>
-                    </a:p>
-                  </a:txBody>
-                  <a:tcPr/>
-                </a:tc>
-                <a:tc>
-                  <a:txBody>
-                    <a:bodyPr/>
-                    <a:lstStyle/>
-                    <a:p>
-                      <a:pPr marL="0" marR="0" lvl="0" indent="0" algn="ctr" defTabSz="914400" rtl="0" eaLnBrk="1" fontAlgn="auto" latinLnBrk="0" hangingPunct="1">
-                        <a:lnSpc>
-                          <a:spcPct val="100000"/>
-                        </a:lnSpc>
-                        <a:spcBef>
-                          <a:spcPts val="0"/>
-                        </a:spcBef>
-                        <a:spcAft>
-                          <a:spcPts val="0"/>
-                        </a:spcAft>
-                        <a:buClrTx/>
-                        <a:buSzTx/>
-                        <a:buFontTx/>
-                        <a:buNone/>
-                        <a:tabLst/>
-                        <a:defRPr/>
-                      </a:pPr>
-                      <a:r>
-                        <a:rPr kumimoji="1" lang="en-US" altLang="ja-JP" dirty="0" smtClean="0"/>
-                        <a:t>Total=</a:t>
-                      </a:r>
-                      <a:r>
-                        <a:rPr kumimoji="1" lang="en-US" altLang="ja-JP" dirty="0" err="1" smtClean="0"/>
-                        <a:t>Total+Cnt</a:t>
-                      </a:r>
-                      <a:endParaRPr kumimoji="1" lang="ja-JP" altLang="en-US" dirty="0" smtClean="0"/>
-                    </a:p>
-                  </a:txBody>
-                  <a:tcPr/>
-                </a:tc>
-                <a:tc>
-                  <a:txBody>
-                    <a:bodyPr/>
-                    <a:lstStyle/>
-                    <a:p>
-                      <a:pPr marL="0" marR="0" lvl="0" indent="0" algn="ctr" defTabSz="914400" rtl="0" eaLnBrk="1" fontAlgn="auto" latinLnBrk="0" hangingPunct="1">
-                        <a:lnSpc>
-                          <a:spcPct val="100000"/>
-                        </a:lnSpc>
-                        <a:spcBef>
-                          <a:spcPts val="0"/>
-                        </a:spcBef>
-                        <a:spcAft>
-                          <a:spcPts val="0"/>
-                        </a:spcAft>
-                        <a:buClrTx/>
-                        <a:buSzTx/>
-                        <a:buFontTx/>
-                        <a:buNone/>
-                        <a:tabLst/>
-                        <a:defRPr/>
-                      </a:pPr>
-                      <a:r>
-                        <a:rPr kumimoji="1" lang="en-US" altLang="ja-JP" dirty="0" smtClean="0"/>
-                        <a:t>CNT=5</a:t>
-                      </a:r>
-                      <a:endParaRPr kumimoji="1" lang="ja-JP" altLang="en-US" dirty="0" smtClean="0"/>
-                    </a:p>
-                  </a:txBody>
-                  <a:tcPr/>
-                </a:tc>
-                <a:tc>
-                  <a:txBody>
-                    <a:bodyPr/>
-                    <a:lstStyle/>
-                    <a:p>
-                      <a:pPr marL="0" marR="0" lvl="0" indent="0" algn="ctr" defTabSz="914400" rtl="0" eaLnBrk="1" fontAlgn="auto" latinLnBrk="0" hangingPunct="1">
-                        <a:lnSpc>
-                          <a:spcPct val="100000"/>
-                        </a:lnSpc>
-                        <a:spcBef>
-                          <a:spcPts val="0"/>
-                        </a:spcBef>
-                        <a:spcAft>
-                          <a:spcPts val="0"/>
-                        </a:spcAft>
-                        <a:buClrTx/>
-                        <a:buSzTx/>
-                        <a:buFontTx/>
-                        <a:buNone/>
-                        <a:tabLst/>
-                        <a:defRPr/>
-                      </a:pPr>
-                      <a:r>
-                        <a:rPr kumimoji="1" lang="en-US" altLang="ja-JP" dirty="0" smtClean="0"/>
-                        <a:t>15</a:t>
-                      </a:r>
-                      <a:endParaRPr kumimoji="1" lang="ja-JP" altLang="en-US" dirty="0" smtClean="0"/>
-                    </a:p>
-                  </a:txBody>
-                  <a:tcPr/>
-                </a:tc>
-                <a:extLst>
-                  <a:ext uri="{0D108BD9-81ED-4DB2-BD59-A6C34878D82A}">
-                    <a16:rowId xmlns:a16="http://schemas.microsoft.com/office/drawing/2014/main" val="908696110"/>
-                  </a:ext>
-                </a:extLst>
-              </a:tr>
-              <a:tr h="433728">
-                <a:tc>
-                  <a:txBody>
-                    <a:bodyPr/>
-                    <a:lstStyle/>
-                    <a:p>
-                      <a:pPr marL="0" marR="0" lvl="0" indent="0" algn="ctr" defTabSz="914400" rtl="0" eaLnBrk="1" fontAlgn="auto" latinLnBrk="0" hangingPunct="1">
-                        <a:lnSpc>
-                          <a:spcPct val="100000"/>
-                        </a:lnSpc>
-                        <a:spcBef>
-                          <a:spcPts val="0"/>
-                        </a:spcBef>
-                        <a:spcAft>
-                          <a:spcPts val="0"/>
-                        </a:spcAft>
-                        <a:buClrTx/>
-                        <a:buSzTx/>
-                        <a:buFontTx/>
-                        <a:buNone/>
-                        <a:tabLst/>
-                        <a:defRPr/>
-                      </a:pPr>
-                      <a:r>
-                        <a:rPr kumimoji="1" lang="en-US" altLang="ja-JP" dirty="0" smtClean="0"/>
-                        <a:t>7</a:t>
-                      </a:r>
-                      <a:r>
-                        <a:rPr kumimoji="1" lang="ja-JP" altLang="en-US" dirty="0" smtClean="0"/>
-                        <a:t>回目判定</a:t>
-                      </a:r>
-                    </a:p>
-                  </a:txBody>
-                  <a:tcPr/>
-                </a:tc>
-                <a:tc>
-                  <a:txBody>
-                    <a:bodyPr/>
-                    <a:lstStyle/>
-                    <a:p>
-                      <a:pPr algn="ctr"/>
-                      <a:r>
-                        <a:rPr kumimoji="1" lang="en-US" altLang="ja-JP" dirty="0" smtClean="0"/>
-                        <a:t>6</a:t>
-                      </a:r>
-                      <a:r>
-                        <a:rPr kumimoji="1" lang="ja-JP" altLang="en-US" dirty="0" smtClean="0"/>
-                        <a:t>≦</a:t>
-                      </a:r>
-                      <a:r>
-                        <a:rPr kumimoji="1" lang="en-US" altLang="ja-JP" dirty="0" smtClean="0"/>
-                        <a:t>10</a:t>
-                      </a:r>
-                      <a:endParaRPr kumimoji="1" lang="ja-JP" altLang="en-US" dirty="0"/>
-                    </a:p>
-                  </a:txBody>
-                  <a:tcPr/>
-                </a:tc>
-                <a:tc>
-                  <a:txBody>
-                    <a:bodyPr/>
-                    <a:lstStyle/>
-                    <a:p>
-                      <a:pPr marL="0" marR="0" lvl="0" indent="0" algn="ctr" defTabSz="914400" rtl="0" eaLnBrk="1" fontAlgn="auto" latinLnBrk="0" hangingPunct="1">
-                        <a:lnSpc>
-                          <a:spcPct val="100000"/>
-                        </a:lnSpc>
-                        <a:spcBef>
-                          <a:spcPts val="0"/>
-                        </a:spcBef>
-                        <a:spcAft>
-                          <a:spcPts val="0"/>
-                        </a:spcAft>
-                        <a:buClrTx/>
-                        <a:buSzTx/>
-                        <a:buFontTx/>
-                        <a:buNone/>
-                        <a:tabLst/>
-                        <a:defRPr/>
-                      </a:pPr>
-                      <a:r>
-                        <a:rPr kumimoji="1" lang="en-US" altLang="ja-JP" dirty="0" smtClean="0"/>
-                        <a:t>Total=</a:t>
-                      </a:r>
-                      <a:r>
-                        <a:rPr kumimoji="1" lang="en-US" altLang="ja-JP" dirty="0" err="1" smtClean="0"/>
-                        <a:t>Total+Cnt</a:t>
-                      </a:r>
-                      <a:endParaRPr kumimoji="1" lang="ja-JP" altLang="en-US" dirty="0" smtClean="0"/>
-                    </a:p>
-                  </a:txBody>
-                  <a:tcPr/>
-                </a:tc>
-                <a:tc>
-                  <a:txBody>
-                    <a:bodyPr/>
-                    <a:lstStyle/>
-                    <a:p>
-                      <a:pPr marL="0" marR="0" lvl="0" indent="0" algn="ctr" defTabSz="914400" rtl="0" eaLnBrk="1" fontAlgn="auto" latinLnBrk="0" hangingPunct="1">
-                        <a:lnSpc>
-                          <a:spcPct val="100000"/>
-                        </a:lnSpc>
-                        <a:spcBef>
-                          <a:spcPts val="0"/>
-                        </a:spcBef>
-                        <a:spcAft>
-                          <a:spcPts val="0"/>
-                        </a:spcAft>
-                        <a:buClrTx/>
-                        <a:buSzTx/>
-                        <a:buFontTx/>
-                        <a:buNone/>
-                        <a:tabLst/>
-                        <a:defRPr/>
-                      </a:pPr>
-                      <a:r>
-                        <a:rPr kumimoji="1" lang="en-US" altLang="ja-JP" dirty="0" smtClean="0"/>
-                        <a:t>CNT=6</a:t>
-                      </a:r>
-                      <a:endParaRPr kumimoji="1" lang="ja-JP" altLang="en-US" dirty="0" smtClean="0"/>
-                    </a:p>
-                  </a:txBody>
-                  <a:tcPr/>
-                </a:tc>
-                <a:tc>
-                  <a:txBody>
-                    <a:bodyPr/>
-                    <a:lstStyle/>
-                    <a:p>
-                      <a:pPr marL="0" marR="0" lvl="0" indent="0" algn="ctr" defTabSz="914400" rtl="0" eaLnBrk="1" fontAlgn="auto" latinLnBrk="0" hangingPunct="1">
-                        <a:lnSpc>
-                          <a:spcPct val="100000"/>
-                        </a:lnSpc>
-                        <a:spcBef>
-                          <a:spcPts val="0"/>
-                        </a:spcBef>
-                        <a:spcAft>
-                          <a:spcPts val="0"/>
-                        </a:spcAft>
-                        <a:buClrTx/>
-                        <a:buSzTx/>
-                        <a:buFontTx/>
-                        <a:buNone/>
-                        <a:tabLst/>
-                        <a:defRPr/>
-                      </a:pPr>
-                      <a:r>
-                        <a:rPr kumimoji="1" lang="en-US" altLang="ja-JP" dirty="0" smtClean="0"/>
-                        <a:t>21</a:t>
-                      </a:r>
-                      <a:endParaRPr kumimoji="1" lang="ja-JP" altLang="en-US" dirty="0" smtClean="0"/>
-                    </a:p>
-                  </a:txBody>
-                  <a:tcPr/>
-                </a:tc>
-                <a:extLst>
-                  <a:ext uri="{0D108BD9-81ED-4DB2-BD59-A6C34878D82A}">
-                    <a16:rowId xmlns:a16="http://schemas.microsoft.com/office/drawing/2014/main" val="2284304215"/>
-                  </a:ext>
-                </a:extLst>
-              </a:tr>
-              <a:tr h="385535">
-                <a:tc>
-                  <a:txBody>
-                    <a:bodyPr/>
-                    <a:lstStyle/>
-                    <a:p>
-                      <a:pPr marL="0" marR="0" lvl="0" indent="0" algn="ctr" defTabSz="914400" rtl="0" eaLnBrk="1" fontAlgn="auto" latinLnBrk="0" hangingPunct="1">
-                        <a:lnSpc>
-                          <a:spcPct val="100000"/>
-                        </a:lnSpc>
-                        <a:spcBef>
-                          <a:spcPts val="0"/>
-                        </a:spcBef>
-                        <a:spcAft>
-                          <a:spcPts val="0"/>
-                        </a:spcAft>
-                        <a:buClrTx/>
-                        <a:buSzTx/>
-                        <a:buFontTx/>
-                        <a:buNone/>
-                        <a:tabLst/>
-                        <a:defRPr/>
-                      </a:pPr>
-                      <a:r>
-                        <a:rPr kumimoji="1" lang="en-US" altLang="ja-JP" dirty="0" smtClean="0"/>
-                        <a:t>8</a:t>
-                      </a:r>
-                      <a:r>
-                        <a:rPr kumimoji="1" lang="ja-JP" altLang="en-US" dirty="0" smtClean="0"/>
-                        <a:t>回目判定</a:t>
-                      </a:r>
-                    </a:p>
-                  </a:txBody>
-                  <a:tcPr/>
-                </a:tc>
-                <a:tc>
-                  <a:txBody>
-                    <a:bodyPr/>
-                    <a:lstStyle/>
-                    <a:p>
-                      <a:pPr algn="ctr"/>
-                      <a:r>
-                        <a:rPr kumimoji="1" lang="en-US" altLang="ja-JP" dirty="0" smtClean="0"/>
-                        <a:t>7</a:t>
-                      </a:r>
-                      <a:r>
-                        <a:rPr kumimoji="1" lang="ja-JP" altLang="en-US" dirty="0" smtClean="0"/>
-                        <a:t>≦</a:t>
-                      </a:r>
-                      <a:r>
-                        <a:rPr kumimoji="1" lang="en-US" altLang="ja-JP" dirty="0" smtClean="0"/>
-                        <a:t>10</a:t>
-                      </a:r>
-                      <a:endParaRPr kumimoji="1" lang="ja-JP" altLang="en-US" dirty="0"/>
-                    </a:p>
-                  </a:txBody>
-                  <a:tcPr/>
-                </a:tc>
-                <a:tc>
-                  <a:txBody>
-                    <a:bodyPr/>
-                    <a:lstStyle/>
-                    <a:p>
-                      <a:pPr marL="0" marR="0" lvl="0" indent="0" algn="ctr" defTabSz="914400" rtl="0" eaLnBrk="1" fontAlgn="auto" latinLnBrk="0" hangingPunct="1">
-                        <a:lnSpc>
-                          <a:spcPct val="100000"/>
-                        </a:lnSpc>
-                        <a:spcBef>
-                          <a:spcPts val="0"/>
-                        </a:spcBef>
-                        <a:spcAft>
-                          <a:spcPts val="0"/>
-                        </a:spcAft>
-                        <a:buClrTx/>
-                        <a:buSzTx/>
-                        <a:buFontTx/>
-                        <a:buNone/>
-                        <a:tabLst/>
-                        <a:defRPr/>
-                      </a:pPr>
-                      <a:r>
-                        <a:rPr kumimoji="1" lang="en-US" altLang="ja-JP" dirty="0" smtClean="0"/>
-                        <a:t>Total=</a:t>
-                      </a:r>
-                      <a:r>
-                        <a:rPr kumimoji="1" lang="en-US" altLang="ja-JP" dirty="0" err="1" smtClean="0"/>
-                        <a:t>Total+Cnt</a:t>
-                      </a:r>
-                      <a:endParaRPr kumimoji="1" lang="ja-JP" altLang="en-US" dirty="0" smtClean="0"/>
-                    </a:p>
-                  </a:txBody>
-                  <a:tcPr/>
-                </a:tc>
-                <a:tc>
-                  <a:txBody>
-                    <a:bodyPr/>
-                    <a:lstStyle/>
-                    <a:p>
-                      <a:pPr marL="0" marR="0" lvl="0" indent="0" algn="ctr" defTabSz="914400" rtl="0" eaLnBrk="1" fontAlgn="auto" latinLnBrk="0" hangingPunct="1">
-                        <a:lnSpc>
-                          <a:spcPct val="100000"/>
-                        </a:lnSpc>
-                        <a:spcBef>
-                          <a:spcPts val="0"/>
-                        </a:spcBef>
-                        <a:spcAft>
-                          <a:spcPts val="0"/>
-                        </a:spcAft>
-                        <a:buClrTx/>
-                        <a:buSzTx/>
-                        <a:buFontTx/>
-                        <a:buNone/>
-                        <a:tabLst/>
-                        <a:defRPr/>
-                      </a:pPr>
-                      <a:r>
-                        <a:rPr kumimoji="1" lang="en-US" altLang="ja-JP" dirty="0" smtClean="0"/>
-                        <a:t>CNT=7</a:t>
-                      </a:r>
-                      <a:endParaRPr kumimoji="1" lang="ja-JP" altLang="en-US" dirty="0" smtClean="0"/>
-                    </a:p>
-                  </a:txBody>
-                  <a:tcPr/>
-                </a:tc>
-                <a:tc>
-                  <a:txBody>
-                    <a:bodyPr/>
-                    <a:lstStyle/>
-                    <a:p>
-                      <a:pPr marL="0" marR="0" lvl="0" indent="0" algn="ctr" defTabSz="914400" rtl="0" eaLnBrk="1" fontAlgn="auto" latinLnBrk="0" hangingPunct="1">
-                        <a:lnSpc>
-                          <a:spcPct val="100000"/>
-                        </a:lnSpc>
-                        <a:spcBef>
-                          <a:spcPts val="0"/>
-                        </a:spcBef>
-                        <a:spcAft>
-                          <a:spcPts val="0"/>
-                        </a:spcAft>
-                        <a:buClrTx/>
-                        <a:buSzTx/>
-                        <a:buFontTx/>
-                        <a:buNone/>
-                        <a:tabLst/>
-                        <a:defRPr/>
-                      </a:pPr>
-                      <a:r>
-                        <a:rPr kumimoji="1" lang="en-US" altLang="ja-JP" dirty="0" smtClean="0"/>
-                        <a:t>28</a:t>
-                      </a:r>
-                      <a:endParaRPr kumimoji="1" lang="ja-JP" altLang="en-US" dirty="0" smtClean="0"/>
-                    </a:p>
-                  </a:txBody>
-                  <a:tcPr/>
-                </a:tc>
-                <a:extLst>
-                  <a:ext uri="{0D108BD9-81ED-4DB2-BD59-A6C34878D82A}">
-                    <a16:rowId xmlns:a16="http://schemas.microsoft.com/office/drawing/2014/main" val="2673693259"/>
-                  </a:ext>
-                </a:extLst>
-              </a:tr>
-              <a:tr h="407325">
-                <a:tc>
-                  <a:txBody>
-                    <a:bodyPr/>
-                    <a:lstStyle/>
-                    <a:p>
-                      <a:pPr marL="0" marR="0" lvl="0" indent="0" algn="ctr" defTabSz="914400" rtl="0" eaLnBrk="1" fontAlgn="auto" latinLnBrk="0" hangingPunct="1">
-                        <a:lnSpc>
-                          <a:spcPct val="100000"/>
-                        </a:lnSpc>
-                        <a:spcBef>
-                          <a:spcPts val="0"/>
-                        </a:spcBef>
-                        <a:spcAft>
-                          <a:spcPts val="0"/>
-                        </a:spcAft>
-                        <a:buClrTx/>
-                        <a:buSzTx/>
-                        <a:buFontTx/>
-                        <a:buNone/>
-                        <a:tabLst/>
-                        <a:defRPr/>
-                      </a:pPr>
-                      <a:r>
-                        <a:rPr kumimoji="1" lang="en-US" altLang="ja-JP" dirty="0" smtClean="0"/>
-                        <a:t>9</a:t>
-                      </a:r>
-                      <a:r>
-                        <a:rPr kumimoji="1" lang="ja-JP" altLang="en-US" dirty="0" smtClean="0"/>
-                        <a:t>回目判定</a:t>
-                      </a:r>
-                    </a:p>
-                  </a:txBody>
-                  <a:tcPr/>
-                </a:tc>
-                <a:tc>
-                  <a:txBody>
-                    <a:bodyPr/>
-                    <a:lstStyle/>
-                    <a:p>
-                      <a:pPr algn="ctr"/>
-                      <a:r>
-                        <a:rPr kumimoji="1" lang="en-US" altLang="ja-JP" dirty="0" smtClean="0"/>
-                        <a:t>8</a:t>
-                      </a:r>
-                      <a:r>
-                        <a:rPr kumimoji="1" lang="ja-JP" altLang="en-US" dirty="0" smtClean="0"/>
-                        <a:t>≦</a:t>
-                      </a:r>
-                      <a:r>
-                        <a:rPr kumimoji="1" lang="en-US" altLang="ja-JP" dirty="0" smtClean="0"/>
-                        <a:t>10</a:t>
-                      </a:r>
-                      <a:endParaRPr kumimoji="1" lang="ja-JP" altLang="en-US" dirty="0"/>
-                    </a:p>
-                  </a:txBody>
-                  <a:tcPr/>
-                </a:tc>
-                <a:tc>
-                  <a:txBody>
-                    <a:bodyPr/>
-                    <a:lstStyle/>
-                    <a:p>
-                      <a:pPr marL="0" marR="0" lvl="0" indent="0" algn="ctr" defTabSz="914400" rtl="0" eaLnBrk="1" fontAlgn="auto" latinLnBrk="0" hangingPunct="1">
-                        <a:lnSpc>
-                          <a:spcPct val="100000"/>
-                        </a:lnSpc>
-                        <a:spcBef>
-                          <a:spcPts val="0"/>
-                        </a:spcBef>
-                        <a:spcAft>
-                          <a:spcPts val="0"/>
-                        </a:spcAft>
-                        <a:buClrTx/>
-                        <a:buSzTx/>
-                        <a:buFontTx/>
-                        <a:buNone/>
-                        <a:tabLst/>
-                        <a:defRPr/>
-                      </a:pPr>
-                      <a:r>
-                        <a:rPr kumimoji="1" lang="en-US" altLang="ja-JP" dirty="0" smtClean="0"/>
-                        <a:t>Total=</a:t>
-                      </a:r>
-                      <a:r>
-                        <a:rPr kumimoji="1" lang="en-US" altLang="ja-JP" dirty="0" err="1" smtClean="0"/>
-                        <a:t>Total+Cnt</a:t>
-                      </a:r>
-                      <a:endParaRPr kumimoji="1" lang="ja-JP" altLang="en-US" dirty="0" smtClean="0"/>
-                    </a:p>
-                  </a:txBody>
-                  <a:tcPr/>
-                </a:tc>
-                <a:tc>
-                  <a:txBody>
-                    <a:bodyPr/>
-                    <a:lstStyle/>
-                    <a:p>
-                      <a:pPr marL="0" marR="0" lvl="0" indent="0" algn="ctr" defTabSz="914400" rtl="0" eaLnBrk="1" fontAlgn="auto" latinLnBrk="0" hangingPunct="1">
-                        <a:lnSpc>
-                          <a:spcPct val="100000"/>
-                        </a:lnSpc>
-                        <a:spcBef>
-                          <a:spcPts val="0"/>
-                        </a:spcBef>
-                        <a:spcAft>
-                          <a:spcPts val="0"/>
-                        </a:spcAft>
-                        <a:buClrTx/>
-                        <a:buSzTx/>
-                        <a:buFontTx/>
-                        <a:buNone/>
-                        <a:tabLst/>
-                        <a:defRPr/>
-                      </a:pPr>
-                      <a:r>
-                        <a:rPr kumimoji="1" lang="en-US" altLang="ja-JP" dirty="0" smtClean="0"/>
-                        <a:t>CNT=8</a:t>
-                      </a:r>
-                      <a:endParaRPr kumimoji="1" lang="ja-JP" altLang="en-US" dirty="0" smtClean="0"/>
-                    </a:p>
-                  </a:txBody>
-                  <a:tcPr/>
-                </a:tc>
-                <a:tc>
-                  <a:txBody>
-                    <a:bodyPr/>
-                    <a:lstStyle/>
-                    <a:p>
-                      <a:pPr marL="0" marR="0" lvl="0" indent="0" algn="ctr" defTabSz="914400" rtl="0" eaLnBrk="1" fontAlgn="auto" latinLnBrk="0" hangingPunct="1">
-                        <a:lnSpc>
-                          <a:spcPct val="100000"/>
-                        </a:lnSpc>
-                        <a:spcBef>
-                          <a:spcPts val="0"/>
-                        </a:spcBef>
-                        <a:spcAft>
-                          <a:spcPts val="0"/>
-                        </a:spcAft>
-                        <a:buClrTx/>
-                        <a:buSzTx/>
-                        <a:buFontTx/>
-                        <a:buNone/>
-                        <a:tabLst/>
-                        <a:defRPr/>
-                      </a:pPr>
-                      <a:r>
-                        <a:rPr kumimoji="1" lang="en-US" altLang="ja-JP" dirty="0" smtClean="0"/>
-                        <a:t>36</a:t>
-                      </a:r>
-                      <a:endParaRPr kumimoji="1" lang="ja-JP" altLang="en-US" dirty="0" smtClean="0"/>
-                    </a:p>
-                  </a:txBody>
-                  <a:tcPr/>
-                </a:tc>
-                <a:extLst>
-                  <a:ext uri="{0D108BD9-81ED-4DB2-BD59-A6C34878D82A}">
-                    <a16:rowId xmlns:a16="http://schemas.microsoft.com/office/drawing/2014/main" val="1543370961"/>
-                  </a:ext>
-                </a:extLst>
-              </a:tr>
-              <a:tr h="380248">
-                <a:tc>
-                  <a:txBody>
-                    <a:bodyPr/>
-                    <a:lstStyle/>
-                    <a:p>
-                      <a:pPr marL="0" marR="0" lvl="0" indent="0" algn="ctr" defTabSz="914400" rtl="0" eaLnBrk="1" fontAlgn="auto" latinLnBrk="0" hangingPunct="1">
-                        <a:lnSpc>
-                          <a:spcPct val="100000"/>
-                        </a:lnSpc>
-                        <a:spcBef>
-                          <a:spcPts val="0"/>
-                        </a:spcBef>
-                        <a:spcAft>
-                          <a:spcPts val="0"/>
-                        </a:spcAft>
-                        <a:buClrTx/>
-                        <a:buSzTx/>
-                        <a:buFontTx/>
-                        <a:buNone/>
-                        <a:tabLst/>
-                        <a:defRPr/>
-                      </a:pPr>
-                      <a:r>
-                        <a:rPr kumimoji="1" lang="en-US" altLang="ja-JP" dirty="0" smtClean="0"/>
-                        <a:t>10</a:t>
-                      </a:r>
-                      <a:r>
-                        <a:rPr kumimoji="1" lang="ja-JP" altLang="en-US" dirty="0" smtClean="0"/>
-                        <a:t>回目判定</a:t>
-                      </a:r>
-                    </a:p>
-                  </a:txBody>
-                  <a:tcPr/>
-                </a:tc>
-                <a:tc>
-                  <a:txBody>
-                    <a:bodyPr/>
-                    <a:lstStyle/>
-                    <a:p>
-                      <a:pPr algn="ctr"/>
-                      <a:r>
-                        <a:rPr kumimoji="1" lang="en-US" altLang="ja-JP" dirty="0" smtClean="0"/>
-                        <a:t>9</a:t>
-                      </a:r>
-                      <a:r>
-                        <a:rPr kumimoji="1" lang="ja-JP" altLang="en-US" dirty="0" smtClean="0"/>
-                        <a:t>≦</a:t>
-                      </a:r>
-                      <a:r>
-                        <a:rPr kumimoji="1" lang="en-US" altLang="ja-JP" dirty="0" smtClean="0"/>
-                        <a:t>10</a:t>
-                      </a:r>
-                      <a:endParaRPr kumimoji="1" lang="ja-JP" altLang="en-US" dirty="0"/>
-                    </a:p>
-                  </a:txBody>
-                  <a:tcPr/>
-                </a:tc>
-                <a:tc>
-                  <a:txBody>
-                    <a:bodyPr/>
-                    <a:lstStyle/>
-                    <a:p>
-                      <a:pPr marL="0" marR="0" lvl="0" indent="0" algn="ctr" defTabSz="914400" rtl="0" eaLnBrk="1" fontAlgn="auto" latinLnBrk="0" hangingPunct="1">
-                        <a:lnSpc>
-                          <a:spcPct val="100000"/>
-                        </a:lnSpc>
-                        <a:spcBef>
-                          <a:spcPts val="0"/>
-                        </a:spcBef>
-                        <a:spcAft>
-                          <a:spcPts val="0"/>
-                        </a:spcAft>
-                        <a:buClrTx/>
-                        <a:buSzTx/>
-                        <a:buFontTx/>
-                        <a:buNone/>
-                        <a:tabLst/>
-                        <a:defRPr/>
-                      </a:pPr>
-                      <a:r>
-                        <a:rPr kumimoji="1" lang="en-US" altLang="ja-JP" dirty="0" smtClean="0"/>
-                        <a:t>Total=</a:t>
-                      </a:r>
-                      <a:r>
-                        <a:rPr kumimoji="1" lang="en-US" altLang="ja-JP" dirty="0" err="1" smtClean="0"/>
-                        <a:t>Total+Cnt</a:t>
-                      </a:r>
-                      <a:endParaRPr kumimoji="1" lang="ja-JP" altLang="en-US" dirty="0" smtClean="0"/>
-                    </a:p>
-                  </a:txBody>
-                  <a:tcPr/>
-                </a:tc>
-                <a:tc>
-                  <a:txBody>
-                    <a:bodyPr/>
-                    <a:lstStyle/>
-                    <a:p>
-                      <a:pPr marL="0" marR="0" lvl="0" indent="0" algn="ctr" defTabSz="914400" rtl="0" eaLnBrk="1" fontAlgn="auto" latinLnBrk="0" hangingPunct="1">
-                        <a:lnSpc>
-                          <a:spcPct val="100000"/>
-                        </a:lnSpc>
-                        <a:spcBef>
-                          <a:spcPts val="0"/>
-                        </a:spcBef>
-                        <a:spcAft>
-                          <a:spcPts val="0"/>
-                        </a:spcAft>
-                        <a:buClrTx/>
-                        <a:buSzTx/>
-                        <a:buFontTx/>
-                        <a:buNone/>
-                        <a:tabLst/>
-                        <a:defRPr/>
-                      </a:pPr>
-                      <a:r>
-                        <a:rPr kumimoji="1" lang="en-US" altLang="ja-JP" dirty="0" smtClean="0"/>
-                        <a:t>CNT=9</a:t>
-                      </a:r>
-                      <a:endParaRPr kumimoji="1" lang="ja-JP" altLang="en-US" dirty="0" smtClean="0"/>
-                    </a:p>
-                  </a:txBody>
-                  <a:tcPr/>
-                </a:tc>
-                <a:tc>
-                  <a:txBody>
-                    <a:bodyPr/>
-                    <a:lstStyle/>
-                    <a:p>
-                      <a:pPr marL="0" marR="0" lvl="0" indent="0" algn="ctr" defTabSz="914400" rtl="0" eaLnBrk="1" fontAlgn="auto" latinLnBrk="0" hangingPunct="1">
-                        <a:lnSpc>
-                          <a:spcPct val="100000"/>
-                        </a:lnSpc>
-                        <a:spcBef>
-                          <a:spcPts val="0"/>
-                        </a:spcBef>
-                        <a:spcAft>
-                          <a:spcPts val="0"/>
-                        </a:spcAft>
-                        <a:buClrTx/>
-                        <a:buSzTx/>
-                        <a:buFontTx/>
-                        <a:buNone/>
-                        <a:tabLst/>
-                        <a:defRPr/>
-                      </a:pPr>
-                      <a:r>
-                        <a:rPr kumimoji="1" lang="en-US" altLang="ja-JP" dirty="0" smtClean="0"/>
-                        <a:t>45</a:t>
-                      </a:r>
-                      <a:endParaRPr kumimoji="1" lang="ja-JP" altLang="en-US" dirty="0" smtClean="0"/>
-                    </a:p>
-                  </a:txBody>
-                  <a:tcPr/>
-                </a:tc>
-                <a:extLst>
-                  <a:ext uri="{0D108BD9-81ED-4DB2-BD59-A6C34878D82A}">
-                    <a16:rowId xmlns:a16="http://schemas.microsoft.com/office/drawing/2014/main" val="3346254141"/>
-                  </a:ext>
-                </a:extLst>
-              </a:tr>
-              <a:tr h="542914">
-                <a:tc>
-                  <a:txBody>
-                    <a:bodyPr/>
-                    <a:lstStyle/>
-                    <a:p>
-                      <a:pPr marL="0" marR="0" lvl="0" indent="0" algn="ctr" defTabSz="914400" rtl="0" eaLnBrk="1" fontAlgn="auto" latinLnBrk="0" hangingPunct="1">
-                        <a:lnSpc>
-                          <a:spcPct val="100000"/>
-                        </a:lnSpc>
-                        <a:spcBef>
-                          <a:spcPts val="0"/>
-                        </a:spcBef>
-                        <a:spcAft>
-                          <a:spcPts val="0"/>
-                        </a:spcAft>
-                        <a:buClrTx/>
-                        <a:buSzTx/>
-                        <a:buFontTx/>
-                        <a:buNone/>
-                        <a:tabLst/>
-                        <a:defRPr/>
-                      </a:pPr>
-                      <a:r>
-                        <a:rPr kumimoji="1" lang="en-US" altLang="ja-JP" dirty="0" smtClean="0"/>
-                        <a:t>11</a:t>
-                      </a:r>
-                      <a:r>
-                        <a:rPr kumimoji="1" lang="ja-JP" altLang="en-US" dirty="0" smtClean="0"/>
-                        <a:t>回目判定</a:t>
-                      </a:r>
-                    </a:p>
-                  </a:txBody>
-                  <a:tcPr/>
-                </a:tc>
-                <a:tc>
-                  <a:txBody>
-                    <a:bodyPr/>
-                    <a:lstStyle/>
-                    <a:p>
-                      <a:pPr algn="ctr"/>
-                      <a:r>
-                        <a:rPr kumimoji="1" lang="en-US" altLang="ja-JP" dirty="0" smtClean="0"/>
-                        <a:t>10</a:t>
-                      </a:r>
-                      <a:r>
-                        <a:rPr kumimoji="1" lang="ja-JP" altLang="en-US" dirty="0" smtClean="0"/>
-                        <a:t>≦</a:t>
-                      </a:r>
-                      <a:r>
-                        <a:rPr kumimoji="1" lang="en-US" altLang="ja-JP" dirty="0" smtClean="0"/>
-                        <a:t>10</a:t>
-                      </a:r>
-                    </a:p>
-                  </a:txBody>
-                  <a:tcPr/>
-                </a:tc>
-                <a:tc>
-                  <a:txBody>
-                    <a:bodyPr/>
-                    <a:lstStyle/>
-                    <a:p>
-                      <a:pPr marL="0" marR="0" lvl="0" indent="0" algn="ctr" defTabSz="914400" rtl="0" eaLnBrk="1" fontAlgn="auto" latinLnBrk="0" hangingPunct="1">
-                        <a:lnSpc>
-                          <a:spcPct val="100000"/>
-                        </a:lnSpc>
-                        <a:spcBef>
-                          <a:spcPts val="0"/>
-                        </a:spcBef>
-                        <a:spcAft>
-                          <a:spcPts val="0"/>
-                        </a:spcAft>
-                        <a:buClrTx/>
-                        <a:buSzTx/>
-                        <a:buFontTx/>
-                        <a:buNone/>
-                        <a:tabLst/>
-                        <a:defRPr/>
-                      </a:pPr>
-                      <a:r>
-                        <a:rPr kumimoji="1" lang="en-US" altLang="ja-JP" dirty="0" smtClean="0"/>
-                        <a:t>Total=</a:t>
-                      </a:r>
-                      <a:r>
-                        <a:rPr kumimoji="1" lang="en-US" altLang="ja-JP" dirty="0" err="1" smtClean="0"/>
-                        <a:t>Total+Cnt</a:t>
-                      </a:r>
-                      <a:endParaRPr kumimoji="1" lang="ja-JP" altLang="en-US" dirty="0" smtClean="0"/>
-                    </a:p>
-                  </a:txBody>
-                  <a:tcPr/>
-                </a:tc>
-                <a:tc>
-                  <a:txBody>
-                    <a:bodyPr/>
-                    <a:lstStyle/>
-                    <a:p>
-                      <a:pPr marL="0" marR="0" lvl="0" indent="0" algn="ctr" defTabSz="914400" rtl="0" eaLnBrk="1" fontAlgn="auto" latinLnBrk="0" hangingPunct="1">
-                        <a:lnSpc>
-                          <a:spcPct val="100000"/>
-                        </a:lnSpc>
-                        <a:spcBef>
-                          <a:spcPts val="0"/>
-                        </a:spcBef>
-                        <a:spcAft>
-                          <a:spcPts val="0"/>
-                        </a:spcAft>
-                        <a:buClrTx/>
-                        <a:buSzTx/>
-                        <a:buFontTx/>
-                        <a:buNone/>
-                        <a:tabLst/>
-                        <a:defRPr/>
-                      </a:pPr>
-                      <a:r>
-                        <a:rPr kumimoji="1" lang="en-US" altLang="ja-JP" dirty="0" smtClean="0"/>
-                        <a:t>CNT=10</a:t>
-                      </a:r>
-                      <a:endParaRPr kumimoji="1" lang="ja-JP" altLang="en-US" dirty="0" smtClean="0"/>
-                    </a:p>
-                  </a:txBody>
-                  <a:tcPr/>
-                </a:tc>
-                <a:tc>
-                  <a:txBody>
-                    <a:bodyPr/>
-                    <a:lstStyle/>
-                    <a:p>
-                      <a:pPr marL="0" marR="0" lvl="0" indent="0" algn="ctr" defTabSz="914400" rtl="0" eaLnBrk="1" fontAlgn="auto" latinLnBrk="0" hangingPunct="1">
-                        <a:lnSpc>
-                          <a:spcPct val="100000"/>
-                        </a:lnSpc>
-                        <a:spcBef>
-                          <a:spcPts val="0"/>
-                        </a:spcBef>
-                        <a:spcAft>
-                          <a:spcPts val="0"/>
-                        </a:spcAft>
-                        <a:buClrTx/>
-                        <a:buSzTx/>
-                        <a:buFontTx/>
-                        <a:buNone/>
-                        <a:tabLst/>
-                        <a:defRPr/>
-                      </a:pPr>
-                      <a:r>
-                        <a:rPr kumimoji="1" lang="en-US" altLang="ja-JP" dirty="0" smtClean="0"/>
-                        <a:t>55</a:t>
-                      </a:r>
-                      <a:endParaRPr kumimoji="1" lang="ja-JP" altLang="en-US" dirty="0" smtClean="0"/>
-                    </a:p>
-                  </a:txBody>
-                  <a:tcPr/>
-                </a:tc>
-                <a:extLst>
-                  <a:ext uri="{0D108BD9-81ED-4DB2-BD59-A6C34878D82A}">
-                    <a16:rowId xmlns:a16="http://schemas.microsoft.com/office/drawing/2014/main" val="1818299307"/>
-                  </a:ext>
-                </a:extLst>
-              </a:tr>
-              <a:tr h="1134796">
-                <a:tc>
-                  <a:txBody>
-                    <a:bodyPr/>
-                    <a:lstStyle/>
-                    <a:p>
-                      <a:pPr marL="0" marR="0" lvl="0" indent="0" algn="ctr" defTabSz="914400" rtl="0" eaLnBrk="1" fontAlgn="auto" latinLnBrk="0" hangingPunct="1">
-                        <a:lnSpc>
-                          <a:spcPct val="100000"/>
-                        </a:lnSpc>
-                        <a:spcBef>
-                          <a:spcPts val="0"/>
-                        </a:spcBef>
-                        <a:spcAft>
-                          <a:spcPts val="0"/>
-                        </a:spcAft>
-                        <a:buClrTx/>
-                        <a:buSzTx/>
-                        <a:buFontTx/>
-                        <a:buNone/>
-                        <a:tabLst/>
-                        <a:defRPr/>
-                      </a:pPr>
-                      <a:r>
-                        <a:rPr kumimoji="1" lang="en-US" altLang="ja-JP" dirty="0" smtClean="0"/>
-                        <a:t>12</a:t>
-                      </a:r>
-                      <a:r>
-                        <a:rPr kumimoji="1" lang="ja-JP" altLang="en-US" dirty="0" smtClean="0"/>
-                        <a:t>回目判定</a:t>
-                      </a:r>
-                    </a:p>
-                  </a:txBody>
-                  <a:tcPr/>
-                </a:tc>
-                <a:tc>
-                  <a:txBody>
-                    <a:bodyPr/>
-                    <a:lstStyle/>
-                    <a:p>
-                      <a:pPr marL="0" marR="0" lvl="0" indent="0" algn="ctr" defTabSz="914400" rtl="0" eaLnBrk="1" fontAlgn="auto" latinLnBrk="0" hangingPunct="1">
-                        <a:lnSpc>
-                          <a:spcPct val="100000"/>
-                        </a:lnSpc>
-                        <a:spcBef>
-                          <a:spcPts val="0"/>
-                        </a:spcBef>
-                        <a:spcAft>
-                          <a:spcPts val="0"/>
-                        </a:spcAft>
-                        <a:buClrTx/>
-                        <a:buSzTx/>
-                        <a:buFontTx/>
-                        <a:buNone/>
-                        <a:tabLst/>
-                        <a:defRPr/>
-                      </a:pPr>
-                      <a:r>
-                        <a:rPr kumimoji="1" lang="en-US" altLang="ja-JP" dirty="0" smtClean="0"/>
-                        <a:t>11</a:t>
-                      </a:r>
-                      <a:r>
-                        <a:rPr kumimoji="1" lang="ja-JP" altLang="en-US" dirty="0" smtClean="0"/>
-                        <a:t>≦</a:t>
-                      </a:r>
-                      <a:r>
-                        <a:rPr kumimoji="1" lang="en-US" altLang="ja-JP" dirty="0" smtClean="0"/>
-                        <a:t>10</a:t>
-                      </a:r>
-                    </a:p>
-                    <a:p>
-                      <a:pPr marL="0" marR="0" lvl="0" indent="0" algn="ctr" defTabSz="914400" rtl="0" eaLnBrk="1" fontAlgn="auto" latinLnBrk="0" hangingPunct="1">
-                        <a:lnSpc>
-                          <a:spcPct val="100000"/>
-                        </a:lnSpc>
-                        <a:spcBef>
-                          <a:spcPts val="0"/>
-                        </a:spcBef>
-                        <a:spcAft>
-                          <a:spcPts val="0"/>
-                        </a:spcAft>
-                        <a:buClrTx/>
-                        <a:buSzTx/>
-                        <a:buFontTx/>
-                        <a:buNone/>
-                        <a:tabLst/>
-                        <a:defRPr/>
-                      </a:pPr>
-                      <a:r>
-                        <a:rPr kumimoji="1" lang="ja-JP" altLang="en-US" sz="1800" dirty="0" smtClean="0">
-                          <a:solidFill>
-                            <a:srgbClr val="FF0000"/>
-                          </a:solidFill>
-                        </a:rPr>
-                        <a:t>★ここでループを抜ける</a:t>
-                      </a:r>
-                    </a:p>
-                    <a:p>
-                      <a:pPr algn="ctr"/>
-                      <a:endParaRPr kumimoji="1" lang="en-US" altLang="ja-JP" dirty="0" smtClean="0"/>
-                    </a:p>
-                  </a:txBody>
-                  <a:tcPr/>
-                </a:tc>
-                <a:tc>
-                  <a:txBody>
-                    <a:bodyPr/>
-                    <a:lstStyle/>
-                    <a:p>
-                      <a:pPr marL="0" marR="0" lvl="0" indent="0" algn="ctr" defTabSz="914400" rtl="0" eaLnBrk="1" fontAlgn="auto" latinLnBrk="0" hangingPunct="1">
-                        <a:lnSpc>
-                          <a:spcPct val="100000"/>
-                        </a:lnSpc>
-                        <a:spcBef>
-                          <a:spcPts val="0"/>
-                        </a:spcBef>
-                        <a:spcAft>
-                          <a:spcPts val="0"/>
-                        </a:spcAft>
-                        <a:buClrTx/>
-                        <a:buSzTx/>
-                        <a:buFontTx/>
-                        <a:buNone/>
-                        <a:tabLst/>
-                        <a:defRPr/>
-                      </a:pPr>
-                      <a:r>
-                        <a:rPr kumimoji="1" lang="ja-JP" altLang="en-US" dirty="0" smtClean="0"/>
-                        <a:t>なし</a:t>
-                      </a:r>
-                    </a:p>
-                  </a:txBody>
-                  <a:tcPr/>
-                </a:tc>
-                <a:tc>
-                  <a:txBody>
-                    <a:bodyPr/>
-                    <a:lstStyle/>
-                    <a:p>
-                      <a:pPr marL="0" marR="0" lvl="0" indent="0" algn="ctr" defTabSz="914400" rtl="0" eaLnBrk="1" fontAlgn="auto" latinLnBrk="0" hangingPunct="1">
-                        <a:lnSpc>
-                          <a:spcPct val="100000"/>
-                        </a:lnSpc>
-                        <a:spcBef>
-                          <a:spcPts val="0"/>
-                        </a:spcBef>
-                        <a:spcAft>
-                          <a:spcPts val="0"/>
-                        </a:spcAft>
-                        <a:buClrTx/>
-                        <a:buSzTx/>
-                        <a:buFontTx/>
-                        <a:buNone/>
-                        <a:tabLst/>
-                        <a:defRPr/>
-                      </a:pPr>
-                      <a:endParaRPr kumimoji="1" lang="ja-JP" altLang="en-US" dirty="0" smtClean="0"/>
-                    </a:p>
-                  </a:txBody>
-                  <a:tcPr/>
-                </a:tc>
-                <a:tc>
-                  <a:txBody>
-                    <a:bodyPr/>
-                    <a:lstStyle/>
-                    <a:p>
-                      <a:pPr marL="0" marR="0" lvl="0" indent="0" algn="ctr" defTabSz="914400" rtl="0" eaLnBrk="1" fontAlgn="auto" latinLnBrk="0" hangingPunct="1">
-                        <a:lnSpc>
-                          <a:spcPct val="100000"/>
-                        </a:lnSpc>
-                        <a:spcBef>
-                          <a:spcPts val="0"/>
-                        </a:spcBef>
-                        <a:spcAft>
-                          <a:spcPts val="0"/>
-                        </a:spcAft>
-                        <a:buClrTx/>
-                        <a:buSzTx/>
-                        <a:buFontTx/>
-                        <a:buNone/>
-                        <a:tabLst/>
-                        <a:defRPr/>
-                      </a:pPr>
-                      <a:r>
-                        <a:rPr kumimoji="1" lang="en-US" altLang="ja-JP" dirty="0" smtClean="0"/>
-                        <a:t>55</a:t>
-                      </a:r>
-                      <a:endParaRPr kumimoji="1" lang="ja-JP" altLang="en-US" dirty="0" smtClean="0"/>
-                    </a:p>
-                  </a:txBody>
-                  <a:tcPr/>
-                </a:tc>
-                <a:extLst>
-                  <a:ext uri="{0D108BD9-81ED-4DB2-BD59-A6C34878D82A}">
-                    <a16:rowId xmlns:a16="http://schemas.microsoft.com/office/drawing/2014/main" val="3538899260"/>
-                  </a:ext>
-                </a:extLst>
-              </a:tr>
-            </a:tbl>
-          </a:graphicData>
-        </a:graphic>
-      </p:graphicFrame>
-    </p:spTree>
-    <p:extLst>
-      <p:ext uri="{BB962C8B-B14F-4D97-AF65-F5344CB8AC3E}">
-        <p14:creationId xmlns:p14="http://schemas.microsoft.com/office/powerpoint/2010/main" val="1422688330"/>
-      </p:ext>
-    </p:extLst>
-  </p:cSld>
-  <p:clrMapOvr>
-    <a:masterClrMapping/>
-  </p:clrMapOvr>
-</p:sld>
-</file>
-
-<file path=ppt/slides/slide11.xml><?xml version="1.0" encoding="utf-8"?>
-<p:sld xmlns:a="http://schemas.openxmlformats.org/drawingml/2006/main" xmlns:r="http://schemas.openxmlformats.org/officeDocument/2006/relationships" xmlns:p="http://schemas.openxmlformats.org/presentationml/2006/main">
-  <p:cSld>
-    <p:spTree>
-      <p:nvGrpSpPr>
-        <p:cNvPr id="1" name=""/>
-        <p:cNvGrpSpPr/>
-        <p:nvPr/>
-      </p:nvGrpSpPr>
-      <p:grpSpPr>
-        <a:xfrm>
-          <a:off x="0" y="0"/>
-          <a:ext cx="0" cy="0"/>
-          <a:chOff x="0" y="0"/>
-          <a:chExt cx="0" cy="0"/>
-        </a:xfrm>
-      </p:grpSpPr>
-      <p:pic>
-        <p:nvPicPr>
-          <p:cNvPr id="2" name="図 1"/>
-          <p:cNvPicPr>
-            <a:picLocks noChangeAspect="1"/>
-          </p:cNvPicPr>
-          <p:nvPr/>
-        </p:nvPicPr>
-        <p:blipFill>
-          <a:blip r:embed="rId2"/>
-          <a:stretch>
-            <a:fillRect/>
-          </a:stretch>
-        </p:blipFill>
-        <p:spPr>
-          <a:xfrm>
-            <a:off x="826260" y="395091"/>
-            <a:ext cx="9854845" cy="5730136"/>
-          </a:xfrm>
-          <a:prstGeom prst="rect">
-            <a:avLst/>
-          </a:prstGeom>
-        </p:spPr>
-      </p:pic>
-    </p:spTree>
-    <p:extLst>
-      <p:ext uri="{BB962C8B-B14F-4D97-AF65-F5344CB8AC3E}">
-        <p14:creationId xmlns:p14="http://schemas.microsoft.com/office/powerpoint/2010/main" val="3738588564"/>
-      </p:ext>
-    </p:extLst>
-  </p:cSld>
-  <p:clrMapOvr>
-    <a:masterClrMapping/>
-  </p:clrMapOvr>
-</p:sld>
-</file>
-
-<file path=ppt/slides/slide12.xml><?xml version="1.0" encoding="utf-8"?>
-<p:sld xmlns:a="http://schemas.openxmlformats.org/drawingml/2006/main" xmlns:r="http://schemas.openxmlformats.org/officeDocument/2006/relationships" xmlns:p="http://schemas.openxmlformats.org/presentationml/2006/main">
-  <p:cSld>
-    <p:spTree>
-      <p:nvGrpSpPr>
-        <p:cNvPr id="1" name=""/>
-        <p:cNvGrpSpPr/>
-        <p:nvPr/>
-      </p:nvGrpSpPr>
-      <p:grpSpPr>
-        <a:xfrm>
-          <a:off x="0" y="0"/>
-          <a:ext cx="0" cy="0"/>
-          <a:chOff x="0" y="0"/>
-          <a:chExt cx="0" cy="0"/>
-        </a:xfrm>
-      </p:grpSpPr>
-      <p:pic>
-        <p:nvPicPr>
-          <p:cNvPr id="2" name="図 1"/>
-          <p:cNvPicPr>
-            <a:picLocks noChangeAspect="1"/>
-          </p:cNvPicPr>
-          <p:nvPr/>
-        </p:nvPicPr>
-        <p:blipFill>
-          <a:blip r:embed="rId2"/>
-          <a:stretch>
-            <a:fillRect/>
-          </a:stretch>
-        </p:blipFill>
-        <p:spPr>
-          <a:xfrm>
-            <a:off x="1865725" y="854901"/>
-            <a:ext cx="7365957" cy="5612158"/>
-          </a:xfrm>
-          <a:prstGeom prst="rect">
-            <a:avLst/>
-          </a:prstGeom>
-        </p:spPr>
-      </p:pic>
-      <p:sp>
-        <p:nvSpPr>
-          <p:cNvPr id="3" name="テキスト ボックス 2"/>
-          <p:cNvSpPr txBox="1"/>
-          <p:nvPr/>
-        </p:nvSpPr>
-        <p:spPr>
-          <a:xfrm>
-            <a:off x="1640909" y="200416"/>
-            <a:ext cx="6530955" cy="523220"/>
-          </a:xfrm>
-          <a:prstGeom prst="rect">
-            <a:avLst/>
-          </a:prstGeom>
-          <a:noFill/>
-        </p:spPr>
-        <p:txBody>
-          <a:bodyPr wrap="none" rtlCol="0">
-            <a:spAutoFit/>
-          </a:bodyPr>
-          <a:lstStyle/>
-          <a:p>
-            <a:r>
-              <a:rPr kumimoji="1" lang="ja-JP" altLang="en-US" sz="2800" dirty="0" smtClean="0"/>
-              <a:t>１から</a:t>
-            </a:r>
-            <a:r>
-              <a:rPr kumimoji="1" lang="en-US" altLang="ja-JP" sz="2800" dirty="0" smtClean="0"/>
-              <a:t>100</a:t>
-            </a:r>
-            <a:r>
-              <a:rPr kumimoji="1" lang="ja-JP" altLang="en-US" sz="2800" dirty="0" smtClean="0"/>
-              <a:t>のうちの偶数の合計を求める</a:t>
-            </a:r>
-            <a:endParaRPr kumimoji="1" lang="ja-JP" altLang="en-US" sz="2800" dirty="0"/>
-          </a:p>
-        </p:txBody>
-      </p:sp>
-    </p:spTree>
-    <p:extLst>
-      <p:ext uri="{BB962C8B-B14F-4D97-AF65-F5344CB8AC3E}">
-        <p14:creationId xmlns:p14="http://schemas.microsoft.com/office/powerpoint/2010/main" val="1472193661"/>
-      </p:ext>
-    </p:extLst>
-  </p:cSld>
-  <p:clrMapOvr>
-    <a:masterClrMapping/>
-  </p:clrMapOvr>
-</p:sld>
-</file>
-
-<file path=ppt/slides/slide13.xml><?xml version="1.0" encoding="utf-8"?>
-<p:sld xmlns:a="http://schemas.openxmlformats.org/drawingml/2006/main" xmlns:r="http://schemas.openxmlformats.org/officeDocument/2006/relationships" xmlns:p="http://schemas.openxmlformats.org/presentationml/2006/main">
-  <p:cSld>
-    <p:spTree>
-      <p:nvGrpSpPr>
-        <p:cNvPr id="1" name=""/>
-        <p:cNvGrpSpPr/>
-        <p:nvPr/>
-      </p:nvGrpSpPr>
-      <p:grpSpPr>
-        <a:xfrm>
-          <a:off x="0" y="0"/>
-          <a:ext cx="0" cy="0"/>
-          <a:chOff x="0" y="0"/>
-          <a:chExt cx="0" cy="0"/>
-        </a:xfrm>
-      </p:grpSpPr>
-      <p:sp>
-        <p:nvSpPr>
-          <p:cNvPr id="2" name="タイトル 1"/>
-          <p:cNvSpPr>
-            <a:spLocks noGrp="1"/>
-          </p:cNvSpPr>
-          <p:nvPr>
-            <p:ph type="title"/>
-          </p:nvPr>
-        </p:nvSpPr>
-        <p:spPr>
-          <a:xfrm>
-            <a:off x="2315944" y="155391"/>
-            <a:ext cx="7641921" cy="1034582"/>
+            <a:off x="838200" y="365125"/>
+            <a:ext cx="9307882" cy="561801"/>
           </a:xfrm>
         </p:spPr>
         <p:txBody>
@@ -5702,21 +3436,10 @@
           <a:lstStyle/>
           <a:p>
             <a:r>
-              <a:rPr kumimoji="1" lang="ja-JP" altLang="en-US" sz="3600" dirty="0" smtClean="0"/>
-              <a:t>引き算の繰り返しで余りを求める</a:t>
-            </a:r>
-            <a:r>
-              <a:rPr kumimoji="1" lang="en-US" altLang="ja-JP" sz="3600" dirty="0" smtClean="0"/>
-              <a:t/>
-            </a:r>
-            <a:br>
-              <a:rPr kumimoji="1" lang="en-US" altLang="ja-JP" sz="3600" dirty="0" smtClean="0"/>
-            </a:br>
-            <a:r>
-              <a:rPr lang="ja-JP" altLang="en-US" sz="3600" dirty="0" smtClean="0"/>
-              <a:t>（負の数は考えない）</a:t>
-            </a:r>
-            <a:endParaRPr kumimoji="1" lang="ja-JP" altLang="en-US" sz="3600" dirty="0"/>
+              <a:rPr kumimoji="1" lang="ja-JP" altLang="en-US" dirty="0" smtClean="0"/>
+              <a:t>平均点の算出</a:t>
+            </a:r>
+            <a:endParaRPr kumimoji="1" lang="ja-JP" altLang="en-US" dirty="0"/>
           </a:p>
         </p:txBody>
       </p:sp>
@@ -5736,8 +3459,8 @@
         </p:blipFill>
         <p:spPr>
           <a:xfrm>
-            <a:off x="2315944" y="1318115"/>
-            <a:ext cx="6878160" cy="5427151"/>
+            <a:off x="838200" y="926926"/>
+            <a:ext cx="4898199" cy="5734476"/>
           </a:xfrm>
           <a:prstGeom prst="rect">
             <a:avLst/>
@@ -5747,121 +3470,7 @@
     </p:spTree>
     <p:extLst>
       <p:ext uri="{BB962C8B-B14F-4D97-AF65-F5344CB8AC3E}">
-        <p14:creationId xmlns:p14="http://schemas.microsoft.com/office/powerpoint/2010/main" val="410164925"/>
-      </p:ext>
-    </p:extLst>
-  </p:cSld>
-  <p:clrMapOvr>
-    <a:masterClrMapping/>
-  </p:clrMapOvr>
-</p:sld>
-</file>
-
-<file path=ppt/slides/slide14.xml><?xml version="1.0" encoding="utf-8"?>
-<p:sld xmlns:a="http://schemas.openxmlformats.org/drawingml/2006/main" xmlns:r="http://schemas.openxmlformats.org/officeDocument/2006/relationships" xmlns:p="http://schemas.openxmlformats.org/presentationml/2006/main">
-  <p:cSld>
-    <p:spTree>
-      <p:nvGrpSpPr>
-        <p:cNvPr id="1" name=""/>
-        <p:cNvGrpSpPr/>
-        <p:nvPr/>
-      </p:nvGrpSpPr>
-      <p:grpSpPr>
-        <a:xfrm>
-          <a:off x="0" y="0"/>
-          <a:ext cx="0" cy="0"/>
-          <a:chOff x="0" y="0"/>
-          <a:chExt cx="0" cy="0"/>
-        </a:xfrm>
-      </p:grpSpPr>
-      <p:sp>
-        <p:nvSpPr>
-          <p:cNvPr id="2" name="タイトル 1"/>
-          <p:cNvSpPr>
-            <a:spLocks noGrp="1"/>
-          </p:cNvSpPr>
-          <p:nvPr>
-            <p:ph type="title"/>
-          </p:nvPr>
-        </p:nvSpPr>
-        <p:spPr>
-          <a:xfrm>
-            <a:off x="3293301" y="553016"/>
-            <a:ext cx="5725439" cy="1025264"/>
-          </a:xfrm>
-        </p:spPr>
-        <p:txBody>
-          <a:bodyPr/>
-          <a:lstStyle/>
-          <a:p>
-            <a:r>
-              <a:rPr kumimoji="1" lang="ja-JP" altLang="en-US" dirty="0" smtClean="0"/>
-              <a:t>初期化について</a:t>
-            </a:r>
-            <a:endParaRPr kumimoji="1" lang="ja-JP" altLang="en-US" dirty="0"/>
-          </a:p>
-        </p:txBody>
-      </p:sp>
-      <p:sp>
-        <p:nvSpPr>
-          <p:cNvPr id="3" name="テキスト ボックス 2"/>
-          <p:cNvSpPr txBox="1"/>
-          <p:nvPr/>
-        </p:nvSpPr>
-        <p:spPr>
-          <a:xfrm>
-            <a:off x="858903" y="2525908"/>
-            <a:ext cx="10291600" cy="1384995"/>
-          </a:xfrm>
-          <a:prstGeom prst="rect">
-            <a:avLst/>
-          </a:prstGeom>
-          <a:noFill/>
-        </p:spPr>
-        <p:txBody>
-          <a:bodyPr wrap="none" rtlCol="0">
-            <a:spAutoFit/>
-          </a:bodyPr>
-          <a:lstStyle/>
-          <a:p>
-            <a:r>
-              <a:rPr kumimoji="1" lang="ja-JP" altLang="en-US" sz="2800" dirty="0" smtClean="0"/>
-              <a:t>変数の内容は不定（定まっていない）ことが多いので、</a:t>
-            </a:r>
-            <a:endParaRPr kumimoji="1" lang="en-US" altLang="ja-JP" sz="2800" dirty="0" smtClean="0"/>
-          </a:p>
-          <a:p>
-            <a:r>
-              <a:rPr kumimoji="1" lang="ja-JP" altLang="en-US" sz="2800" dirty="0" smtClean="0"/>
-              <a:t>初期化しておくことが必要</a:t>
-            </a:r>
-            <a:endParaRPr lang="en-US" altLang="ja-JP" sz="2800" dirty="0" smtClean="0"/>
-          </a:p>
-          <a:p>
-            <a:r>
-              <a:rPr kumimoji="1" lang="ja-JP" altLang="en-US" sz="2800" dirty="0"/>
-              <a:t>特</a:t>
-            </a:r>
-            <a:r>
-              <a:rPr kumimoji="1" lang="ja-JP" altLang="en-US" sz="2800" dirty="0" smtClean="0"/>
-              <a:t>に、ループ処理の回数（</a:t>
-            </a:r>
-            <a:r>
-              <a:rPr kumimoji="1" lang="en-US" altLang="ja-JP" sz="2800" dirty="0" smtClean="0"/>
-              <a:t>Count)</a:t>
-            </a:r>
-            <a:r>
-              <a:rPr kumimoji="1" lang="ja-JP" altLang="en-US" sz="2800" dirty="0" smtClean="0"/>
-              <a:t>などは初期化することが重要</a:t>
-            </a:r>
-            <a:endParaRPr kumimoji="1" lang="en-US" altLang="ja-JP" sz="2800" dirty="0" smtClean="0"/>
-          </a:p>
-        </p:txBody>
-      </p:sp>
-    </p:spTree>
-    <p:extLst>
-      <p:ext uri="{BB962C8B-B14F-4D97-AF65-F5344CB8AC3E}">
-        <p14:creationId xmlns:p14="http://schemas.microsoft.com/office/powerpoint/2010/main" val="1919175437"/>
+        <p14:creationId xmlns:p14="http://schemas.microsoft.com/office/powerpoint/2010/main" val="2570266694"/>
       </p:ext>
     </p:extLst>
   </p:cSld>
@@ -6254,6 +3863,56 @@
           </a:prstGeom>
         </p:spPr>
       </p:pic>
+      <p:sp>
+        <p:nvSpPr>
+          <p:cNvPr id="2" name="正方形/長方形 1"/>
+          <p:cNvSpPr/>
+          <p:nvPr/>
+        </p:nvSpPr>
+        <p:spPr>
+          <a:xfrm>
+            <a:off x="313674" y="3245986"/>
+            <a:ext cx="4532645" cy="1375890"/>
+          </a:xfrm>
+          <a:prstGeom prst="rect">
+            <a:avLst/>
+          </a:prstGeom>
+          <a:noFill/>
+          <a:ln w="57150">
+            <a:solidFill>
+              <a:srgbClr val="FF0000"/>
+            </a:solidFill>
+          </a:ln>
+        </p:spPr>
+        <p:style>
+          <a:lnRef idx="2">
+            <a:schemeClr val="accent1">
+              <a:shade val="50000"/>
+            </a:schemeClr>
+          </a:lnRef>
+          <a:fillRef idx="1">
+            <a:schemeClr val="accent1"/>
+          </a:fillRef>
+          <a:effectRef idx="0">
+            <a:schemeClr val="accent1"/>
+          </a:effectRef>
+          <a:fontRef idx="minor">
+            <a:schemeClr val="lt1"/>
+          </a:fontRef>
+        </p:style>
+        <p:txBody>
+          <a:bodyPr rtlCol="0" anchor="ctr"/>
+          <a:lstStyle/>
+          <a:p>
+            <a:pPr algn="ctr"/>
+            <a:endParaRPr kumimoji="1" lang="ja-JP" altLang="en-US">
+              <a:solidFill>
+                <a:srgbClr val="FF0000"/>
+              </a:solidFill>
+            </a:endParaRPr>
+          </a:p>
+        </p:txBody>
+      </p:sp>
     </p:spTree>
     <p:extLst>
       <p:ext uri="{BB962C8B-B14F-4D97-AF65-F5344CB8AC3E}">
@@ -6408,6 +4067,56 @@
           </a:prstGeom>
         </p:spPr>
       </p:pic>
+      <p:sp>
+        <p:nvSpPr>
+          <p:cNvPr id="8" name="正方形/長方形 7"/>
+          <p:cNvSpPr/>
+          <p:nvPr/>
+        </p:nvSpPr>
+        <p:spPr>
+          <a:xfrm>
+            <a:off x="205609" y="2381462"/>
+            <a:ext cx="4873467" cy="2689302"/>
+          </a:xfrm>
+          <a:prstGeom prst="rect">
+            <a:avLst/>
+          </a:prstGeom>
+          <a:noFill/>
+          <a:ln w="57150">
+            <a:solidFill>
+              <a:srgbClr val="FF0000"/>
+            </a:solidFill>
+          </a:ln>
+        </p:spPr>
+        <p:style>
+          <a:lnRef idx="2">
+            <a:schemeClr val="accent1">
+              <a:shade val="50000"/>
+            </a:schemeClr>
+          </a:lnRef>
+          <a:fillRef idx="1">
+            <a:schemeClr val="accent1"/>
+          </a:fillRef>
+          <a:effectRef idx="0">
+            <a:schemeClr val="accent1"/>
+          </a:effectRef>
+          <a:fontRef idx="minor">
+            <a:schemeClr val="lt1"/>
+          </a:fontRef>
+        </p:style>
+        <p:txBody>
+          <a:bodyPr rtlCol="0" anchor="ctr"/>
+          <a:lstStyle/>
+          <a:p>
+            <a:pPr algn="ctr"/>
+            <a:endParaRPr kumimoji="1" lang="ja-JP" altLang="en-US">
+              <a:solidFill>
+                <a:srgbClr val="FF0000"/>
+              </a:solidFill>
+            </a:endParaRPr>
+          </a:p>
+        </p:txBody>
+      </p:sp>
     </p:spTree>
     <p:extLst>
       <p:ext uri="{BB962C8B-B14F-4D97-AF65-F5344CB8AC3E}">
@@ -6630,6 +4339,56 @@
           </a:prstGeom>
         </p:spPr>
       </p:pic>
+      <p:sp>
+        <p:nvSpPr>
+          <p:cNvPr id="10" name="正方形/長方形 9"/>
+          <p:cNvSpPr/>
+          <p:nvPr/>
+        </p:nvSpPr>
+        <p:spPr>
+          <a:xfrm>
+            <a:off x="205609" y="2381461"/>
+            <a:ext cx="5181038" cy="3113251"/>
+          </a:xfrm>
+          <a:prstGeom prst="rect">
+            <a:avLst/>
+          </a:prstGeom>
+          <a:noFill/>
+          <a:ln w="57150">
+            <a:solidFill>
+              <a:srgbClr val="FF0000"/>
+            </a:solidFill>
+          </a:ln>
+        </p:spPr>
+        <p:style>
+          <a:lnRef idx="2">
+            <a:schemeClr val="accent1">
+              <a:shade val="50000"/>
+            </a:schemeClr>
+          </a:lnRef>
+          <a:fillRef idx="1">
+            <a:schemeClr val="accent1"/>
+          </a:fillRef>
+          <a:effectRef idx="0">
+            <a:schemeClr val="accent1"/>
+          </a:effectRef>
+          <a:fontRef idx="minor">
+            <a:schemeClr val="lt1"/>
+          </a:fontRef>
+        </p:style>
+        <p:txBody>
+          <a:bodyPr rtlCol="0" anchor="ctr"/>
+          <a:lstStyle/>
+          <a:p>
+            <a:pPr algn="ctr"/>
+            <a:endParaRPr kumimoji="1" lang="ja-JP" altLang="en-US">
+              <a:solidFill>
+                <a:srgbClr val="FF0000"/>
+              </a:solidFill>
+            </a:endParaRPr>
+          </a:p>
+        </p:txBody>
+      </p:sp>
     </p:spTree>
     <p:extLst>
       <p:ext uri="{BB962C8B-B14F-4D97-AF65-F5344CB8AC3E}">
@@ -6660,30 +4419,56 @@
           <a:chExt cx="0" cy="0"/>
         </a:xfrm>
       </p:grpSpPr>
-      <p:pic>
-        <p:nvPicPr>
-          <p:cNvPr id="2" name="図 1"/>
-          <p:cNvPicPr>
-            <a:picLocks noChangeAspect="1"/>
-          </p:cNvPicPr>
-          <p:nvPr/>
-        </p:nvPicPr>
-        <p:blipFill>
-          <a:blip r:embed="rId2"/>
-          <a:stretch>
-            <a:fillRect/>
-          </a:stretch>
-        </p:blipFill>
-        <p:spPr>
-          <a:xfrm>
-            <a:off x="2105676" y="1393128"/>
-            <a:ext cx="8002827" cy="4971453"/>
-          </a:xfrm>
-          <a:prstGeom prst="rect">
-            <a:avLst/>
-          </a:prstGeom>
-        </p:spPr>
-      </p:pic>
+      <p:sp>
+        <p:nvSpPr>
+          <p:cNvPr id="2" name="タイトル 1"/>
+          <p:cNvSpPr>
+            <a:spLocks noGrp="1"/>
+          </p:cNvSpPr>
+          <p:nvPr>
+            <p:ph type="title"/>
+          </p:nvPr>
+        </p:nvSpPr>
+        <p:spPr/>
+        <p:txBody>
+          <a:bodyPr/>
+          <a:lstStyle/>
+          <a:p>
+            <a:r>
+              <a:rPr lang="en-US" altLang="ja-JP" dirty="0" smtClean="0"/>
+              <a:t>1-8 </a:t>
+            </a:r>
+            <a:r>
+              <a:rPr lang="ja-JP" altLang="en-US" dirty="0" smtClean="0"/>
+              <a:t>配列と繰り返し処理</a:t>
+            </a:r>
+            <a:r>
+              <a:rPr lang="ja-JP" altLang="en-US" dirty="0" smtClean="0"/>
+              <a:t>　</a:t>
+            </a:r>
+            <a:r>
+              <a:rPr lang="en-US" altLang="ja-JP" dirty="0" smtClean="0"/>
+              <a:t/>
+            </a:r>
+            <a:br>
+              <a:rPr lang="en-US" altLang="ja-JP" dirty="0" smtClean="0"/>
+            </a:br>
+            <a:r>
+              <a:rPr lang="ja-JP" altLang="en-US" dirty="0"/>
+              <a:t>（</a:t>
+            </a:r>
+            <a:r>
+              <a:rPr lang="en-US" altLang="ja-JP" dirty="0" smtClean="0"/>
+              <a:t>WIKI</a:t>
+            </a:r>
+            <a:r>
+              <a:rPr lang="ja-JP" altLang="en-US" dirty="0" smtClean="0"/>
+              <a:t>より）</a:t>
+            </a:r>
+            <a:endParaRPr kumimoji="1" lang="ja-JP" altLang="en-US" dirty="0"/>
+          </a:p>
+        </p:txBody>
+      </p:sp>
       <p:sp>
         <p:nvSpPr>
           <p:cNvPr id="3" name="テキスト ボックス 2"/>
@@ -6692,8 +4477,8 @@
         </p:nvSpPr>
         <p:spPr>
           <a:xfrm>
-            <a:off x="1528176" y="563672"/>
-            <a:ext cx="4278735" cy="523220"/>
+            <a:off x="620590" y="2009066"/>
+            <a:ext cx="10210894" cy="3539430"/>
           </a:xfrm>
           <a:prstGeom prst="rect">
             <a:avLst/>
@@ -6701,31 +4486,93 @@
           <a:noFill/>
         </p:spPr>
         <p:txBody>
-          <a:bodyPr wrap="none" rtlCol="0">
+          <a:bodyPr wrap="square" rtlCol="0">
             <a:spAutoFit/>
           </a:bodyPr>
           <a:lstStyle/>
           <a:p>
             <a:r>
-              <a:rPr kumimoji="1" lang="ja-JP" altLang="en-US" sz="2800" dirty="0" smtClean="0"/>
-              <a:t>教科書 </a:t>
-            </a:r>
-            <a:r>
-              <a:rPr kumimoji="1" lang="en-US" altLang="ja-JP" sz="2800" dirty="0" smtClean="0"/>
-              <a:t>29</a:t>
-            </a:r>
-            <a:r>
-              <a:rPr kumimoji="1" lang="ja-JP" altLang="en-US" sz="2800" dirty="0" smtClean="0"/>
-              <a:t>ページの解答例</a:t>
-            </a:r>
-            <a:endParaRPr kumimoji="1" lang="ja-JP" altLang="en-US" sz="2800" dirty="0"/>
+              <a:rPr lang="ja-JP" altLang="en-US" sz="2800" dirty="0" smtClean="0"/>
+              <a:t>　</a:t>
+            </a:r>
+            <a:r>
+              <a:rPr lang="ja-JP" altLang="en-US" sz="2800" dirty="0"/>
+              <a:t>複数の要素（値）の集合を格納・管理するのに用いられるデータ構造が配列である</a:t>
+            </a:r>
+            <a:r>
+              <a:rPr lang="ja-JP" altLang="en-US" sz="2800" dirty="0" smtClean="0"/>
+              <a:t>。</a:t>
+            </a:r>
+            <a:endParaRPr lang="en-US" altLang="ja-JP" sz="2800" dirty="0" smtClean="0"/>
+          </a:p>
+          <a:p>
+            <a:r>
+              <a:rPr lang="en-US" altLang="ja-JP" sz="2800" dirty="0" smtClean="0"/>
+              <a:t>1</a:t>
+            </a:r>
+            <a:r>
+              <a:rPr lang="ja-JP" altLang="en-US" sz="2800" dirty="0"/>
+              <a:t>次元の配列は特に線形配列 </a:t>
+            </a:r>
+            <a:r>
+              <a:rPr lang="en-US" altLang="ja-JP" sz="2800" dirty="0"/>
+              <a:t>(linear array) </a:t>
+            </a:r>
+            <a:r>
+              <a:rPr lang="ja-JP" altLang="en-US" sz="2800" dirty="0"/>
+              <a:t>とも呼ばれる</a:t>
+            </a:r>
+            <a:r>
+              <a:rPr lang="ja-JP" altLang="en-US" sz="2800" dirty="0" smtClean="0"/>
+              <a:t>。</a:t>
+            </a:r>
+            <a:endParaRPr lang="en-US" altLang="ja-JP" sz="2800" dirty="0" smtClean="0"/>
+          </a:p>
+          <a:p>
+            <a:r>
+              <a:rPr lang="ja-JP" altLang="en-US" sz="2800" dirty="0" smtClean="0"/>
+              <a:t>メモリ空間でもまとめて管理されているので効率がいい。</a:t>
+            </a:r>
+            <a:endParaRPr lang="en-US" altLang="ja-JP" sz="2800" dirty="0" smtClean="0"/>
+          </a:p>
+          <a:p>
+            <a:r>
+              <a:rPr lang="ja-JP" altLang="en-US" sz="2800" dirty="0" smtClean="0"/>
+              <a:t>また、繰り返し処理を行いやすい。</a:t>
+            </a:r>
+            <a:endParaRPr lang="en-US" altLang="ja-JP" sz="2800" dirty="0" smtClean="0"/>
+          </a:p>
+          <a:p>
+            <a:endParaRPr lang="en-US" altLang="ja-JP" sz="2800" dirty="0"/>
+          </a:p>
+          <a:p>
+            <a:r>
+              <a:rPr lang="ja-JP" altLang="en-US" sz="2800" dirty="0" smtClean="0"/>
+              <a:t>　平均点を求める場合、ループを使いたい</a:t>
+            </a:r>
+            <a:r>
+              <a:rPr lang="ja-JP" altLang="en-US" sz="2800" dirty="0" err="1" smtClean="0"/>
+              <a:t>。。</a:t>
+            </a:r>
+            <a:endParaRPr lang="en-US" altLang="ja-JP" sz="2800" dirty="0" smtClean="0"/>
+          </a:p>
+          <a:p>
+            <a:r>
+              <a:rPr lang="ja-JP" altLang="en-US" sz="2800" dirty="0" smtClean="0"/>
+              <a:t>しかし、配列がないと、生徒が増えたときに大変</a:t>
+            </a:r>
+            <a:r>
+              <a:rPr lang="ja-JP" altLang="en-US" sz="2800" dirty="0" err="1" smtClean="0"/>
+              <a:t>。。</a:t>
+            </a:r>
+            <a:endParaRPr lang="en-US" altLang="ja-JP" sz="2800" dirty="0" smtClean="0"/>
           </a:p>
         </p:txBody>
       </p:sp>
     </p:spTree>
     <p:extLst>
       <p:ext uri="{BB962C8B-B14F-4D97-AF65-F5344CB8AC3E}">
-        <p14:creationId xmlns:p14="http://schemas.microsoft.com/office/powerpoint/2010/main" val="3738741296"/>
+        <p14:creationId xmlns:p14="http://schemas.microsoft.com/office/powerpoint/2010/main" val="3548006829"/>
       </p:ext>
     </p:extLst>
   </p:cSld>
@@ -6754,14 +4601,45 @@
       </p:grpSpPr>
       <p:sp>
         <p:nvSpPr>
+          <p:cNvPr id="2" name="タイトル 1"/>
+          <p:cNvSpPr>
+            <a:spLocks noGrp="1"/>
+          </p:cNvSpPr>
+          <p:nvPr>
+            <p:ph type="title"/>
+          </p:nvPr>
+        </p:nvSpPr>
+        <p:spPr/>
+        <p:txBody>
+          <a:bodyPr/>
+          <a:lstStyle/>
+          <a:p>
+            <a:r>
+              <a:rPr lang="en-US" altLang="ja-JP" dirty="0" smtClean="0"/>
+              <a:t>1-8 </a:t>
+            </a:r>
+            <a:r>
+              <a:rPr lang="ja-JP" altLang="en-US" dirty="0" smtClean="0"/>
+              <a:t>配列と繰り返し処理</a:t>
+            </a:r>
+            <a:r>
+              <a:rPr lang="ja-JP" altLang="en-US" dirty="0" smtClean="0"/>
+              <a:t>　</a:t>
+            </a:r>
+            <a:endParaRPr kumimoji="1" lang="ja-JP" altLang="en-US" dirty="0"/>
+          </a:p>
+        </p:txBody>
+      </p:sp>
+      <p:sp>
+        <p:nvSpPr>
           <p:cNvPr id="3" name="テキスト ボックス 2"/>
           <p:cNvSpPr txBox="1"/>
           <p:nvPr/>
         </p:nvSpPr>
         <p:spPr>
           <a:xfrm>
-            <a:off x="2630467" y="289653"/>
-            <a:ext cx="6288901" cy="523220"/>
+            <a:off x="487587" y="2233510"/>
+            <a:ext cx="11208420" cy="2246769"/>
           </a:xfrm>
           <a:prstGeom prst="rect">
             <a:avLst/>
@@ -6769,85 +4647,130 @@
           <a:noFill/>
         </p:spPr>
         <p:txBody>
-          <a:bodyPr wrap="none" rtlCol="0">
+          <a:bodyPr wrap="square" rtlCol="0">
             <a:spAutoFit/>
           </a:bodyPr>
           <a:lstStyle/>
           <a:p>
             <a:r>
-              <a:rPr kumimoji="1" lang="ja-JP" altLang="en-US" sz="2800" dirty="0" smtClean="0"/>
-              <a:t>１から１０までの整数の合計を求める</a:t>
-            </a:r>
-            <a:endParaRPr kumimoji="1" lang="en-US" altLang="ja-JP" sz="2800" dirty="0" smtClean="0"/>
-          </a:p>
-        </p:txBody>
-      </p:sp>
-      <p:pic>
-        <p:nvPicPr>
-          <p:cNvPr id="4" name="図 3"/>
-          <p:cNvPicPr>
-            <a:picLocks noChangeAspect="1"/>
-          </p:cNvPicPr>
-          <p:nvPr/>
-        </p:nvPicPr>
-        <p:blipFill>
-          <a:blip r:embed="rId2"/>
-          <a:stretch>
-            <a:fillRect/>
-          </a:stretch>
-        </p:blipFill>
-        <p:spPr>
-          <a:xfrm>
-            <a:off x="501042" y="1355615"/>
-            <a:ext cx="8251847" cy="5305954"/>
-          </a:xfrm>
-          <a:prstGeom prst="rect">
-            <a:avLst/>
-          </a:prstGeom>
-        </p:spPr>
-      </p:pic>
-      <p:sp>
-        <p:nvSpPr>
-          <p:cNvPr id="5" name="テキスト ボックス 4"/>
-          <p:cNvSpPr txBox="1"/>
-          <p:nvPr/>
-        </p:nvSpPr>
-        <p:spPr>
-          <a:xfrm>
-            <a:off x="2807047" y="2964319"/>
-            <a:ext cx="9623147" cy="584775"/>
-          </a:xfrm>
-          <a:prstGeom prst="rect">
-            <a:avLst/>
-          </a:prstGeom>
-          <a:noFill/>
-        </p:spPr>
-        <p:txBody>
-          <a:bodyPr wrap="none" rtlCol="0">
-            <a:spAutoFit/>
-          </a:bodyPr>
-          <a:lstStyle/>
-          <a:p>
-            <a:r>
-              <a:rPr kumimoji="1" lang="ja-JP" altLang="en-US" sz="3200" dirty="0" smtClean="0">
-                <a:solidFill>
-                  <a:srgbClr val="FF0000"/>
-                </a:solidFill>
-              </a:rPr>
-              <a:t>←同じ命令を繰り返して記述しなければならない。</a:t>
-            </a:r>
-            <a:endParaRPr kumimoji="1" lang="ja-JP" altLang="en-US" sz="3200" dirty="0">
-              <a:solidFill>
-                <a:srgbClr val="FF0000"/>
-              </a:solidFill>
-            </a:endParaRPr>
+              <a:rPr lang="ja-JP" altLang="en-US" sz="2800" dirty="0" smtClean="0"/>
+              <a:t>　</a:t>
+            </a:r>
+            <a:r>
+              <a:rPr lang="ja-JP" altLang="en-US" sz="2800" dirty="0" smtClean="0"/>
+              <a:t>配列の添え字</a:t>
+            </a:r>
+            <a:r>
+              <a:rPr lang="ja-JP" altLang="en-US" sz="2800" dirty="0"/>
+              <a:t>　</a:t>
+            </a:r>
+            <a:r>
+              <a:rPr lang="en-US" altLang="ja-JP" sz="2800" dirty="0" smtClean="0"/>
+              <a:t>C#</a:t>
+            </a:r>
+            <a:r>
+              <a:rPr lang="ja-JP" altLang="en-US" sz="2800" dirty="0" smtClean="0"/>
+              <a:t>に合わせて　</a:t>
+            </a:r>
+            <a:r>
+              <a:rPr lang="en-US" altLang="ja-JP" sz="2800" dirty="0" smtClean="0"/>
+              <a:t>0</a:t>
+            </a:r>
+            <a:r>
+              <a:rPr lang="ja-JP" altLang="en-US" sz="2800" dirty="0" smtClean="0"/>
+              <a:t>　から始まります。</a:t>
+            </a:r>
+            <a:endParaRPr lang="en-US" altLang="ja-JP" sz="2800" dirty="0" smtClean="0"/>
+          </a:p>
+          <a:p>
+            <a:r>
+              <a:rPr lang="en-US" altLang="ja-JP" sz="2800" dirty="0" smtClean="0"/>
+              <a:t>A[0</a:t>
+            </a:r>
+            <a:r>
+              <a:rPr lang="en-US" altLang="ja-JP" sz="2800" dirty="0"/>
+              <a:t>] </a:t>
+            </a:r>
+            <a:r>
+              <a:rPr lang="en-US" altLang="ja-JP" sz="2800" dirty="0" smtClean="0"/>
+              <a:t>A[1] A[2] A[3] A[4] A[5] A[6] A[7] A[8] A[9]   (</a:t>
+            </a:r>
+            <a:r>
+              <a:rPr lang="ja-JP" altLang="en-US" sz="2800" dirty="0" smtClean="0"/>
+              <a:t>合計</a:t>
+            </a:r>
+            <a:r>
+              <a:rPr lang="en-US" altLang="ja-JP" sz="2800" dirty="0" smtClean="0"/>
+              <a:t>10</a:t>
+            </a:r>
+            <a:r>
+              <a:rPr lang="ja-JP" altLang="en-US" sz="2800" dirty="0" smtClean="0"/>
+              <a:t>個</a:t>
+            </a:r>
+            <a:r>
+              <a:rPr lang="en-US" altLang="ja-JP" sz="2800" dirty="0" smtClean="0"/>
+              <a:t>)</a:t>
+            </a:r>
+          </a:p>
+          <a:p>
+            <a:endParaRPr lang="en-US" altLang="ja-JP" sz="2800" dirty="0"/>
+          </a:p>
+          <a:p>
+            <a:r>
+              <a:rPr lang="en-US" altLang="ja-JP" sz="2800" dirty="0" smtClean="0"/>
+              <a:t>    </a:t>
+            </a:r>
+            <a:r>
+              <a:rPr lang="ja-JP" altLang="en-US" sz="2800" dirty="0" smtClean="0"/>
+              <a:t>配列の宣言</a:t>
+            </a:r>
+            <a:endParaRPr lang="en-US" altLang="ja-JP" sz="2800" dirty="0" smtClean="0"/>
+          </a:p>
+          <a:p>
+            <a:r>
+              <a:rPr lang="ja-JP" altLang="en-US" sz="2800" dirty="0"/>
+              <a:t>　</a:t>
+            </a:r>
+            <a:r>
+              <a:rPr lang="ja-JP" altLang="en-US" sz="2800" dirty="0" smtClean="0"/>
+              <a:t>整数型：</a:t>
+            </a:r>
+            <a:r>
+              <a:rPr lang="en-US" altLang="ja-JP" sz="2800" dirty="0" smtClean="0"/>
+              <a:t>A[10]   </a:t>
+            </a:r>
+            <a:r>
+              <a:rPr lang="ja-JP" altLang="en-US" sz="2800" dirty="0" smtClean="0"/>
+              <a:t>（実際は、</a:t>
+            </a:r>
+            <a:r>
+              <a:rPr lang="en-US" altLang="ja-JP" sz="2800" dirty="0" smtClean="0"/>
+              <a:t>A[0]</a:t>
+            </a:r>
+            <a:r>
+              <a:rPr lang="ja-JP" altLang="en-US" sz="2800" dirty="0" smtClean="0"/>
+              <a:t>からはじまって、</a:t>
+            </a:r>
+            <a:r>
+              <a:rPr lang="en-US" altLang="ja-JP" sz="2800" dirty="0" smtClean="0"/>
+              <a:t>A[9]</a:t>
+            </a:r>
+            <a:r>
+              <a:rPr lang="ja-JP" altLang="en-US" sz="2800" dirty="0" smtClean="0"/>
+              <a:t>まで）</a:t>
+            </a:r>
+            <a:r>
+              <a:rPr lang="en-US" altLang="ja-JP" sz="2800" dirty="0" smtClean="0"/>
+              <a:t> </a:t>
+            </a:r>
+            <a:endParaRPr lang="en-US" altLang="ja-JP" sz="2800" dirty="0" smtClean="0"/>
           </a:p>
         </p:txBody>
       </p:sp>
     </p:spTree>
     <p:extLst>
       <p:ext uri="{BB962C8B-B14F-4D97-AF65-F5344CB8AC3E}">
-        <p14:creationId xmlns:p14="http://schemas.microsoft.com/office/powerpoint/2010/main" val="231530369"/>
+        <p14:creationId xmlns:p14="http://schemas.microsoft.com/office/powerpoint/2010/main" val="48897038"/>
       </p:ext>
     </p:extLst>
   </p:cSld>
@@ -6890,8 +4813,8 @@
         </p:blipFill>
         <p:spPr>
           <a:xfrm>
-            <a:off x="1776804" y="1414461"/>
-            <a:ext cx="8256544" cy="5113302"/>
+            <a:off x="720376" y="956151"/>
+            <a:ext cx="4327612" cy="5486371"/>
           </a:xfrm>
           <a:prstGeom prst="rect">
             <a:avLst/>
@@ -6906,8 +4829,8 @@
         </p:nvSpPr>
         <p:spPr>
           <a:xfrm>
-            <a:off x="914401" y="201970"/>
-            <a:ext cx="10785325" cy="954107"/>
+            <a:off x="2884182" y="309820"/>
+            <a:ext cx="6699270" cy="646331"/>
           </a:xfrm>
           <a:prstGeom prst="rect">
             <a:avLst/>
@@ -6921,52 +4844,45 @@
           <a:lstStyle/>
           <a:p>
             <a:r>
-              <a:rPr kumimoji="1" lang="ja-JP" altLang="en-US" sz="2800" dirty="0" smtClean="0"/>
-              <a:t>１から１０までの整数の合計を求める</a:t>
-            </a:r>
-            <a:endParaRPr kumimoji="1" lang="en-US" altLang="ja-JP" sz="2800" dirty="0" smtClean="0"/>
-          </a:p>
-          <a:p>
-            <a:r>
-              <a:rPr lang="ja-JP" altLang="en-US" sz="2800" dirty="0" smtClean="0"/>
-              <a:t>（効率よくかけるのと、</a:t>
-            </a:r>
-            <a:r>
-              <a:rPr lang="en-US" altLang="ja-JP" sz="2800" dirty="0" err="1" smtClean="0"/>
-              <a:t>Cnt</a:t>
-            </a:r>
-            <a:r>
-              <a:rPr lang="ja-JP" altLang="en-US" sz="2800" dirty="0" smtClean="0"/>
-              <a:t>を</a:t>
-            </a:r>
-            <a:r>
-              <a:rPr lang="en-US" altLang="ja-JP" sz="2800" dirty="0" smtClean="0"/>
-              <a:t>100</a:t>
-            </a:r>
-            <a:r>
-              <a:rPr lang="ja-JP" altLang="en-US" sz="2800" dirty="0" smtClean="0"/>
-              <a:t>とか</a:t>
-            </a:r>
-            <a:r>
-              <a:rPr lang="en-US" altLang="ja-JP" sz="2800" dirty="0" smtClean="0"/>
-              <a:t>1000</a:t>
-            </a:r>
-            <a:r>
-              <a:rPr lang="ja-JP" altLang="en-US" sz="2800" dirty="0" err="1" smtClean="0"/>
-              <a:t>に簡</a:t>
-            </a:r>
-            <a:r>
-              <a:rPr lang="ja-JP" altLang="en-US" sz="2800" dirty="0" smtClean="0"/>
-              <a:t>単に変更できる）</a:t>
-            </a:r>
-            <a:endParaRPr kumimoji="1" lang="en-US" altLang="ja-JP" sz="2800" dirty="0" smtClean="0"/>
-          </a:p>
-        </p:txBody>
-      </p:sp>
+              <a:rPr kumimoji="1" lang="en-US" altLang="ja-JP" sz="3600" dirty="0" smtClean="0"/>
+              <a:t>40</a:t>
+            </a:r>
+            <a:r>
+              <a:rPr kumimoji="1" lang="ja-JP" altLang="en-US" sz="3600" dirty="0" smtClean="0"/>
+              <a:t>ページのプログラムについて</a:t>
+            </a:r>
+            <a:endParaRPr kumimoji="1" lang="ja-JP" altLang="en-US" sz="3600" dirty="0"/>
+          </a:p>
+        </p:txBody>
+      </p:sp>
+      <p:pic>
+        <p:nvPicPr>
+          <p:cNvPr id="4" name="図 3"/>
+          <p:cNvPicPr>
+            <a:picLocks noChangeAspect="1"/>
+          </p:cNvPicPr>
+          <p:nvPr/>
+        </p:nvPicPr>
+        <p:blipFill>
+          <a:blip r:embed="rId3"/>
+          <a:stretch>
+            <a:fillRect/>
+          </a:stretch>
+        </p:blipFill>
+        <p:spPr>
+          <a:xfrm>
+            <a:off x="5405111" y="965661"/>
+            <a:ext cx="5781098" cy="4533265"/>
+          </a:xfrm>
+          <a:prstGeom prst="rect">
+            <a:avLst/>
+          </a:prstGeom>
+        </p:spPr>
+      </p:pic>
     </p:spTree>
     <p:extLst>
       <p:ext uri="{BB962C8B-B14F-4D97-AF65-F5344CB8AC3E}">
-        <p14:creationId xmlns:p14="http://schemas.microsoft.com/office/powerpoint/2010/main" val="3676105551"/>
+        <p14:creationId xmlns:p14="http://schemas.microsoft.com/office/powerpoint/2010/main" val="3898588142"/>
       </p:ext>
     </p:extLst>
   </p:cSld>

--- a/docs/第5回引数と返却値.pptx
+++ b/docs/第5回引数と返却値.pptx
@@ -252,7 +252,7 @@
           <a:p>
             <a:fld id="{BC217E9B-DFCD-4DFE-B7ED-A5F6001EB7CB}" type="datetimeFigureOut">
               <a:rPr kumimoji="1" lang="ja-JP" altLang="en-US" smtClean="0"/>
-              <a:t>2019/4/26</a:t>
+              <a:t>2019/4/30</a:t>
             </a:fld>
             <a:endParaRPr kumimoji="1" lang="ja-JP" altLang="en-US"/>
           </a:p>
@@ -454,7 +454,7 @@
           <a:p>
             <a:fld id="{BC217E9B-DFCD-4DFE-B7ED-A5F6001EB7CB}" type="datetimeFigureOut">
               <a:rPr kumimoji="1" lang="ja-JP" altLang="en-US" smtClean="0"/>
-              <a:t>2019/4/26</a:t>
+              <a:t>2019/4/30</a:t>
             </a:fld>
             <a:endParaRPr kumimoji="1" lang="ja-JP" altLang="en-US"/>
           </a:p>
@@ -666,7 +666,7 @@
           <a:p>
             <a:fld id="{BC217E9B-DFCD-4DFE-B7ED-A5F6001EB7CB}" type="datetimeFigureOut">
               <a:rPr kumimoji="1" lang="ja-JP" altLang="en-US" smtClean="0"/>
-              <a:t>2019/4/26</a:t>
+              <a:t>2019/4/30</a:t>
             </a:fld>
             <a:endParaRPr kumimoji="1" lang="ja-JP" altLang="en-US"/>
           </a:p>
@@ -868,7 +868,7 @@
           <a:p>
             <a:fld id="{BC217E9B-DFCD-4DFE-B7ED-A5F6001EB7CB}" type="datetimeFigureOut">
               <a:rPr kumimoji="1" lang="ja-JP" altLang="en-US" smtClean="0"/>
-              <a:t>2019/4/26</a:t>
+              <a:t>2019/4/30</a:t>
             </a:fld>
             <a:endParaRPr kumimoji="1" lang="ja-JP" altLang="en-US"/>
           </a:p>
@@ -1114,7 +1114,7 @@
           <a:p>
             <a:fld id="{BC217E9B-DFCD-4DFE-B7ED-A5F6001EB7CB}" type="datetimeFigureOut">
               <a:rPr kumimoji="1" lang="ja-JP" altLang="en-US" smtClean="0"/>
-              <a:t>2019/4/26</a:t>
+              <a:t>2019/4/30</a:t>
             </a:fld>
             <a:endParaRPr kumimoji="1" lang="ja-JP" altLang="en-US"/>
           </a:p>
@@ -1410,7 +1410,7 @@
           <a:p>
             <a:fld id="{BC217E9B-DFCD-4DFE-B7ED-A5F6001EB7CB}" type="datetimeFigureOut">
               <a:rPr kumimoji="1" lang="ja-JP" altLang="en-US" smtClean="0"/>
-              <a:t>2019/4/26</a:t>
+              <a:t>2019/4/30</a:t>
             </a:fld>
             <a:endParaRPr kumimoji="1" lang="ja-JP" altLang="en-US"/>
           </a:p>
@@ -1841,7 +1841,7 @@
           <a:p>
             <a:fld id="{BC217E9B-DFCD-4DFE-B7ED-A5F6001EB7CB}" type="datetimeFigureOut">
               <a:rPr kumimoji="1" lang="ja-JP" altLang="en-US" smtClean="0"/>
-              <a:t>2019/4/26</a:t>
+              <a:t>2019/4/30</a:t>
             </a:fld>
             <a:endParaRPr kumimoji="1" lang="ja-JP" altLang="en-US"/>
           </a:p>
@@ -1959,7 +1959,7 @@
           <a:p>
             <a:fld id="{BC217E9B-DFCD-4DFE-B7ED-A5F6001EB7CB}" type="datetimeFigureOut">
               <a:rPr kumimoji="1" lang="ja-JP" altLang="en-US" smtClean="0"/>
-              <a:t>2019/4/26</a:t>
+              <a:t>2019/4/30</a:t>
             </a:fld>
             <a:endParaRPr kumimoji="1" lang="ja-JP" altLang="en-US"/>
           </a:p>
@@ -2054,7 +2054,7 @@
           <a:p>
             <a:fld id="{BC217E9B-DFCD-4DFE-B7ED-A5F6001EB7CB}" type="datetimeFigureOut">
               <a:rPr kumimoji="1" lang="ja-JP" altLang="en-US" smtClean="0"/>
-              <a:t>2019/4/26</a:t>
+              <a:t>2019/4/30</a:t>
             </a:fld>
             <a:endParaRPr kumimoji="1" lang="ja-JP" altLang="en-US"/>
           </a:p>
@@ -2363,7 +2363,7 @@
           <a:p>
             <a:fld id="{BC217E9B-DFCD-4DFE-B7ED-A5F6001EB7CB}" type="datetimeFigureOut">
               <a:rPr kumimoji="1" lang="ja-JP" altLang="en-US" smtClean="0"/>
-              <a:t>2019/4/26</a:t>
+              <a:t>2019/4/30</a:t>
             </a:fld>
             <a:endParaRPr kumimoji="1" lang="ja-JP" altLang="en-US"/>
           </a:p>
@@ -2616,7 +2616,7 @@
           <a:p>
             <a:fld id="{BC217E9B-DFCD-4DFE-B7ED-A5F6001EB7CB}" type="datetimeFigureOut">
               <a:rPr kumimoji="1" lang="ja-JP" altLang="en-US" smtClean="0"/>
-              <a:t>2019/4/26</a:t>
+              <a:t>2019/4/30</a:t>
             </a:fld>
             <a:endParaRPr kumimoji="1" lang="ja-JP" altLang="en-US"/>
           </a:p>
@@ -2861,7 +2861,7 @@
           <a:p>
             <a:fld id="{BC217E9B-DFCD-4DFE-B7ED-A5F6001EB7CB}" type="datetimeFigureOut">
               <a:rPr kumimoji="1" lang="ja-JP" altLang="en-US" smtClean="0"/>
-              <a:t>2019/4/26</a:t>
+              <a:t>2019/4/30</a:t>
             </a:fld>
             <a:endParaRPr kumimoji="1" lang="ja-JP" altLang="en-US"/>
           </a:p>
@@ -4440,11 +4440,7 @@
             </a:r>
             <a:r>
               <a:rPr lang="ja-JP" altLang="en-US" dirty="0" smtClean="0"/>
-              <a:t>配列と繰り返し処理</a:t>
-            </a:r>
-            <a:r>
-              <a:rPr lang="ja-JP" altLang="en-US" dirty="0" smtClean="0"/>
-              <a:t>　</a:t>
+              <a:t>配列と繰り返し処理　</a:t>
             </a:r>
             <a:r>
               <a:rPr lang="en-US" altLang="ja-JP" dirty="0" smtClean="0"/>
@@ -4620,11 +4616,7 @@
             </a:r>
             <a:r>
               <a:rPr lang="ja-JP" altLang="en-US" dirty="0" smtClean="0"/>
-              <a:t>配列と繰り返し処理</a:t>
-            </a:r>
-            <a:r>
-              <a:rPr lang="ja-JP" altLang="en-US" dirty="0" smtClean="0"/>
-              <a:t>　</a:t>
+              <a:t>配列と繰り返し処理　</a:t>
             </a:r>
             <a:endParaRPr kumimoji="1" lang="ja-JP" altLang="en-US" dirty="0"/>
           </a:p>
@@ -4654,11 +4646,7 @@
           <a:p>
             <a:r>
               <a:rPr lang="ja-JP" altLang="en-US" sz="2800" dirty="0" smtClean="0"/>
-              <a:t>　</a:t>
-            </a:r>
-            <a:r>
-              <a:rPr lang="ja-JP" altLang="en-US" sz="2800" dirty="0" smtClean="0"/>
-              <a:t>配列の添え字</a:t>
+              <a:t>　配列の添え字</a:t>
             </a:r>
             <a:r>
               <a:rPr lang="ja-JP" altLang="en-US" sz="2800" dirty="0"/>
@@ -4763,7 +4751,6 @@
               <a:rPr lang="en-US" altLang="ja-JP" sz="2800" dirty="0" smtClean="0"/>
               <a:t> </a:t>
             </a:r>
-            <a:endParaRPr lang="en-US" altLang="ja-JP" sz="2800" dirty="0" smtClean="0"/>
           </a:p>
         </p:txBody>
       </p:sp>
@@ -4813,7 +4800,7 @@
         </p:blipFill>
         <p:spPr>
           <a:xfrm>
-            <a:off x="720376" y="956151"/>
+            <a:off x="562434" y="956151"/>
             <a:ext cx="4327612" cy="5486371"/>
           </a:xfrm>
           <a:prstGeom prst="rect">
@@ -4879,6 +4866,198 @@
           </a:prstGeom>
         </p:spPr>
       </p:pic>
+      <p:sp>
+        <p:nvSpPr>
+          <p:cNvPr id="5" name="正方形/長方形 4"/>
+          <p:cNvSpPr/>
+          <p:nvPr/>
+        </p:nvSpPr>
+        <p:spPr>
+          <a:xfrm>
+            <a:off x="293663" y="1375621"/>
+            <a:ext cx="1851021" cy="3129877"/>
+          </a:xfrm>
+          <a:prstGeom prst="rect">
+            <a:avLst/>
+          </a:prstGeom>
+          <a:noFill/>
+          <a:ln w="57150">
+            <a:solidFill>
+              <a:srgbClr val="FF0000"/>
+            </a:solidFill>
+          </a:ln>
+        </p:spPr>
+        <p:style>
+          <a:lnRef idx="2">
+            <a:schemeClr val="accent1">
+              <a:shade val="50000"/>
+            </a:schemeClr>
+          </a:lnRef>
+          <a:fillRef idx="1">
+            <a:schemeClr val="accent1"/>
+          </a:fillRef>
+          <a:effectRef idx="0">
+            <a:schemeClr val="accent1"/>
+          </a:effectRef>
+          <a:fontRef idx="minor">
+            <a:schemeClr val="lt1"/>
+          </a:fontRef>
+        </p:style>
+        <p:txBody>
+          <a:bodyPr rtlCol="0" anchor="ctr"/>
+          <a:lstStyle/>
+          <a:p>
+            <a:pPr algn="ctr"/>
+            <a:endParaRPr kumimoji="1" lang="ja-JP" altLang="en-US">
+              <a:solidFill>
+                <a:srgbClr val="FF0000"/>
+              </a:solidFill>
+            </a:endParaRPr>
+          </a:p>
+        </p:txBody>
+      </p:sp>
+      <p:sp>
+        <p:nvSpPr>
+          <p:cNvPr id="6" name="テキスト ボックス 5"/>
+          <p:cNvSpPr txBox="1"/>
+          <p:nvPr/>
+        </p:nvSpPr>
+        <p:spPr>
+          <a:xfrm>
+            <a:off x="2413455" y="2303524"/>
+            <a:ext cx="2383986" cy="461665"/>
+          </a:xfrm>
+          <a:prstGeom prst="rect">
+            <a:avLst/>
+          </a:prstGeom>
+          <a:noFill/>
+        </p:spPr>
+        <p:txBody>
+          <a:bodyPr wrap="none" rtlCol="0">
+            <a:spAutoFit/>
+          </a:bodyPr>
+          <a:lstStyle/>
+          <a:p>
+            <a:r>
+              <a:rPr kumimoji="1" lang="en-US" altLang="ja-JP" sz="2400" b="1" dirty="0" smtClean="0">
+                <a:solidFill>
+                  <a:srgbClr val="FF0000"/>
+                </a:solidFill>
+              </a:rPr>
+              <a:t>20</a:t>
+            </a:r>
+            <a:r>
+              <a:rPr kumimoji="1" lang="ja-JP" altLang="en-US" sz="2400" b="1" dirty="0" smtClean="0">
+                <a:solidFill>
+                  <a:srgbClr val="FF0000"/>
+                </a:solidFill>
+              </a:rPr>
+              <a:t>行にもなる！</a:t>
+            </a:r>
+            <a:endParaRPr kumimoji="1" lang="ja-JP" altLang="en-US" sz="2400" b="1" dirty="0">
+              <a:solidFill>
+                <a:srgbClr val="FF0000"/>
+              </a:solidFill>
+            </a:endParaRPr>
+          </a:p>
+        </p:txBody>
+      </p:sp>
+      <p:sp>
+        <p:nvSpPr>
+          <p:cNvPr id="7" name="正方形/長方形 6"/>
+          <p:cNvSpPr/>
+          <p:nvPr/>
+        </p:nvSpPr>
+        <p:spPr>
+          <a:xfrm>
+            <a:off x="5405111" y="1569585"/>
+            <a:ext cx="2334038" cy="1040611"/>
+          </a:xfrm>
+          <a:prstGeom prst="rect">
+            <a:avLst/>
+          </a:prstGeom>
+          <a:noFill/>
+          <a:ln w="57150">
+            <a:solidFill>
+              <a:srgbClr val="FF0000"/>
+            </a:solidFill>
+          </a:ln>
+        </p:spPr>
+        <p:style>
+          <a:lnRef idx="2">
+            <a:schemeClr val="accent1">
+              <a:shade val="50000"/>
+            </a:schemeClr>
+          </a:lnRef>
+          <a:fillRef idx="1">
+            <a:schemeClr val="accent1"/>
+          </a:fillRef>
+          <a:effectRef idx="0">
+            <a:schemeClr val="accent1"/>
+          </a:effectRef>
+          <a:fontRef idx="minor">
+            <a:schemeClr val="lt1"/>
+          </a:fontRef>
+        </p:style>
+        <p:txBody>
+          <a:bodyPr rtlCol="0" anchor="ctr"/>
+          <a:lstStyle/>
+          <a:p>
+            <a:pPr algn="ctr"/>
+            <a:endParaRPr kumimoji="1" lang="ja-JP" altLang="en-US">
+              <a:solidFill>
+                <a:srgbClr val="FF0000"/>
+              </a:solidFill>
+            </a:endParaRPr>
+          </a:p>
+        </p:txBody>
+      </p:sp>
+      <p:sp>
+        <p:nvSpPr>
+          <p:cNvPr id="8" name="テキスト ボックス 7"/>
+          <p:cNvSpPr txBox="1"/>
+          <p:nvPr/>
+        </p:nvSpPr>
+        <p:spPr>
+          <a:xfrm>
+            <a:off x="7969128" y="1841859"/>
+            <a:ext cx="2515432" cy="461665"/>
+          </a:xfrm>
+          <a:prstGeom prst="rect">
+            <a:avLst/>
+          </a:prstGeom>
+          <a:noFill/>
+        </p:spPr>
+        <p:txBody>
+          <a:bodyPr wrap="none" rtlCol="0">
+            <a:spAutoFit/>
+          </a:bodyPr>
+          <a:lstStyle/>
+          <a:p>
+            <a:r>
+              <a:rPr kumimoji="1" lang="en-US" altLang="ja-JP" sz="2400" b="1" dirty="0" smtClean="0">
+                <a:solidFill>
+                  <a:srgbClr val="FF0000"/>
+                </a:solidFill>
+              </a:rPr>
+              <a:t>4</a:t>
+            </a:r>
+            <a:r>
+              <a:rPr kumimoji="1" lang="ja-JP" altLang="en-US" sz="2400" b="1" dirty="0" smtClean="0">
+                <a:solidFill>
+                  <a:srgbClr val="FF0000"/>
+                </a:solidFill>
+              </a:rPr>
+              <a:t>行ですみます！</a:t>
+            </a:r>
+            <a:endParaRPr kumimoji="1" lang="ja-JP" altLang="en-US" sz="2400" b="1" dirty="0">
+              <a:solidFill>
+                <a:srgbClr val="FF0000"/>
+              </a:solidFill>
+            </a:endParaRPr>
+          </a:p>
+        </p:txBody>
+      </p:sp>
     </p:spTree>
     <p:extLst>
       <p:ext uri="{BB962C8B-B14F-4D97-AF65-F5344CB8AC3E}">
